--- a/SectionD/Flux_GroupD_combined.pptx
+++ b/SectionD/Flux_GroupD_combined.pptx
@@ -5,7 +5,7 @@
     <p:sldMasterId id="2147483648" r:id="rId1"/>
   </p:sldMasterIdLst>
   <p:notesMasterIdLst>
-    <p:notesMasterId r:id="rId50"/>
+    <p:notesMasterId r:id="rId51"/>
   </p:notesMasterIdLst>
   <p:sldIdLst>
     <p:sldId id="297" r:id="rId2"/>
@@ -28,55 +28,56 @@
     <p:sldId id="262" r:id="rId19"/>
     <p:sldId id="264" r:id="rId20"/>
     <p:sldId id="265" r:id="rId21"/>
-    <p:sldId id="266" r:id="rId22"/>
-    <p:sldId id="277" r:id="rId23"/>
-    <p:sldId id="278" r:id="rId24"/>
-    <p:sldId id="267" r:id="rId25"/>
-    <p:sldId id="271" r:id="rId26"/>
-    <p:sldId id="272" r:id="rId27"/>
-    <p:sldId id="268" r:id="rId28"/>
-    <p:sldId id="270" r:id="rId29"/>
-    <p:sldId id="304" r:id="rId30"/>
-    <p:sldId id="305" r:id="rId31"/>
-    <p:sldId id="306" r:id="rId32"/>
-    <p:sldId id="303" r:id="rId33"/>
-    <p:sldId id="307" r:id="rId34"/>
-    <p:sldId id="273" r:id="rId35"/>
-    <p:sldId id="310" r:id="rId36"/>
-    <p:sldId id="274" r:id="rId37"/>
-    <p:sldId id="275" r:id="rId38"/>
-    <p:sldId id="276" r:id="rId39"/>
-    <p:sldId id="279" r:id="rId40"/>
-    <p:sldId id="290" r:id="rId41"/>
-    <p:sldId id="291" r:id="rId42"/>
-    <p:sldId id="292" r:id="rId43"/>
-    <p:sldId id="293" r:id="rId44"/>
-    <p:sldId id="294" r:id="rId45"/>
-    <p:sldId id="295" r:id="rId46"/>
-    <p:sldId id="296" r:id="rId47"/>
-    <p:sldId id="298" r:id="rId48"/>
-    <p:sldId id="299" r:id="rId49"/>
+    <p:sldId id="311" r:id="rId22"/>
+    <p:sldId id="266" r:id="rId23"/>
+    <p:sldId id="277" r:id="rId24"/>
+    <p:sldId id="278" r:id="rId25"/>
+    <p:sldId id="267" r:id="rId26"/>
+    <p:sldId id="271" r:id="rId27"/>
+    <p:sldId id="272" r:id="rId28"/>
+    <p:sldId id="268" r:id="rId29"/>
+    <p:sldId id="270" r:id="rId30"/>
+    <p:sldId id="304" r:id="rId31"/>
+    <p:sldId id="305" r:id="rId32"/>
+    <p:sldId id="306" r:id="rId33"/>
+    <p:sldId id="303" r:id="rId34"/>
+    <p:sldId id="307" r:id="rId35"/>
+    <p:sldId id="273" r:id="rId36"/>
+    <p:sldId id="310" r:id="rId37"/>
+    <p:sldId id="274" r:id="rId38"/>
+    <p:sldId id="275" r:id="rId39"/>
+    <p:sldId id="276" r:id="rId40"/>
+    <p:sldId id="279" r:id="rId41"/>
+    <p:sldId id="290" r:id="rId42"/>
+    <p:sldId id="291" r:id="rId43"/>
+    <p:sldId id="292" r:id="rId44"/>
+    <p:sldId id="293" r:id="rId45"/>
+    <p:sldId id="294" r:id="rId46"/>
+    <p:sldId id="295" r:id="rId47"/>
+    <p:sldId id="296" r:id="rId48"/>
+    <p:sldId id="298" r:id="rId49"/>
+    <p:sldId id="299" r:id="rId50"/>
   </p:sldIdLst>
   <p:sldSz cx="9144000" cy="5143500" type="screen16x9"/>
   <p:notesSz cx="6858000" cy="9144000"/>
   <p:embeddedFontLst>
     <p:embeddedFont>
       <p:font typeface="Cambria Math" panose="02040503050406030204" pitchFamily="18" charset="0"/>
-      <p:regular r:id="rId51"/>
+      <p:regular r:id="rId52"/>
     </p:embeddedFont>
     <p:embeddedFont>
       <p:font typeface="Roboto Mono" panose="02000000000000000000" pitchFamily="2" charset="0"/>
-      <p:regular r:id="rId52"/>
-      <p:bold r:id="rId53"/>
-      <p:italic r:id="rId54"/>
-      <p:boldItalic r:id="rId55"/>
+      <p:regular r:id="rId53"/>
+      <p:bold r:id="rId54"/>
+      <p:italic r:id="rId55"/>
+      <p:boldItalic r:id="rId56"/>
     </p:embeddedFont>
     <p:embeddedFont>
       <p:font typeface="Volkhov" panose="02000503000000020004" pitchFamily="2" charset="0"/>
-      <p:regular r:id="rId56"/>
-      <p:bold r:id="rId57"/>
-      <p:italic r:id="rId58"/>
-      <p:boldItalic r:id="rId59"/>
+      <p:regular r:id="rId57"/>
+      <p:bold r:id="rId58"/>
+      <p:italic r:id="rId59"/>
+      <p:boldItalic r:id="rId60"/>
     </p:embeddedFont>
   </p:embeddedFontLst>
   <p:defaultTextStyle>
@@ -344,7 +345,7 @@
       </p15:sldGuideLst>
     </p:ext>
     <p:ext uri="http://customooxmlschemas.google.com/">
-      <go:slidesCustomData xmlns="" xmlns:mc="http://schemas.openxmlformats.org/markup-compatibility/2006" xmlns:mv="urn:schemas-microsoft-com:mac:vml" xmlns:c="http://schemas.openxmlformats.org/drawingml/2006/chart" xmlns:dgm="http://schemas.openxmlformats.org/drawingml/2006/diagram" xmlns:o="urn:schemas-microsoft-com:office:office" xmlns:v="urn:schemas-microsoft-com:vml" xmlns:pvml="urn:schemas-microsoft-com:office:powerpoint" xmlns:com="http://schemas.openxmlformats.org/drawingml/2006/compatibility" xmlns:p14="http://schemas.microsoft.com/office/powerpoint/2010/main" xmlns:p15="http://schemas.microsoft.com/office/powerpoint/2012/main" xmlns:ahyp="http://schemas.microsoft.com/office/drawing/2018/hyperlinkcolor" xmlns:go="http://customooxmlschemas.google.com/" r:id="rId60" roundtripDataSignature="AMtx7mjVEutm0MKoGVkYy2aZ/YXLDTG8zQ=="/>
+      <go:slidesCustomData xmlns="" xmlns:mc="http://schemas.openxmlformats.org/markup-compatibility/2006" xmlns:mv="urn:schemas-microsoft-com:mac:vml" xmlns:c="http://schemas.openxmlformats.org/drawingml/2006/chart" xmlns:dgm="http://schemas.openxmlformats.org/drawingml/2006/diagram" xmlns:o="urn:schemas-microsoft-com:office:office" xmlns:v="urn:schemas-microsoft-com:vml" xmlns:pvml="urn:schemas-microsoft-com:office:powerpoint" xmlns:com="http://schemas.openxmlformats.org/drawingml/2006/compatibility" xmlns:p14="http://schemas.microsoft.com/office/powerpoint/2010/main" xmlns:p15="http://schemas.microsoft.com/office/powerpoint/2012/main" xmlns:ahyp="http://schemas.microsoft.com/office/drawing/2018/hyperlinkcolor" xmlns:go="http://customooxmlschemas.google.com/" r:id="rId61" roundtripDataSignature="AMtx7mjVEutm0MKoGVkYy2aZ/YXLDTG8zQ=="/>
     </p:ext>
   </p:extLst>
 </p:presentation>
@@ -2689,7 +2690,7 @@
     </p:spTree>
     <p:extLst>
       <p:ext uri="{BB962C8B-B14F-4D97-AF65-F5344CB8AC3E}">
-        <p14:creationId xmlns:p14="http://schemas.microsoft.com/office/powerpoint/2010/main" val="3745257900"/>
+        <p14:creationId xmlns:p14="http://schemas.microsoft.com/office/powerpoint/2010/main" val="354226708"/>
       </p:ext>
     </p:extLst>
   </p:cSld>
@@ -2816,7 +2817,7 @@
     </p:spTree>
     <p:extLst>
       <p:ext uri="{BB962C8B-B14F-4D97-AF65-F5344CB8AC3E}">
-        <p14:creationId xmlns:p14="http://schemas.microsoft.com/office/powerpoint/2010/main" val="1380554776"/>
+        <p14:creationId xmlns:p14="http://schemas.microsoft.com/office/powerpoint/2010/main" val="3745257900"/>
       </p:ext>
     </p:extLst>
   </p:cSld>
@@ -2943,7 +2944,7 @@
     </p:spTree>
     <p:extLst>
       <p:ext uri="{BB962C8B-B14F-4D97-AF65-F5344CB8AC3E}">
-        <p14:creationId xmlns:p14="http://schemas.microsoft.com/office/powerpoint/2010/main" val="4026327495"/>
+        <p14:creationId xmlns:p14="http://schemas.microsoft.com/office/powerpoint/2010/main" val="1380554776"/>
       </p:ext>
     </p:extLst>
   </p:cSld>
@@ -3070,7 +3071,7 @@
     </p:spTree>
     <p:extLst>
       <p:ext uri="{BB962C8B-B14F-4D97-AF65-F5344CB8AC3E}">
-        <p14:creationId xmlns:p14="http://schemas.microsoft.com/office/powerpoint/2010/main" val="1566109539"/>
+        <p14:creationId xmlns:p14="http://schemas.microsoft.com/office/powerpoint/2010/main" val="4026327495"/>
       </p:ext>
     </p:extLst>
   </p:cSld>
@@ -3190,18 +3191,14 @@
               <a:buSzPts val="1100"/>
               <a:buNone/>
             </a:pPr>
-            <a:r>
-              <a:rPr lang="en-US" dirty="0"/>
-              <a:t>With three trials, if participants have two options on every trial, then there are actually only 8 possible patterns of behavior that we could observe. And so we’re never going to have much evidence in favor of any particular set of learning computations over any other possible computations. So we need to make sure that our model-fitting results can actually provide us with information about the algorithms participants may have used to make their choices.</a:t>
-            </a:r>
-            <a:endParaRPr dirty="0"/>
+            <a:endParaRPr/>
           </a:p>
         </p:txBody>
       </p:sp>
     </p:spTree>
     <p:extLst>
       <p:ext uri="{BB962C8B-B14F-4D97-AF65-F5344CB8AC3E}">
-        <p14:creationId xmlns:p14="http://schemas.microsoft.com/office/powerpoint/2010/main" val="1482517289"/>
+        <p14:creationId xmlns:p14="http://schemas.microsoft.com/office/powerpoint/2010/main" val="1566109539"/>
       </p:ext>
     </p:extLst>
   </p:cSld>
@@ -3321,14 +3318,18 @@
               <a:buSzPts val="1100"/>
               <a:buNone/>
             </a:pPr>
-            <a:endParaRPr/>
+            <a:r>
+              <a:rPr lang="en-US" dirty="0"/>
+              <a:t>With three trials, if participants have two options on every trial, then there are actually only 8 possible patterns of behavior that we could observe. And so we’re never going to have much evidence in favor of any particular set of learning computations over any other possible computations. So we need to make sure that our model-fitting results can actually provide us with information about the algorithms participants may have used to make their choices.</a:t>
+            </a:r>
+            <a:endParaRPr dirty="0"/>
           </a:p>
         </p:txBody>
       </p:sp>
     </p:spTree>
     <p:extLst>
       <p:ext uri="{BB962C8B-B14F-4D97-AF65-F5344CB8AC3E}">
-        <p14:creationId xmlns:p14="http://schemas.microsoft.com/office/powerpoint/2010/main" val="3416043175"/>
+        <p14:creationId xmlns:p14="http://schemas.microsoft.com/office/powerpoint/2010/main" val="1482517289"/>
       </p:ext>
     </p:extLst>
   </p:cSld>
@@ -3455,7 +3456,7 @@
     </p:spTree>
     <p:extLst>
       <p:ext uri="{BB962C8B-B14F-4D97-AF65-F5344CB8AC3E}">
-        <p14:creationId xmlns:p14="http://schemas.microsoft.com/office/powerpoint/2010/main" val="210172686"/>
+        <p14:creationId xmlns:p14="http://schemas.microsoft.com/office/powerpoint/2010/main" val="3416043175"/>
       </p:ext>
     </p:extLst>
   </p:cSld>
@@ -3582,7 +3583,7 @@
     </p:spTree>
     <p:extLst>
       <p:ext uri="{BB962C8B-B14F-4D97-AF65-F5344CB8AC3E}">
-        <p14:creationId xmlns:p14="http://schemas.microsoft.com/office/powerpoint/2010/main" val="508467855"/>
+        <p14:creationId xmlns:p14="http://schemas.microsoft.com/office/powerpoint/2010/main" val="210172686"/>
       </p:ext>
     </p:extLst>
   </p:cSld>
@@ -3709,7 +3710,7 @@
     </p:spTree>
     <p:extLst>
       <p:ext uri="{BB962C8B-B14F-4D97-AF65-F5344CB8AC3E}">
-        <p14:creationId xmlns:p14="http://schemas.microsoft.com/office/powerpoint/2010/main" val="2233665931"/>
+        <p14:creationId xmlns:p14="http://schemas.microsoft.com/office/powerpoint/2010/main" val="508467855"/>
       </p:ext>
     </p:extLst>
   </p:cSld>
@@ -3963,7 +3964,7 @@
     </p:spTree>
     <p:extLst>
       <p:ext uri="{BB962C8B-B14F-4D97-AF65-F5344CB8AC3E}">
-        <p14:creationId xmlns:p14="http://schemas.microsoft.com/office/powerpoint/2010/main" val="2365708767"/>
+        <p14:creationId xmlns:p14="http://schemas.microsoft.com/office/powerpoint/2010/main" val="2233665931"/>
       </p:ext>
     </p:extLst>
   </p:cSld>
@@ -4090,7 +4091,7 @@
     </p:spTree>
     <p:extLst>
       <p:ext uri="{BB962C8B-B14F-4D97-AF65-F5344CB8AC3E}">
-        <p14:creationId xmlns:p14="http://schemas.microsoft.com/office/powerpoint/2010/main" val="891474264"/>
+        <p14:creationId xmlns:p14="http://schemas.microsoft.com/office/powerpoint/2010/main" val="2365708767"/>
       </p:ext>
     </p:extLst>
   </p:cSld>
@@ -4217,7 +4218,7 @@
     </p:spTree>
     <p:extLst>
       <p:ext uri="{BB962C8B-B14F-4D97-AF65-F5344CB8AC3E}">
-        <p14:creationId xmlns:p14="http://schemas.microsoft.com/office/powerpoint/2010/main" val="3795137361"/>
+        <p14:creationId xmlns:p14="http://schemas.microsoft.com/office/powerpoint/2010/main" val="891474264"/>
       </p:ext>
     </p:extLst>
   </p:cSld>
@@ -4344,7 +4345,7 @@
     </p:spTree>
     <p:extLst>
       <p:ext uri="{BB962C8B-B14F-4D97-AF65-F5344CB8AC3E}">
-        <p14:creationId xmlns:p14="http://schemas.microsoft.com/office/powerpoint/2010/main" val="1219022254"/>
+        <p14:creationId xmlns:p14="http://schemas.microsoft.com/office/powerpoint/2010/main" val="3795137361"/>
       </p:ext>
     </p:extLst>
   </p:cSld>
@@ -4471,7 +4472,7 @@
     </p:spTree>
     <p:extLst>
       <p:ext uri="{BB962C8B-B14F-4D97-AF65-F5344CB8AC3E}">
-        <p14:creationId xmlns:p14="http://schemas.microsoft.com/office/powerpoint/2010/main" val="57308641"/>
+        <p14:creationId xmlns:p14="http://schemas.microsoft.com/office/powerpoint/2010/main" val="1219022254"/>
       </p:ext>
     </p:extLst>
   </p:cSld>
@@ -4598,7 +4599,7 @@
     </p:spTree>
     <p:extLst>
       <p:ext uri="{BB962C8B-B14F-4D97-AF65-F5344CB8AC3E}">
-        <p14:creationId xmlns:p14="http://schemas.microsoft.com/office/powerpoint/2010/main" val="2720339896"/>
+        <p14:creationId xmlns:p14="http://schemas.microsoft.com/office/powerpoint/2010/main" val="57308641"/>
       </p:ext>
     </p:extLst>
   </p:cSld>
@@ -4725,7 +4726,7 @@
     </p:spTree>
     <p:extLst>
       <p:ext uri="{BB962C8B-B14F-4D97-AF65-F5344CB8AC3E}">
-        <p14:creationId xmlns:p14="http://schemas.microsoft.com/office/powerpoint/2010/main" val="1042927071"/>
+        <p14:creationId xmlns:p14="http://schemas.microsoft.com/office/powerpoint/2010/main" val="2720339896"/>
       </p:ext>
     </p:extLst>
   </p:cSld>
@@ -4852,7 +4853,7 @@
     </p:spTree>
     <p:extLst>
       <p:ext uri="{BB962C8B-B14F-4D97-AF65-F5344CB8AC3E}">
-        <p14:creationId xmlns:p14="http://schemas.microsoft.com/office/powerpoint/2010/main" val="1738620345"/>
+        <p14:creationId xmlns:p14="http://schemas.microsoft.com/office/powerpoint/2010/main" val="1042927071"/>
       </p:ext>
     </p:extLst>
   </p:cSld>
@@ -4979,7 +4980,7 @@
     </p:spTree>
     <p:extLst>
       <p:ext uri="{BB962C8B-B14F-4D97-AF65-F5344CB8AC3E}">
-        <p14:creationId xmlns:p14="http://schemas.microsoft.com/office/powerpoint/2010/main" val="671952763"/>
+        <p14:creationId xmlns:p14="http://schemas.microsoft.com/office/powerpoint/2010/main" val="1738620345"/>
       </p:ext>
     </p:extLst>
   </p:cSld>
@@ -5106,7 +5107,7 @@
     </p:spTree>
     <p:extLst>
       <p:ext uri="{BB962C8B-B14F-4D97-AF65-F5344CB8AC3E}">
-        <p14:creationId xmlns:p14="http://schemas.microsoft.com/office/powerpoint/2010/main" val="3836640612"/>
+        <p14:creationId xmlns:p14="http://schemas.microsoft.com/office/powerpoint/2010/main" val="671952763"/>
       </p:ext>
     </p:extLst>
   </p:cSld>
@@ -5360,7 +5361,7 @@
     </p:spTree>
     <p:extLst>
       <p:ext uri="{BB962C8B-B14F-4D97-AF65-F5344CB8AC3E}">
-        <p14:creationId xmlns:p14="http://schemas.microsoft.com/office/powerpoint/2010/main" val="3020161992"/>
+        <p14:creationId xmlns:p14="http://schemas.microsoft.com/office/powerpoint/2010/main" val="3836640612"/>
       </p:ext>
     </p:extLst>
   </p:cSld>
@@ -5487,7 +5488,7 @@
     </p:spTree>
     <p:extLst>
       <p:ext uri="{BB962C8B-B14F-4D97-AF65-F5344CB8AC3E}">
-        <p14:creationId xmlns:p14="http://schemas.microsoft.com/office/powerpoint/2010/main" val="1322542353"/>
+        <p14:creationId xmlns:p14="http://schemas.microsoft.com/office/powerpoint/2010/main" val="3020161992"/>
       </p:ext>
     </p:extLst>
   </p:cSld>
@@ -5614,7 +5615,7 @@
     </p:spTree>
     <p:extLst>
       <p:ext uri="{BB962C8B-B14F-4D97-AF65-F5344CB8AC3E}">
-        <p14:creationId xmlns:p14="http://schemas.microsoft.com/office/powerpoint/2010/main" val="3666277040"/>
+        <p14:creationId xmlns:p14="http://schemas.microsoft.com/office/powerpoint/2010/main" val="1322542353"/>
       </p:ext>
     </p:extLst>
   </p:cSld>
@@ -5741,7 +5742,7 @@
     </p:spTree>
     <p:extLst>
       <p:ext uri="{BB962C8B-B14F-4D97-AF65-F5344CB8AC3E}">
-        <p14:creationId xmlns:p14="http://schemas.microsoft.com/office/powerpoint/2010/main" val="4290869338"/>
+        <p14:creationId xmlns:p14="http://schemas.microsoft.com/office/powerpoint/2010/main" val="3666277040"/>
       </p:ext>
     </p:extLst>
   </p:cSld>
@@ -5868,7 +5869,7 @@
     </p:spTree>
     <p:extLst>
       <p:ext uri="{BB962C8B-B14F-4D97-AF65-F5344CB8AC3E}">
-        <p14:creationId xmlns:p14="http://schemas.microsoft.com/office/powerpoint/2010/main" val="3541860051"/>
+        <p14:creationId xmlns:p14="http://schemas.microsoft.com/office/powerpoint/2010/main" val="4290869338"/>
       </p:ext>
     </p:extLst>
   </p:cSld>
@@ -5995,7 +5996,7 @@
     </p:spTree>
     <p:extLst>
       <p:ext uri="{BB962C8B-B14F-4D97-AF65-F5344CB8AC3E}">
-        <p14:creationId xmlns:p14="http://schemas.microsoft.com/office/powerpoint/2010/main" val="3735558207"/>
+        <p14:creationId xmlns:p14="http://schemas.microsoft.com/office/powerpoint/2010/main" val="3541860051"/>
       </p:ext>
     </p:extLst>
   </p:cSld>
@@ -6122,7 +6123,7 @@
     </p:spTree>
     <p:extLst>
       <p:ext uri="{BB962C8B-B14F-4D97-AF65-F5344CB8AC3E}">
-        <p14:creationId xmlns:p14="http://schemas.microsoft.com/office/powerpoint/2010/main" val="93211335"/>
+        <p14:creationId xmlns:p14="http://schemas.microsoft.com/office/powerpoint/2010/main" val="3735558207"/>
       </p:ext>
     </p:extLst>
   </p:cSld>
@@ -6249,6 +6250,133 @@
     </p:spTree>
     <p:extLst>
       <p:ext uri="{BB962C8B-B14F-4D97-AF65-F5344CB8AC3E}">
+        <p14:creationId xmlns:p14="http://schemas.microsoft.com/office/powerpoint/2010/main" val="93211335"/>
+      </p:ext>
+    </p:extLst>
+  </p:cSld>
+  <p:clrMapOvr>
+    <a:masterClrMapping/>
+  </p:clrMapOvr>
+</p:notes>
+</file>
+
+<file path=ppt/notesSlides/notesSlide48.xml><?xml version="1.0" encoding="utf-8"?>
+<p:notes xmlns:a="http://schemas.openxmlformats.org/drawingml/2006/main" xmlns:r="http://schemas.openxmlformats.org/officeDocument/2006/relationships" xmlns:p="http://schemas.openxmlformats.org/presentationml/2006/main" showMasterSp="0" showMasterPhAnim="0">
+  <p:cSld>
+    <p:spTree>
+      <p:nvGrpSpPr>
+        <p:cNvPr id="1" name="Shape 66"/>
+        <p:cNvGrpSpPr/>
+        <p:nvPr/>
+      </p:nvGrpSpPr>
+      <p:grpSpPr>
+        <a:xfrm>
+          <a:off x="0" y="0"/>
+          <a:ext cx="0" cy="0"/>
+          <a:chOff x="0" y="0"/>
+          <a:chExt cx="0" cy="0"/>
+        </a:xfrm>
+      </p:grpSpPr>
+      <p:sp>
+        <p:nvSpPr>
+          <p:cNvPr id="67" name="Google Shape;67;gb80e2ae2f7_1_19:notes"/>
+          <p:cNvSpPr>
+            <a:spLocks noGrp="1" noRot="1" noChangeAspect="1"/>
+          </p:cNvSpPr>
+          <p:nvPr>
+            <p:ph type="sldImg" idx="2"/>
+          </p:nvPr>
+        </p:nvSpPr>
+        <p:spPr>
+          <a:xfrm>
+            <a:off x="381000" y="685800"/>
+            <a:ext cx="6096000" cy="3429000"/>
+          </a:xfrm>
+          <a:custGeom>
+            <a:avLst/>
+            <a:gdLst/>
+            <a:ahLst/>
+            <a:cxnLst/>
+            <a:rect l="l" t="t" r="r" b="b"/>
+            <a:pathLst>
+              <a:path w="120000" h="120000" extrusionOk="0">
+                <a:moveTo>
+                  <a:pt x="0" y="0"/>
+                </a:moveTo>
+                <a:lnTo>
+                  <a:pt x="120000" y="0"/>
+                </a:lnTo>
+                <a:lnTo>
+                  <a:pt x="120000" y="120000"/>
+                </a:lnTo>
+                <a:lnTo>
+                  <a:pt x="0" y="120000"/>
+                </a:lnTo>
+                <a:close/>
+              </a:path>
+            </a:pathLst>
+          </a:custGeom>
+          <a:noFill/>
+          <a:ln w="9525" cap="flat" cmpd="sng">
+            <a:solidFill>
+              <a:srgbClr val="000000"/>
+            </a:solidFill>
+            <a:prstDash val="solid"/>
+            <a:round/>
+            <a:headEnd type="none" w="sm" len="sm"/>
+            <a:tailEnd type="none" w="sm" len="sm"/>
+          </a:ln>
+        </p:spPr>
+      </p:sp>
+      <p:sp>
+        <p:nvSpPr>
+          <p:cNvPr id="68" name="Google Shape;68;gb80e2ae2f7_1_19:notes"/>
+          <p:cNvSpPr txBox="1">
+            <a:spLocks noGrp="1"/>
+          </p:cNvSpPr>
+          <p:nvPr>
+            <p:ph type="body" idx="1"/>
+          </p:nvPr>
+        </p:nvSpPr>
+        <p:spPr>
+          <a:xfrm>
+            <a:off x="685800" y="4343400"/>
+            <a:ext cx="5486400" cy="4114800"/>
+          </a:xfrm>
+          <a:prstGeom prst="rect">
+            <a:avLst/>
+          </a:prstGeom>
+          <a:noFill/>
+          <a:ln>
+            <a:noFill/>
+          </a:ln>
+        </p:spPr>
+        <p:txBody>
+          <a:bodyPr spcFirstLastPara="1" wrap="square" lIns="91425" tIns="91425" rIns="91425" bIns="91425" anchor="t" anchorCtr="0">
+            <a:noAutofit/>
+          </a:bodyPr>
+          <a:lstStyle/>
+          <a:p>
+            <a:pPr marL="0" lvl="0" indent="0" algn="l" rtl="0">
+              <a:lnSpc>
+                <a:spcPct val="100000"/>
+              </a:lnSpc>
+              <a:spcBef>
+                <a:spcPts val="0"/>
+              </a:spcBef>
+              <a:spcAft>
+                <a:spcPts val="0"/>
+              </a:spcAft>
+              <a:buSzPts val="1100"/>
+              <a:buNone/>
+            </a:pPr>
+            <a:endParaRPr/>
+          </a:p>
+        </p:txBody>
+      </p:sp>
+    </p:spTree>
+    <p:extLst>
+      <p:ext uri="{BB962C8B-B14F-4D97-AF65-F5344CB8AC3E}">
         <p14:creationId xmlns:p14="http://schemas.microsoft.com/office/powerpoint/2010/main" val="3371745807"/>
       </p:ext>
     </p:extLst>
@@ -6259,7 +6387,7 @@
 </p:notes>
 </file>
 
-<file path=ppt/notesSlides/notesSlide48.xml><?xml version="1.0" encoding="utf-8"?>
+<file path=ppt/notesSlides/notesSlide49.xml><?xml version="1.0" encoding="utf-8"?>
 <p:notes xmlns:a="http://schemas.openxmlformats.org/drawingml/2006/main" xmlns:r="http://schemas.openxmlformats.org/officeDocument/2006/relationships" xmlns:p="http://schemas.openxmlformats.org/presentationml/2006/main" showMasterSp="0" showMasterPhAnim="0">
   <p:cSld>
     <p:spTree>
@@ -22317,39 +22445,10 @@
           </a:p>
         </p:txBody>
       </p:sp>
-      <p:pic>
-        <p:nvPicPr>
-          <p:cNvPr id="11" name="Picture 10" descr="Chart, bar chart&#10;&#10;Description automatically generated">
-            <a:extLst>
-              <a:ext uri="{FF2B5EF4-FFF2-40B4-BE49-F238E27FC236}">
-                <a16:creationId xmlns:a16="http://schemas.microsoft.com/office/drawing/2014/main" id="{3F36C248-B77D-5E4E-BAEC-61406E5E3EC6}"/>
-              </a:ext>
-            </a:extLst>
-          </p:cNvPr>
-          <p:cNvPicPr>
-            <a:picLocks noChangeAspect="1"/>
-          </p:cNvPicPr>
-          <p:nvPr/>
-        </p:nvPicPr>
-        <p:blipFill rotWithShape="1">
-          <a:blip r:embed="rId7"/>
-          <a:srcRect l="6521" r="63262"/>
-          <a:stretch/>
-        </p:blipFill>
-        <p:spPr>
-          <a:xfrm>
-            <a:off x="596349" y="1657031"/>
-            <a:ext cx="2763078" cy="2502953"/>
-          </a:xfrm>
-          <a:prstGeom prst="rect">
-            <a:avLst/>
-          </a:prstGeom>
-        </p:spPr>
-      </p:pic>
     </p:spTree>
     <p:extLst>
       <p:ext uri="{BB962C8B-B14F-4D97-AF65-F5344CB8AC3E}">
-        <p14:creationId xmlns:p14="http://schemas.microsoft.com/office/powerpoint/2010/main" val="2364140205"/>
+        <p14:creationId xmlns:p14="http://schemas.microsoft.com/office/powerpoint/2010/main" val="3719721400"/>
       </p:ext>
     </p:extLst>
   </p:cSld>
@@ -22716,7 +22815,7 @@
           <p:cNvPr id="12" name="Google Shape;71;gb80e2ae2f7_1_19">
             <a:extLst>
               <a:ext uri="{FF2B5EF4-FFF2-40B4-BE49-F238E27FC236}">
-                <a16:creationId xmlns:a16="http://schemas.microsoft.com/office/drawing/2014/main" id="{53539C95-38C9-654D-9197-D6BF02AF5862}"/>
+                <a16:creationId xmlns:a16="http://schemas.microsoft.com/office/drawing/2014/main" id="{3F6F8F44-3F65-094C-8A4B-26D88C50CF4D}"/>
               </a:ext>
             </a:extLst>
           </p:cNvPr>
@@ -22773,10 +22872,10 @@
       </p:sp>
       <p:pic>
         <p:nvPicPr>
-          <p:cNvPr id="13" name="Picture 12" descr="Chart, bar chart&#10;&#10;Description automatically generated">
+          <p:cNvPr id="11" name="Picture 10" descr="Chart, bar chart&#10;&#10;Description automatically generated">
             <a:extLst>
               <a:ext uri="{FF2B5EF4-FFF2-40B4-BE49-F238E27FC236}">
-                <a16:creationId xmlns:a16="http://schemas.microsoft.com/office/drawing/2014/main" id="{A2575261-2B01-9D4E-B77B-50765D76DA10}"/>
+                <a16:creationId xmlns:a16="http://schemas.microsoft.com/office/drawing/2014/main" id="{3F36C248-B77D-5E4E-BAEC-61406E5E3EC6}"/>
               </a:ext>
             </a:extLst>
           </p:cNvPr>
@@ -22787,23 +22886,93 @@
         </p:nvPicPr>
         <p:blipFill rotWithShape="1">
           <a:blip r:embed="rId7"/>
-          <a:srcRect l="6521" r="36305"/>
+          <a:srcRect l="6521" r="63262"/>
           <a:stretch/>
         </p:blipFill>
         <p:spPr>
           <a:xfrm>
-            <a:off x="596349" y="1657031"/>
-            <a:ext cx="5227982" cy="2502953"/>
+            <a:off x="610637" y="1657031"/>
+            <a:ext cx="2763078" cy="2502953"/>
           </a:xfrm>
           <a:prstGeom prst="rect">
             <a:avLst/>
           </a:prstGeom>
         </p:spPr>
       </p:pic>
+      <p:sp>
+        <p:nvSpPr>
+          <p:cNvPr id="13" name="Google Shape;73;gb80e2ae2f7_1_19">
+            <a:extLst>
+              <a:ext uri="{FF2B5EF4-FFF2-40B4-BE49-F238E27FC236}">
+                <a16:creationId xmlns:a16="http://schemas.microsoft.com/office/drawing/2014/main" id="{AC22EAAA-4719-4041-9516-3194B051D607}"/>
+              </a:ext>
+            </a:extLst>
+          </p:cNvPr>
+          <p:cNvSpPr txBox="1"/>
+          <p:nvPr/>
+        </p:nvSpPr>
+        <p:spPr>
+          <a:xfrm>
+            <a:off x="596350" y="1236433"/>
+            <a:ext cx="2763078" cy="503184"/>
+          </a:xfrm>
+          <a:prstGeom prst="rect">
+            <a:avLst/>
+          </a:prstGeom>
+          <a:noFill/>
+          <a:ln>
+            <a:noFill/>
+          </a:ln>
+        </p:spPr>
+        <p:txBody>
+          <a:bodyPr spcFirstLastPara="1" wrap="square" lIns="91425" tIns="91425" rIns="91425" bIns="91425" anchor="t" anchorCtr="0">
+            <a:spAutoFit/>
+          </a:bodyPr>
+          <a:lstStyle/>
+          <a:p>
+            <a:pPr marL="133350" lvl="0" algn="ctr" rtl="0">
+              <a:lnSpc>
+                <a:spcPct val="115000"/>
+              </a:lnSpc>
+              <a:spcBef>
+                <a:spcPts val="0"/>
+              </a:spcBef>
+              <a:spcAft>
+                <a:spcPts val="0"/>
+              </a:spcAft>
+              <a:buClr>
+                <a:srgbClr val="1FD0B3"/>
+              </a:buClr>
+              <a:buSzPts val="1500"/>
+            </a:pPr>
+            <a:r>
+              <a:rPr lang="en-US" sz="1800" b="1" dirty="0">
+                <a:solidFill>
+                  <a:srgbClr val="B0FEF1"/>
+                </a:solidFill>
+                <a:latin typeface="Volkhov"/>
+                <a:ea typeface="Volkhov"/>
+                <a:cs typeface="Volkhov"/>
+                <a:sym typeface="Volkhov"/>
+              </a:rPr>
+              <a:t>Likelihood term</a:t>
+            </a:r>
+            <a:endParaRPr lang="en-US" sz="1800" dirty="0">
+              <a:solidFill>
+                <a:srgbClr val="1FD0B3"/>
+              </a:solidFill>
+              <a:latin typeface="Volkhov"/>
+              <a:ea typeface="Volkhov"/>
+              <a:cs typeface="Volkhov"/>
+              <a:sym typeface="Volkhov"/>
+            </a:endParaRPr>
+          </a:p>
+        </p:txBody>
+      </p:sp>
     </p:spTree>
     <p:extLst>
       <p:ext uri="{BB962C8B-B14F-4D97-AF65-F5344CB8AC3E}">
-        <p14:creationId xmlns:p14="http://schemas.microsoft.com/office/powerpoint/2010/main" val="2464003292"/>
+        <p14:creationId xmlns:p14="http://schemas.microsoft.com/office/powerpoint/2010/main" val="2364140205"/>
       </p:ext>
     </p:extLst>
   </p:cSld>
@@ -23170,7 +23339,7 @@
           <p:cNvPr id="12" name="Google Shape;71;gb80e2ae2f7_1_19">
             <a:extLst>
               <a:ext uri="{FF2B5EF4-FFF2-40B4-BE49-F238E27FC236}">
-                <a16:creationId xmlns:a16="http://schemas.microsoft.com/office/drawing/2014/main" id="{99259599-0E51-6642-BFD4-29DE252876EC}"/>
+                <a16:creationId xmlns:a16="http://schemas.microsoft.com/office/drawing/2014/main" id="{53539C95-38C9-654D-9197-D6BF02AF5862}"/>
               </a:ext>
             </a:extLst>
           </p:cNvPr>
@@ -23227,10 +23396,10 @@
       </p:sp>
       <p:pic>
         <p:nvPicPr>
-          <p:cNvPr id="11" name="Picture 10" descr="Chart, bar chart&#10;&#10;Description automatically generated">
+          <p:cNvPr id="13" name="Picture 12" descr="Chart, bar chart&#10;&#10;Description automatically generated">
             <a:extLst>
               <a:ext uri="{FF2B5EF4-FFF2-40B4-BE49-F238E27FC236}">
-                <a16:creationId xmlns:a16="http://schemas.microsoft.com/office/drawing/2014/main" id="{D71F7B87-4967-D749-9FD1-A4FA1D8891F8}"/>
+                <a16:creationId xmlns:a16="http://schemas.microsoft.com/office/drawing/2014/main" id="{A2575261-2B01-9D4E-B77B-50765D76DA10}"/>
               </a:ext>
             </a:extLst>
           </p:cNvPr>
@@ -23241,23 +23410,163 @@
         </p:nvPicPr>
         <p:blipFill rotWithShape="1">
           <a:blip r:embed="rId7"/>
-          <a:srcRect l="6521" r="7312"/>
+          <a:srcRect l="6521" r="36305"/>
           <a:stretch/>
         </p:blipFill>
         <p:spPr>
           <a:xfrm>
-            <a:off x="596348" y="1657031"/>
-            <a:ext cx="7879075" cy="2502953"/>
+            <a:off x="596349" y="1657031"/>
+            <a:ext cx="5227982" cy="2502953"/>
           </a:xfrm>
           <a:prstGeom prst="rect">
             <a:avLst/>
           </a:prstGeom>
         </p:spPr>
       </p:pic>
+      <p:sp>
+        <p:nvSpPr>
+          <p:cNvPr id="11" name="Google Shape;73;gb80e2ae2f7_1_19">
+            <a:extLst>
+              <a:ext uri="{FF2B5EF4-FFF2-40B4-BE49-F238E27FC236}">
+                <a16:creationId xmlns:a16="http://schemas.microsoft.com/office/drawing/2014/main" id="{923CA25B-E79B-C44D-BA24-787F7A07A0D3}"/>
+              </a:ext>
+            </a:extLst>
+          </p:cNvPr>
+          <p:cNvSpPr txBox="1"/>
+          <p:nvPr/>
+        </p:nvSpPr>
+        <p:spPr>
+          <a:xfrm>
+            <a:off x="596350" y="1236433"/>
+            <a:ext cx="2763078" cy="503184"/>
+          </a:xfrm>
+          <a:prstGeom prst="rect">
+            <a:avLst/>
+          </a:prstGeom>
+          <a:noFill/>
+          <a:ln>
+            <a:noFill/>
+          </a:ln>
+        </p:spPr>
+        <p:txBody>
+          <a:bodyPr spcFirstLastPara="1" wrap="square" lIns="91425" tIns="91425" rIns="91425" bIns="91425" anchor="t" anchorCtr="0">
+            <a:spAutoFit/>
+          </a:bodyPr>
+          <a:lstStyle/>
+          <a:p>
+            <a:pPr marL="133350" lvl="0" algn="ctr" rtl="0">
+              <a:lnSpc>
+                <a:spcPct val="115000"/>
+              </a:lnSpc>
+              <a:spcBef>
+                <a:spcPts val="0"/>
+              </a:spcBef>
+              <a:spcAft>
+                <a:spcPts val="0"/>
+              </a:spcAft>
+              <a:buClr>
+                <a:srgbClr val="1FD0B3"/>
+              </a:buClr>
+              <a:buSzPts val="1500"/>
+            </a:pPr>
+            <a:r>
+              <a:rPr lang="en-US" sz="1800" b="1" dirty="0">
+                <a:solidFill>
+                  <a:srgbClr val="B0FEF1"/>
+                </a:solidFill>
+                <a:latin typeface="Volkhov"/>
+                <a:ea typeface="Volkhov"/>
+                <a:cs typeface="Volkhov"/>
+                <a:sym typeface="Volkhov"/>
+              </a:rPr>
+              <a:t>Likelihood term</a:t>
+            </a:r>
+            <a:endParaRPr lang="en-US" sz="1800" dirty="0">
+              <a:solidFill>
+                <a:srgbClr val="1FD0B3"/>
+              </a:solidFill>
+              <a:latin typeface="Volkhov"/>
+              <a:ea typeface="Volkhov"/>
+              <a:cs typeface="Volkhov"/>
+              <a:sym typeface="Volkhov"/>
+            </a:endParaRPr>
+          </a:p>
+        </p:txBody>
+      </p:sp>
+      <p:sp>
+        <p:nvSpPr>
+          <p:cNvPr id="14" name="Google Shape;73;gb80e2ae2f7_1_19">
+            <a:extLst>
+              <a:ext uri="{FF2B5EF4-FFF2-40B4-BE49-F238E27FC236}">
+                <a16:creationId xmlns:a16="http://schemas.microsoft.com/office/drawing/2014/main" id="{71E2143B-ECCD-E748-8313-5C0771A2795C}"/>
+              </a:ext>
+            </a:extLst>
+          </p:cNvPr>
+          <p:cNvSpPr txBox="1"/>
+          <p:nvPr/>
+        </p:nvSpPr>
+        <p:spPr>
+          <a:xfrm>
+            <a:off x="3219658" y="1229854"/>
+            <a:ext cx="2763077" cy="503184"/>
+          </a:xfrm>
+          <a:prstGeom prst="rect">
+            <a:avLst/>
+          </a:prstGeom>
+          <a:noFill/>
+          <a:ln>
+            <a:noFill/>
+          </a:ln>
+        </p:spPr>
+        <p:txBody>
+          <a:bodyPr spcFirstLastPara="1" wrap="square" lIns="91425" tIns="91425" rIns="91425" bIns="91425" anchor="t" anchorCtr="0">
+            <a:spAutoFit/>
+          </a:bodyPr>
+          <a:lstStyle/>
+          <a:p>
+            <a:pPr marL="133350" lvl="0" algn="ctr" rtl="0">
+              <a:lnSpc>
+                <a:spcPct val="115000"/>
+              </a:lnSpc>
+              <a:spcBef>
+                <a:spcPts val="0"/>
+              </a:spcBef>
+              <a:spcAft>
+                <a:spcPts val="0"/>
+              </a:spcAft>
+              <a:buClr>
+                <a:srgbClr val="1FD0B3"/>
+              </a:buClr>
+              <a:buSzPts val="1500"/>
+            </a:pPr>
+            <a:r>
+              <a:rPr lang="en-US" sz="1800" b="1" dirty="0">
+                <a:solidFill>
+                  <a:srgbClr val="B0FEF1"/>
+                </a:solidFill>
+                <a:latin typeface="Volkhov"/>
+                <a:ea typeface="Volkhov"/>
+                <a:cs typeface="Volkhov"/>
+                <a:sym typeface="Volkhov"/>
+              </a:rPr>
+              <a:t>Parameter penalty</a:t>
+            </a:r>
+            <a:endParaRPr lang="en-US" sz="1800" dirty="0">
+              <a:solidFill>
+                <a:srgbClr val="1FD0B3"/>
+              </a:solidFill>
+              <a:latin typeface="Volkhov"/>
+              <a:ea typeface="Volkhov"/>
+              <a:cs typeface="Volkhov"/>
+              <a:sym typeface="Volkhov"/>
+            </a:endParaRPr>
+          </a:p>
+        </p:txBody>
+      </p:sp>
     </p:spTree>
     <p:extLst>
       <p:ext uri="{BB962C8B-B14F-4D97-AF65-F5344CB8AC3E}">
-        <p14:creationId xmlns:p14="http://schemas.microsoft.com/office/powerpoint/2010/main" val="4048472724"/>
+        <p14:creationId xmlns:p14="http://schemas.microsoft.com/office/powerpoint/2010/main" val="2464003292"/>
       </p:ext>
     </p:extLst>
   </p:cSld>
@@ -23344,7 +23653,7 @@
                 <a:cs typeface="Volkhov"/>
                 <a:sym typeface="Volkhov"/>
               </a:rPr>
-              <a:t>Are our models ‘recoverable’?</a:t>
+              <a:t>Finding the best-fitting model</a:t>
             </a:r>
             <a:endParaRPr sz="2500" b="1" dirty="0">
               <a:solidFill>
@@ -23621,73 +23930,10 @@
       </p:pic>
       <p:sp>
         <p:nvSpPr>
-          <p:cNvPr id="11" name="Google Shape;73;gb80e2ae2f7_1_19">
+          <p:cNvPr id="12" name="Google Shape;71;gb80e2ae2f7_1_19">
             <a:extLst>
               <a:ext uri="{FF2B5EF4-FFF2-40B4-BE49-F238E27FC236}">
-                <a16:creationId xmlns:a16="http://schemas.microsoft.com/office/drawing/2014/main" id="{0AF21F14-2F16-9347-8BEF-C2ABCE287252}"/>
-              </a:ext>
-            </a:extLst>
-          </p:cNvPr>
-          <p:cNvSpPr txBox="1"/>
-          <p:nvPr/>
-        </p:nvSpPr>
-        <p:spPr>
-          <a:xfrm>
-            <a:off x="763699" y="1341571"/>
-            <a:ext cx="6951300" cy="821733"/>
-          </a:xfrm>
-          <a:prstGeom prst="rect">
-            <a:avLst/>
-          </a:prstGeom>
-          <a:noFill/>
-          <a:ln>
-            <a:noFill/>
-          </a:ln>
-        </p:spPr>
-        <p:txBody>
-          <a:bodyPr spcFirstLastPara="1" wrap="square" lIns="91425" tIns="91425" rIns="91425" bIns="91425" anchor="t" anchorCtr="0">
-            <a:spAutoFit/>
-          </a:bodyPr>
-          <a:lstStyle/>
-          <a:p>
-            <a:pPr marL="457200" lvl="0" indent="-323850" algn="l" rtl="0">
-              <a:lnSpc>
-                <a:spcPct val="115000"/>
-              </a:lnSpc>
-              <a:spcBef>
-                <a:spcPts val="0"/>
-              </a:spcBef>
-              <a:spcAft>
-                <a:spcPts val="0"/>
-              </a:spcAft>
-              <a:buClr>
-                <a:srgbClr val="1FD0B3"/>
-              </a:buClr>
-              <a:buSzPts val="1500"/>
-              <a:buFont typeface="Volkhov"/>
-              <a:buChar char="➔"/>
-            </a:pPr>
-            <a:r>
-              <a:rPr lang="en-US" sz="1800" dirty="0">
-                <a:solidFill>
-                  <a:srgbClr val="B0FEF1"/>
-                </a:solidFill>
-                <a:latin typeface="Volkhov"/>
-                <a:ea typeface="Volkhov"/>
-                <a:cs typeface="Volkhov"/>
-                <a:sym typeface="Volkhov"/>
-              </a:rPr>
-              <a:t>Critical to ensure that different models are actually distinguishable from one another, given the task design.</a:t>
-            </a:r>
-          </a:p>
-        </p:txBody>
-      </p:sp>
-      <p:sp>
-        <p:nvSpPr>
-          <p:cNvPr id="12" name="Google Shape;71;gb80e2ae2f7_1_19">
-            <a:extLst>
-              <a:ext uri="{FF2B5EF4-FFF2-40B4-BE49-F238E27FC236}">
-                <a16:creationId xmlns:a16="http://schemas.microsoft.com/office/drawing/2014/main" id="{366BCA45-8606-2F47-84B7-99139FB9EC77}"/>
+                <a16:creationId xmlns:a16="http://schemas.microsoft.com/office/drawing/2014/main" id="{99259599-0E51-6642-BFD4-29DE252876EC}"/>
               </a:ext>
             </a:extLst>
           </p:cNvPr>
@@ -23742,10 +23988,249 @@
           </a:p>
         </p:txBody>
       </p:sp>
+      <p:pic>
+        <p:nvPicPr>
+          <p:cNvPr id="11" name="Picture 10" descr="Chart, bar chart&#10;&#10;Description automatically generated">
+            <a:extLst>
+              <a:ext uri="{FF2B5EF4-FFF2-40B4-BE49-F238E27FC236}">
+                <a16:creationId xmlns:a16="http://schemas.microsoft.com/office/drawing/2014/main" id="{D71F7B87-4967-D749-9FD1-A4FA1D8891F8}"/>
+              </a:ext>
+            </a:extLst>
+          </p:cNvPr>
+          <p:cNvPicPr>
+            <a:picLocks noChangeAspect="1"/>
+          </p:cNvPicPr>
+          <p:nvPr/>
+        </p:nvPicPr>
+        <p:blipFill rotWithShape="1">
+          <a:blip r:embed="rId7"/>
+          <a:srcRect l="6521" r="7312"/>
+          <a:stretch/>
+        </p:blipFill>
+        <p:spPr>
+          <a:xfrm>
+            <a:off x="596348" y="1657031"/>
+            <a:ext cx="7879075" cy="2502953"/>
+          </a:xfrm>
+          <a:prstGeom prst="rect">
+            <a:avLst/>
+          </a:prstGeom>
+        </p:spPr>
+      </p:pic>
+      <p:sp>
+        <p:nvSpPr>
+          <p:cNvPr id="13" name="Google Shape;73;gb80e2ae2f7_1_19">
+            <a:extLst>
+              <a:ext uri="{FF2B5EF4-FFF2-40B4-BE49-F238E27FC236}">
+                <a16:creationId xmlns:a16="http://schemas.microsoft.com/office/drawing/2014/main" id="{72DB0FE2-3586-5143-A175-C55D17CEE4EE}"/>
+              </a:ext>
+            </a:extLst>
+          </p:cNvPr>
+          <p:cNvSpPr txBox="1"/>
+          <p:nvPr/>
+        </p:nvSpPr>
+        <p:spPr>
+          <a:xfrm>
+            <a:off x="596350" y="1236433"/>
+            <a:ext cx="2763078" cy="503184"/>
+          </a:xfrm>
+          <a:prstGeom prst="rect">
+            <a:avLst/>
+          </a:prstGeom>
+          <a:noFill/>
+          <a:ln>
+            <a:noFill/>
+          </a:ln>
+        </p:spPr>
+        <p:txBody>
+          <a:bodyPr spcFirstLastPara="1" wrap="square" lIns="91425" tIns="91425" rIns="91425" bIns="91425" anchor="t" anchorCtr="0">
+            <a:spAutoFit/>
+          </a:bodyPr>
+          <a:lstStyle/>
+          <a:p>
+            <a:pPr marL="133350" lvl="0" algn="ctr" rtl="0">
+              <a:lnSpc>
+                <a:spcPct val="115000"/>
+              </a:lnSpc>
+              <a:spcBef>
+                <a:spcPts val="0"/>
+              </a:spcBef>
+              <a:spcAft>
+                <a:spcPts val="0"/>
+              </a:spcAft>
+              <a:buClr>
+                <a:srgbClr val="1FD0B3"/>
+              </a:buClr>
+              <a:buSzPts val="1500"/>
+            </a:pPr>
+            <a:r>
+              <a:rPr lang="en-US" sz="1800" b="1" dirty="0">
+                <a:solidFill>
+                  <a:srgbClr val="B0FEF1"/>
+                </a:solidFill>
+                <a:latin typeface="Volkhov"/>
+                <a:ea typeface="Volkhov"/>
+                <a:cs typeface="Volkhov"/>
+                <a:sym typeface="Volkhov"/>
+              </a:rPr>
+              <a:t>Likelihood term</a:t>
+            </a:r>
+            <a:endParaRPr lang="en-US" sz="1800" dirty="0">
+              <a:solidFill>
+                <a:srgbClr val="1FD0B3"/>
+              </a:solidFill>
+              <a:latin typeface="Volkhov"/>
+              <a:ea typeface="Volkhov"/>
+              <a:cs typeface="Volkhov"/>
+              <a:sym typeface="Volkhov"/>
+            </a:endParaRPr>
+          </a:p>
+        </p:txBody>
+      </p:sp>
+      <p:sp>
+        <p:nvSpPr>
+          <p:cNvPr id="14" name="Google Shape;73;gb80e2ae2f7_1_19">
+            <a:extLst>
+              <a:ext uri="{FF2B5EF4-FFF2-40B4-BE49-F238E27FC236}">
+                <a16:creationId xmlns:a16="http://schemas.microsoft.com/office/drawing/2014/main" id="{D985FBE5-1DB2-0642-A59B-8F98145A20AC}"/>
+              </a:ext>
+            </a:extLst>
+          </p:cNvPr>
+          <p:cNvSpPr txBox="1"/>
+          <p:nvPr/>
+        </p:nvSpPr>
+        <p:spPr>
+          <a:xfrm>
+            <a:off x="3219658" y="1229854"/>
+            <a:ext cx="2763077" cy="503184"/>
+          </a:xfrm>
+          <a:prstGeom prst="rect">
+            <a:avLst/>
+          </a:prstGeom>
+          <a:noFill/>
+          <a:ln>
+            <a:noFill/>
+          </a:ln>
+        </p:spPr>
+        <p:txBody>
+          <a:bodyPr spcFirstLastPara="1" wrap="square" lIns="91425" tIns="91425" rIns="91425" bIns="91425" anchor="t" anchorCtr="0">
+            <a:spAutoFit/>
+          </a:bodyPr>
+          <a:lstStyle/>
+          <a:p>
+            <a:pPr marL="133350" lvl="0" algn="ctr" rtl="0">
+              <a:lnSpc>
+                <a:spcPct val="115000"/>
+              </a:lnSpc>
+              <a:spcBef>
+                <a:spcPts val="0"/>
+              </a:spcBef>
+              <a:spcAft>
+                <a:spcPts val="0"/>
+              </a:spcAft>
+              <a:buClr>
+                <a:srgbClr val="1FD0B3"/>
+              </a:buClr>
+              <a:buSzPts val="1500"/>
+            </a:pPr>
+            <a:r>
+              <a:rPr lang="en-US" sz="1800" b="1" dirty="0">
+                <a:solidFill>
+                  <a:srgbClr val="B0FEF1"/>
+                </a:solidFill>
+                <a:latin typeface="Volkhov"/>
+                <a:ea typeface="Volkhov"/>
+                <a:cs typeface="Volkhov"/>
+                <a:sym typeface="Volkhov"/>
+              </a:rPr>
+              <a:t>Parameter penalty</a:t>
+            </a:r>
+            <a:endParaRPr lang="en-US" sz="1800" dirty="0">
+              <a:solidFill>
+                <a:srgbClr val="1FD0B3"/>
+              </a:solidFill>
+              <a:latin typeface="Volkhov"/>
+              <a:ea typeface="Volkhov"/>
+              <a:cs typeface="Volkhov"/>
+              <a:sym typeface="Volkhov"/>
+            </a:endParaRPr>
+          </a:p>
+        </p:txBody>
+      </p:sp>
+      <p:sp>
+        <p:nvSpPr>
+          <p:cNvPr id="15" name="Google Shape;73;gb80e2ae2f7_1_19">
+            <a:extLst>
+              <a:ext uri="{FF2B5EF4-FFF2-40B4-BE49-F238E27FC236}">
+                <a16:creationId xmlns:a16="http://schemas.microsoft.com/office/drawing/2014/main" id="{1CBAC9EB-DEF0-D848-9F93-1520857A06C0}"/>
+              </a:ext>
+            </a:extLst>
+          </p:cNvPr>
+          <p:cNvSpPr txBox="1"/>
+          <p:nvPr/>
+        </p:nvSpPr>
+        <p:spPr>
+          <a:xfrm>
+            <a:off x="5982735" y="1211290"/>
+            <a:ext cx="2492688" cy="503184"/>
+          </a:xfrm>
+          <a:prstGeom prst="rect">
+            <a:avLst/>
+          </a:prstGeom>
+          <a:noFill/>
+          <a:ln>
+            <a:noFill/>
+          </a:ln>
+        </p:spPr>
+        <p:txBody>
+          <a:bodyPr spcFirstLastPara="1" wrap="square" lIns="91425" tIns="91425" rIns="91425" bIns="91425" anchor="t" anchorCtr="0">
+            <a:spAutoFit/>
+          </a:bodyPr>
+          <a:lstStyle/>
+          <a:p>
+            <a:pPr marL="133350" lvl="0" algn="ctr" rtl="0">
+              <a:lnSpc>
+                <a:spcPct val="115000"/>
+              </a:lnSpc>
+              <a:spcBef>
+                <a:spcPts val="0"/>
+              </a:spcBef>
+              <a:spcAft>
+                <a:spcPts val="0"/>
+              </a:spcAft>
+              <a:buClr>
+                <a:srgbClr val="1FD0B3"/>
+              </a:buClr>
+              <a:buSzPts val="1500"/>
+            </a:pPr>
+            <a:r>
+              <a:rPr lang="en-US" sz="1800" b="1" dirty="0">
+                <a:solidFill>
+                  <a:srgbClr val="B0FEF1"/>
+                </a:solidFill>
+                <a:latin typeface="Volkhov"/>
+                <a:ea typeface="Volkhov"/>
+                <a:cs typeface="Volkhov"/>
+                <a:sym typeface="Volkhov"/>
+              </a:rPr>
+              <a:t>Fit Metric</a:t>
+            </a:r>
+            <a:endParaRPr lang="en-US" sz="1800" dirty="0">
+              <a:solidFill>
+                <a:srgbClr val="1FD0B3"/>
+              </a:solidFill>
+              <a:latin typeface="Volkhov"/>
+              <a:ea typeface="Volkhov"/>
+              <a:cs typeface="Volkhov"/>
+              <a:sym typeface="Volkhov"/>
+            </a:endParaRPr>
+          </a:p>
+        </p:txBody>
+      </p:sp>
     </p:spTree>
     <p:extLst>
       <p:ext uri="{BB962C8B-B14F-4D97-AF65-F5344CB8AC3E}">
-        <p14:creationId xmlns:p14="http://schemas.microsoft.com/office/powerpoint/2010/main" val="4128264478"/>
+        <p14:creationId xmlns:p14="http://schemas.microsoft.com/office/powerpoint/2010/main" val="4048472724"/>
       </p:ext>
     </p:extLst>
   </p:cSld>
@@ -24122,7 +24607,7 @@
         <p:spPr>
           <a:xfrm>
             <a:off x="763699" y="1341571"/>
-            <a:ext cx="6951300" cy="1777379"/>
+            <a:ext cx="6951300" cy="821733"/>
           </a:xfrm>
           <a:prstGeom prst="rect">
             <a:avLst/>
@@ -24168,193 +24653,14 @@
               <a:t>Critical to ensure that different models are actually distinguishable from one another, given the task design.</a:t>
             </a:r>
           </a:p>
-          <a:p>
-            <a:pPr marL="457200" lvl="0" indent="-323850" algn="l" rtl="0">
-              <a:lnSpc>
-                <a:spcPct val="115000"/>
-              </a:lnSpc>
-              <a:spcBef>
-                <a:spcPts val="0"/>
-              </a:spcBef>
-              <a:spcAft>
-                <a:spcPts val="0"/>
-              </a:spcAft>
-              <a:buClr>
-                <a:srgbClr val="1FD0B3"/>
-              </a:buClr>
-              <a:buSzPts val="1500"/>
-              <a:buFont typeface="Volkhov"/>
-              <a:buChar char="➔"/>
-            </a:pPr>
-            <a:endParaRPr lang="en-US" sz="1800" dirty="0">
-              <a:solidFill>
-                <a:srgbClr val="B0FEF1"/>
-              </a:solidFill>
-              <a:latin typeface="Volkhov"/>
-              <a:ea typeface="Volkhov"/>
-              <a:cs typeface="Volkhov"/>
-              <a:sym typeface="Volkhov"/>
-            </a:endParaRPr>
-          </a:p>
-          <a:p>
-            <a:pPr marL="457200" lvl="0" indent="-323850" algn="l" rtl="0">
-              <a:lnSpc>
-                <a:spcPct val="115000"/>
-              </a:lnSpc>
-              <a:spcBef>
-                <a:spcPts val="0"/>
-              </a:spcBef>
-              <a:spcAft>
-                <a:spcPts val="0"/>
-              </a:spcAft>
-              <a:buClr>
-                <a:srgbClr val="1FD0B3"/>
-              </a:buClr>
-              <a:buSzPts val="1500"/>
-              <a:buFont typeface="Volkhov"/>
-              <a:buChar char="➔"/>
-            </a:pPr>
-            <a:r>
-              <a:rPr lang="en-US" sz="1800" dirty="0">
-                <a:solidFill>
-                  <a:srgbClr val="B0FEF1"/>
-                </a:solidFill>
-                <a:latin typeface="Volkhov"/>
-                <a:ea typeface="Volkhov"/>
-                <a:cs typeface="Volkhov"/>
-                <a:sym typeface="Volkhov"/>
-              </a:rPr>
-              <a:t>Extreme example:</a:t>
-            </a:r>
-          </a:p>
-          <a:p>
-            <a:pPr marL="457200" lvl="1" indent="-323850">
-              <a:lnSpc>
-                <a:spcPct val="115000"/>
-              </a:lnSpc>
-              <a:buClr>
-                <a:srgbClr val="1FD0B3"/>
-              </a:buClr>
-              <a:buSzPts val="1500"/>
-              <a:buFont typeface="Volkhov"/>
-              <a:buChar char="➔"/>
-            </a:pPr>
-            <a:endParaRPr lang="en-US" sz="1800" dirty="0">
-              <a:solidFill>
-                <a:srgbClr val="B0FEF1"/>
-              </a:solidFill>
-              <a:latin typeface="Volkhov"/>
-              <a:ea typeface="Volkhov"/>
-              <a:cs typeface="Volkhov"/>
-              <a:sym typeface="Volkhov"/>
-            </a:endParaRPr>
-          </a:p>
         </p:txBody>
       </p:sp>
       <p:sp>
         <p:nvSpPr>
-          <p:cNvPr id="12" name="Google Shape;73;gb80e2ae2f7_1_19">
+          <p:cNvPr id="12" name="Google Shape;71;gb80e2ae2f7_1_19">
             <a:extLst>
               <a:ext uri="{FF2B5EF4-FFF2-40B4-BE49-F238E27FC236}">
-                <a16:creationId xmlns:a16="http://schemas.microsoft.com/office/drawing/2014/main" id="{97AB0D74-063D-2842-ABFA-EC8C9163A7FC}"/>
-              </a:ext>
-            </a:extLst>
-          </p:cNvPr>
-          <p:cNvSpPr txBox="1"/>
-          <p:nvPr/>
-        </p:nvSpPr>
-        <p:spPr>
-          <a:xfrm>
-            <a:off x="1767727" y="2708867"/>
-            <a:ext cx="6951300" cy="1777379"/>
-          </a:xfrm>
-          <a:prstGeom prst="rect">
-            <a:avLst/>
-          </a:prstGeom>
-          <a:noFill/>
-          <a:ln>
-            <a:noFill/>
-          </a:ln>
-        </p:spPr>
-        <p:txBody>
-          <a:bodyPr spcFirstLastPara="1" wrap="square" lIns="91425" tIns="91425" rIns="91425" bIns="91425" anchor="t" anchorCtr="0">
-            <a:spAutoFit/>
-          </a:bodyPr>
-          <a:lstStyle/>
-          <a:p>
-            <a:pPr marL="133350" lvl="1">
-              <a:lnSpc>
-                <a:spcPct val="115000"/>
-              </a:lnSpc>
-              <a:buClr>
-                <a:srgbClr val="1FD0B3"/>
-              </a:buClr>
-              <a:buSzPts val="1500"/>
-            </a:pPr>
-            <a:r>
-              <a:rPr lang="en-US" sz="1800" dirty="0">
-                <a:solidFill>
-                  <a:srgbClr val="1BD1B3"/>
-                </a:solidFill>
-                <a:latin typeface="Volkhov"/>
-                <a:ea typeface="Volkhov"/>
-                <a:cs typeface="Volkhov"/>
-                <a:sym typeface="Volkhov"/>
-              </a:rPr>
-              <a:t>Imagine a task that involves 3 trials. </a:t>
-            </a:r>
-          </a:p>
-          <a:p>
-            <a:pPr marL="133350" lvl="1">
-              <a:lnSpc>
-                <a:spcPct val="115000"/>
-              </a:lnSpc>
-              <a:buClr>
-                <a:srgbClr val="1FD0B3"/>
-              </a:buClr>
-              <a:buSzPts val="1500"/>
-            </a:pPr>
-            <a:endParaRPr lang="en-US" sz="1800" dirty="0">
-              <a:solidFill>
-                <a:srgbClr val="1BD1B3"/>
-              </a:solidFill>
-              <a:latin typeface="Volkhov"/>
-              <a:ea typeface="Volkhov"/>
-              <a:cs typeface="Volkhov"/>
-              <a:sym typeface="Volkhov"/>
-            </a:endParaRPr>
-          </a:p>
-          <a:p>
-            <a:pPr marL="133350" lvl="1">
-              <a:lnSpc>
-                <a:spcPct val="115000"/>
-              </a:lnSpc>
-              <a:buClr>
-                <a:srgbClr val="1FD0B3"/>
-              </a:buClr>
-              <a:buSzPts val="1500"/>
-            </a:pPr>
-            <a:r>
-              <a:rPr lang="en-US" sz="1800" dirty="0">
-                <a:solidFill>
-                  <a:srgbClr val="1BD1B3"/>
-                </a:solidFill>
-                <a:latin typeface="Volkhov"/>
-                <a:ea typeface="Volkhov"/>
-                <a:cs typeface="Volkhov"/>
-                <a:sym typeface="Volkhov"/>
-              </a:rPr>
-              <a:t>Can quantitatively assess model fit, but it’s unlikely you will really be able to learn anything about the cognitive processes behind a participant’s choices.</a:t>
-            </a:r>
-          </a:p>
-        </p:txBody>
-      </p:sp>
-      <p:sp>
-        <p:nvSpPr>
-          <p:cNvPr id="13" name="Google Shape;71;gb80e2ae2f7_1_19">
-            <a:extLst>
-              <a:ext uri="{FF2B5EF4-FFF2-40B4-BE49-F238E27FC236}">
-                <a16:creationId xmlns:a16="http://schemas.microsoft.com/office/drawing/2014/main" id="{3756208E-344B-C745-B16E-18D4F614B3EF}"/>
+                <a16:creationId xmlns:a16="http://schemas.microsoft.com/office/drawing/2014/main" id="{366BCA45-8606-2F47-84B7-99139FB9EC77}"/>
               </a:ext>
             </a:extLst>
           </p:cNvPr>
@@ -24412,7 +24718,7 @@
     </p:spTree>
     <p:extLst>
       <p:ext uri="{BB962C8B-B14F-4D97-AF65-F5344CB8AC3E}">
-        <p14:creationId xmlns:p14="http://schemas.microsoft.com/office/powerpoint/2010/main" val="3656999429"/>
+        <p14:creationId xmlns:p14="http://schemas.microsoft.com/office/powerpoint/2010/main" val="4128264478"/>
       </p:ext>
     </p:extLst>
   </p:cSld>
@@ -24499,7 +24805,7 @@
                 <a:cs typeface="Volkhov"/>
                 <a:sym typeface="Volkhov"/>
               </a:rPr>
-              <a:t>How do we know whether our model-fitting results reflect reality?</a:t>
+              <a:t>Are our models ‘recoverable’?</a:t>
             </a:r>
             <a:endParaRPr sz="2500" b="1" dirty="0">
               <a:solidFill>
@@ -24788,8 +25094,8 @@
         </p:nvSpPr>
         <p:spPr>
           <a:xfrm>
-            <a:off x="726975" y="1806171"/>
-            <a:ext cx="6951300" cy="2414477"/>
+            <a:off x="763699" y="1341571"/>
+            <a:ext cx="6951300" cy="1777379"/>
           </a:xfrm>
           <a:prstGeom prst="rect">
             <a:avLst/>
@@ -24823,7 +25129,7 @@
               <a:buChar char="➔"/>
             </a:pPr>
             <a:r>
-              <a:rPr lang="en-US" sz="1800" b="1" i="1" dirty="0">
+              <a:rPr lang="en-US" sz="1800" dirty="0">
                 <a:solidFill>
                   <a:srgbClr val="B0FEF1"/>
                 </a:solidFill>
@@ -24832,19 +25138,7 @@
                 <a:cs typeface="Volkhov"/>
                 <a:sym typeface="Volkhov"/>
               </a:rPr>
-              <a:t>Problem: </a:t>
-            </a:r>
-            <a:r>
-              <a:rPr lang="en-US" sz="1800" dirty="0">
-                <a:solidFill>
-                  <a:srgbClr val="B0FEF1"/>
-                </a:solidFill>
-                <a:latin typeface="Volkhov"/>
-                <a:ea typeface="Volkhov"/>
-                <a:cs typeface="Volkhov"/>
-                <a:sym typeface="Volkhov"/>
-              </a:rPr>
-              <a:t>No way to know the ‘true’ algorithm a participant used to make choices.</a:t>
+              <a:t>Critical to ensure that different models are actually distinguishable from one another, given the task design.</a:t>
             </a:r>
           </a:p>
           <a:p>
@@ -24894,7 +25188,7 @@
               <a:buChar char="➔"/>
             </a:pPr>
             <a:r>
-              <a:rPr lang="en-US" sz="1800" i="1" dirty="0">
+              <a:rPr lang="en-US" sz="1800" dirty="0">
                 <a:solidFill>
                   <a:srgbClr val="B0FEF1"/>
                 </a:solidFill>
@@ -24903,84 +25197,8 @@
                 <a:cs typeface="Volkhov"/>
                 <a:sym typeface="Volkhov"/>
               </a:rPr>
-              <a:t>Solution: </a:t>
+              <a:t>Extreme example:</a:t>
             </a:r>
-            <a:r>
-              <a:rPr lang="en-US" sz="1800" dirty="0">
-                <a:solidFill>
-                  <a:srgbClr val="B0FEF1"/>
-                </a:solidFill>
-                <a:latin typeface="Volkhov"/>
-                <a:ea typeface="Volkhov"/>
-                <a:cs typeface="Volkhov"/>
-                <a:sym typeface="Volkhov"/>
-              </a:rPr>
-              <a:t>Simulate fake participants so that we </a:t>
-            </a:r>
-            <a:r>
-              <a:rPr lang="en-US" sz="1800" b="1" i="1" dirty="0">
-                <a:solidFill>
-                  <a:schemeClr val="accent5"/>
-                </a:solidFill>
-                <a:latin typeface="Volkhov"/>
-                <a:ea typeface="Volkhov"/>
-                <a:cs typeface="Volkhov"/>
-                <a:sym typeface="Volkhov"/>
-              </a:rPr>
-              <a:t>know</a:t>
-            </a:r>
-            <a:r>
-              <a:rPr lang="en-US" sz="1800" b="1" dirty="0">
-                <a:solidFill>
-                  <a:schemeClr val="accent5"/>
-                </a:solidFill>
-                <a:latin typeface="Volkhov"/>
-                <a:ea typeface="Volkhov"/>
-                <a:cs typeface="Volkhov"/>
-                <a:sym typeface="Volkhov"/>
-              </a:rPr>
-              <a:t> </a:t>
-            </a:r>
-            <a:r>
-              <a:rPr lang="en-US" sz="1800" dirty="0">
-                <a:solidFill>
-                  <a:srgbClr val="AFFFF1"/>
-                </a:solidFill>
-                <a:latin typeface="Volkhov"/>
-                <a:ea typeface="Volkhov"/>
-                <a:cs typeface="Volkhov"/>
-                <a:sym typeface="Volkhov"/>
-              </a:rPr>
-              <a:t>the algorithm that generated the choice data.</a:t>
-            </a:r>
-          </a:p>
-          <a:p>
-            <a:pPr marL="457200" lvl="0" indent="-323850" algn="l" rtl="0">
-              <a:lnSpc>
-                <a:spcPct val="115000"/>
-              </a:lnSpc>
-              <a:spcBef>
-                <a:spcPts val="0"/>
-              </a:spcBef>
-              <a:spcAft>
-                <a:spcPts val="0"/>
-              </a:spcAft>
-              <a:buClr>
-                <a:srgbClr val="1FD0B3"/>
-              </a:buClr>
-              <a:buSzPts val="1500"/>
-              <a:buFont typeface="Volkhov"/>
-              <a:buChar char="➔"/>
-            </a:pPr>
-            <a:endParaRPr lang="en-US" sz="1800" dirty="0">
-              <a:solidFill>
-                <a:srgbClr val="B0FEF1"/>
-              </a:solidFill>
-              <a:latin typeface="Volkhov"/>
-              <a:ea typeface="Volkhov"/>
-              <a:cs typeface="Volkhov"/>
-              <a:sym typeface="Volkhov"/>
-            </a:endParaRPr>
           </a:p>
           <a:p>
             <a:pPr marL="457200" lvl="1" indent="-323850">
@@ -25008,10 +25226,108 @@
       </p:sp>
       <p:sp>
         <p:nvSpPr>
-          <p:cNvPr id="12" name="Google Shape;71;gb80e2ae2f7_1_19">
+          <p:cNvPr id="12" name="Google Shape;73;gb80e2ae2f7_1_19">
             <a:extLst>
               <a:ext uri="{FF2B5EF4-FFF2-40B4-BE49-F238E27FC236}">
-                <a16:creationId xmlns:a16="http://schemas.microsoft.com/office/drawing/2014/main" id="{EEE18083-8113-F946-B61F-65BCDA8BB42C}"/>
+                <a16:creationId xmlns:a16="http://schemas.microsoft.com/office/drawing/2014/main" id="{97AB0D74-063D-2842-ABFA-EC8C9163A7FC}"/>
+              </a:ext>
+            </a:extLst>
+          </p:cNvPr>
+          <p:cNvSpPr txBox="1"/>
+          <p:nvPr/>
+        </p:nvSpPr>
+        <p:spPr>
+          <a:xfrm>
+            <a:off x="1767727" y="2708867"/>
+            <a:ext cx="6951300" cy="1777379"/>
+          </a:xfrm>
+          <a:prstGeom prst="rect">
+            <a:avLst/>
+          </a:prstGeom>
+          <a:noFill/>
+          <a:ln>
+            <a:noFill/>
+          </a:ln>
+        </p:spPr>
+        <p:txBody>
+          <a:bodyPr spcFirstLastPara="1" wrap="square" lIns="91425" tIns="91425" rIns="91425" bIns="91425" anchor="t" anchorCtr="0">
+            <a:spAutoFit/>
+          </a:bodyPr>
+          <a:lstStyle/>
+          <a:p>
+            <a:pPr marL="133350" lvl="1">
+              <a:lnSpc>
+                <a:spcPct val="115000"/>
+              </a:lnSpc>
+              <a:buClr>
+                <a:srgbClr val="1FD0B3"/>
+              </a:buClr>
+              <a:buSzPts val="1500"/>
+            </a:pPr>
+            <a:r>
+              <a:rPr lang="en-US" sz="1800" dirty="0">
+                <a:solidFill>
+                  <a:srgbClr val="1BD1B3"/>
+                </a:solidFill>
+                <a:latin typeface="Volkhov"/>
+                <a:ea typeface="Volkhov"/>
+                <a:cs typeface="Volkhov"/>
+                <a:sym typeface="Volkhov"/>
+              </a:rPr>
+              <a:t>Imagine a task that involves 3 trials. </a:t>
+            </a:r>
+          </a:p>
+          <a:p>
+            <a:pPr marL="133350" lvl="1">
+              <a:lnSpc>
+                <a:spcPct val="115000"/>
+              </a:lnSpc>
+              <a:buClr>
+                <a:srgbClr val="1FD0B3"/>
+              </a:buClr>
+              <a:buSzPts val="1500"/>
+            </a:pPr>
+            <a:endParaRPr lang="en-US" sz="1800" dirty="0">
+              <a:solidFill>
+                <a:srgbClr val="1BD1B3"/>
+              </a:solidFill>
+              <a:latin typeface="Volkhov"/>
+              <a:ea typeface="Volkhov"/>
+              <a:cs typeface="Volkhov"/>
+              <a:sym typeface="Volkhov"/>
+            </a:endParaRPr>
+          </a:p>
+          <a:p>
+            <a:pPr marL="133350" lvl="1">
+              <a:lnSpc>
+                <a:spcPct val="115000"/>
+              </a:lnSpc>
+              <a:buClr>
+                <a:srgbClr val="1FD0B3"/>
+              </a:buClr>
+              <a:buSzPts val="1500"/>
+            </a:pPr>
+            <a:r>
+              <a:rPr lang="en-US" sz="1800" dirty="0">
+                <a:solidFill>
+                  <a:srgbClr val="1BD1B3"/>
+                </a:solidFill>
+                <a:latin typeface="Volkhov"/>
+                <a:ea typeface="Volkhov"/>
+                <a:cs typeface="Volkhov"/>
+                <a:sym typeface="Volkhov"/>
+              </a:rPr>
+              <a:t>Can quantitatively assess model fit, but it’s unlikely you will really be able to learn anything about the cognitive processes behind a participant’s choices.</a:t>
+            </a:r>
+          </a:p>
+        </p:txBody>
+      </p:sp>
+      <p:sp>
+        <p:nvSpPr>
+          <p:cNvPr id="13" name="Google Shape;71;gb80e2ae2f7_1_19">
+            <a:extLst>
+              <a:ext uri="{FF2B5EF4-FFF2-40B4-BE49-F238E27FC236}">
+                <a16:creationId xmlns:a16="http://schemas.microsoft.com/office/drawing/2014/main" id="{3756208E-344B-C745-B16E-18D4F614B3EF}"/>
               </a:ext>
             </a:extLst>
           </p:cNvPr>
@@ -25069,7 +25385,7 @@
     </p:spTree>
     <p:extLst>
       <p:ext uri="{BB962C8B-B14F-4D97-AF65-F5344CB8AC3E}">
-        <p14:creationId xmlns:p14="http://schemas.microsoft.com/office/powerpoint/2010/main" val="12482601"/>
+        <p14:creationId xmlns:p14="http://schemas.microsoft.com/office/powerpoint/2010/main" val="3656999429"/>
       </p:ext>
     </p:extLst>
   </p:cSld>
@@ -25156,7 +25472,7 @@
                 <a:cs typeface="Volkhov"/>
                 <a:sym typeface="Volkhov"/>
               </a:rPr>
-              <a:t>Model recoverability analyses</a:t>
+              <a:t>How do we know whether our model-fitting results reflect reality?</a:t>
             </a:r>
             <a:endParaRPr sz="2500" b="1" dirty="0">
               <a:solidFill>
@@ -25436,7 +25752,7 @@
           <p:cNvPr id="11" name="Google Shape;73;gb80e2ae2f7_1_19">
             <a:extLst>
               <a:ext uri="{FF2B5EF4-FFF2-40B4-BE49-F238E27FC236}">
-                <a16:creationId xmlns:a16="http://schemas.microsoft.com/office/drawing/2014/main" id="{21B20570-9EA9-C545-8BAF-69A80A6F8D9E}"/>
+                <a16:creationId xmlns:a16="http://schemas.microsoft.com/office/drawing/2014/main" id="{0AF21F14-2F16-9347-8BEF-C2ABCE287252}"/>
               </a:ext>
             </a:extLst>
           </p:cNvPr>
@@ -25445,7 +25761,7 @@
         </p:nvSpPr>
         <p:spPr>
           <a:xfrm>
-            <a:off x="763699" y="1236850"/>
+            <a:off x="726975" y="1806171"/>
             <a:ext cx="6951300" cy="2414477"/>
           </a:xfrm>
           <a:prstGeom prst="rect">
@@ -25462,135 +25778,6 @@
           </a:bodyPr>
           <a:lstStyle/>
           <a:p>
-            <a:pPr marL="133350" lvl="0" algn="l" rtl="0">
-              <a:lnSpc>
-                <a:spcPct val="115000"/>
-              </a:lnSpc>
-              <a:spcBef>
-                <a:spcPts val="0"/>
-              </a:spcBef>
-              <a:spcAft>
-                <a:spcPts val="0"/>
-              </a:spcAft>
-              <a:buClr>
-                <a:srgbClr val="1FD0B3"/>
-              </a:buClr>
-              <a:buSzPts val="1500"/>
-            </a:pPr>
-            <a:r>
-              <a:rPr lang="en-US" sz="1800" b="1" dirty="0">
-                <a:solidFill>
-                  <a:srgbClr val="B0FEF1"/>
-                </a:solidFill>
-                <a:latin typeface="Volkhov"/>
-                <a:ea typeface="Volkhov"/>
-                <a:cs typeface="Volkhov"/>
-                <a:sym typeface="Volkhov"/>
-              </a:rPr>
-              <a:t>Steps:</a:t>
-            </a:r>
-          </a:p>
-          <a:p>
-            <a:pPr marL="476250" lvl="1" indent="-342900">
-              <a:lnSpc>
-                <a:spcPct val="115000"/>
-              </a:lnSpc>
-              <a:buClr>
-                <a:srgbClr val="1FD0B3"/>
-              </a:buClr>
-              <a:buSzPts val="1500"/>
-              <a:buFont typeface="+mj-lt"/>
-              <a:buAutoNum type="arabicPeriod"/>
-            </a:pPr>
-            <a:r>
-              <a:rPr lang="en-US" sz="1800" dirty="0">
-                <a:solidFill>
-                  <a:srgbClr val="B0FEF1"/>
-                </a:solidFill>
-                <a:latin typeface="Volkhov"/>
-                <a:ea typeface="Volkhov"/>
-                <a:cs typeface="Volkhov"/>
-                <a:sym typeface="Volkhov"/>
-              </a:rPr>
-              <a:t>Simulate data from all models.</a:t>
-            </a:r>
-          </a:p>
-          <a:p>
-            <a:pPr marL="476250" lvl="1" indent="-342900">
-              <a:lnSpc>
-                <a:spcPct val="115000"/>
-              </a:lnSpc>
-              <a:buClr>
-                <a:srgbClr val="1FD0B3"/>
-              </a:buClr>
-              <a:buSzPts val="1500"/>
-              <a:buFont typeface="+mj-lt"/>
-              <a:buAutoNum type="arabicPeriod"/>
-            </a:pPr>
-            <a:r>
-              <a:rPr lang="en-US" sz="1800" dirty="0">
-                <a:solidFill>
-                  <a:srgbClr val="B0FEF1"/>
-                </a:solidFill>
-                <a:latin typeface="Volkhov"/>
-                <a:ea typeface="Volkhov"/>
-                <a:cs typeface="Volkhov"/>
-                <a:sym typeface="Volkhov"/>
-              </a:rPr>
-              <a:t>Fit models to all simulated datasets.</a:t>
-            </a:r>
-          </a:p>
-          <a:p>
-            <a:pPr marL="476250" lvl="1" indent="-342900">
-              <a:lnSpc>
-                <a:spcPct val="115000"/>
-              </a:lnSpc>
-              <a:buClr>
-                <a:srgbClr val="1FD0B3"/>
-              </a:buClr>
-              <a:buSzPts val="1500"/>
-              <a:buFont typeface="+mj-lt"/>
-              <a:buAutoNum type="arabicPeriod"/>
-            </a:pPr>
-            <a:r>
-              <a:rPr lang="en-US" sz="1800" dirty="0">
-                <a:solidFill>
-                  <a:srgbClr val="B0FEF1"/>
-                </a:solidFill>
-                <a:latin typeface="Volkhov"/>
-                <a:ea typeface="Volkhov"/>
-                <a:cs typeface="Volkhov"/>
-                <a:sym typeface="Volkhov"/>
-              </a:rPr>
-              <a:t>Determine which model best fits each data set.</a:t>
-            </a:r>
-          </a:p>
-          <a:p>
-            <a:pPr marL="476250" lvl="1" indent="-342900">
-              <a:lnSpc>
-                <a:spcPct val="115000"/>
-              </a:lnSpc>
-              <a:buClr>
-                <a:srgbClr val="1FD0B3"/>
-              </a:buClr>
-              <a:buSzPts val="1500"/>
-              <a:buFont typeface="+mj-lt"/>
-              <a:buAutoNum type="arabicPeriod"/>
-            </a:pPr>
-            <a:r>
-              <a:rPr lang="en-US" sz="1800" dirty="0">
-                <a:solidFill>
-                  <a:srgbClr val="B0FEF1"/>
-                </a:solidFill>
-                <a:latin typeface="Volkhov"/>
-                <a:ea typeface="Volkhov"/>
-                <a:cs typeface="Volkhov"/>
-                <a:sym typeface="Volkhov"/>
-              </a:rPr>
-              <a:t>Determine the proportion of datasets for which the ‘recovered’ model matches the ‘ground truth’ model.</a:t>
-            </a:r>
-          </a:p>
-          <a:p>
             <a:pPr marL="457200" lvl="0" indent="-323850" algn="l" rtl="0">
               <a:lnSpc>
                 <a:spcPct val="115000"/>
@@ -25608,7 +25795,179 @@
               <a:buFont typeface="Volkhov"/>
               <a:buChar char="➔"/>
             </a:pPr>
-            <a:endParaRPr lang="en-US" sz="1800" b="1" dirty="0">
+            <a:r>
+              <a:rPr lang="en-US" sz="1800" b="1" i="1" dirty="0">
+                <a:solidFill>
+                  <a:srgbClr val="B0FEF1"/>
+                </a:solidFill>
+                <a:latin typeface="Volkhov"/>
+                <a:ea typeface="Volkhov"/>
+                <a:cs typeface="Volkhov"/>
+                <a:sym typeface="Volkhov"/>
+              </a:rPr>
+              <a:t>Problem: </a:t>
+            </a:r>
+            <a:r>
+              <a:rPr lang="en-US" sz="1800" dirty="0">
+                <a:solidFill>
+                  <a:srgbClr val="B0FEF1"/>
+                </a:solidFill>
+                <a:latin typeface="Volkhov"/>
+                <a:ea typeface="Volkhov"/>
+                <a:cs typeface="Volkhov"/>
+                <a:sym typeface="Volkhov"/>
+              </a:rPr>
+              <a:t>No way to know the ‘true’ algorithm a participant used to make choices.</a:t>
+            </a:r>
+          </a:p>
+          <a:p>
+            <a:pPr marL="457200" lvl="0" indent="-323850" algn="l" rtl="0">
+              <a:lnSpc>
+                <a:spcPct val="115000"/>
+              </a:lnSpc>
+              <a:spcBef>
+                <a:spcPts val="0"/>
+              </a:spcBef>
+              <a:spcAft>
+                <a:spcPts val="0"/>
+              </a:spcAft>
+              <a:buClr>
+                <a:srgbClr val="1FD0B3"/>
+              </a:buClr>
+              <a:buSzPts val="1500"/>
+              <a:buFont typeface="Volkhov"/>
+              <a:buChar char="➔"/>
+            </a:pPr>
+            <a:endParaRPr lang="en-US" sz="1800" dirty="0">
+              <a:solidFill>
+                <a:srgbClr val="B0FEF1"/>
+              </a:solidFill>
+              <a:latin typeface="Volkhov"/>
+              <a:ea typeface="Volkhov"/>
+              <a:cs typeface="Volkhov"/>
+              <a:sym typeface="Volkhov"/>
+            </a:endParaRPr>
+          </a:p>
+          <a:p>
+            <a:pPr marL="457200" lvl="0" indent="-323850" algn="l" rtl="0">
+              <a:lnSpc>
+                <a:spcPct val="115000"/>
+              </a:lnSpc>
+              <a:spcBef>
+                <a:spcPts val="0"/>
+              </a:spcBef>
+              <a:spcAft>
+                <a:spcPts val="0"/>
+              </a:spcAft>
+              <a:buClr>
+                <a:srgbClr val="1FD0B3"/>
+              </a:buClr>
+              <a:buSzPts val="1500"/>
+              <a:buFont typeface="Volkhov"/>
+              <a:buChar char="➔"/>
+            </a:pPr>
+            <a:r>
+              <a:rPr lang="en-US" sz="1800" i="1" dirty="0">
+                <a:solidFill>
+                  <a:srgbClr val="B0FEF1"/>
+                </a:solidFill>
+                <a:latin typeface="Volkhov"/>
+                <a:ea typeface="Volkhov"/>
+                <a:cs typeface="Volkhov"/>
+                <a:sym typeface="Volkhov"/>
+              </a:rPr>
+              <a:t>Solution: </a:t>
+            </a:r>
+            <a:r>
+              <a:rPr lang="en-US" sz="1800" dirty="0">
+                <a:solidFill>
+                  <a:srgbClr val="B0FEF1"/>
+                </a:solidFill>
+                <a:latin typeface="Volkhov"/>
+                <a:ea typeface="Volkhov"/>
+                <a:cs typeface="Volkhov"/>
+                <a:sym typeface="Volkhov"/>
+              </a:rPr>
+              <a:t>Simulate fake participants so that we </a:t>
+            </a:r>
+            <a:r>
+              <a:rPr lang="en-US" sz="1800" b="1" i="1" dirty="0">
+                <a:solidFill>
+                  <a:schemeClr val="accent5"/>
+                </a:solidFill>
+                <a:latin typeface="Volkhov"/>
+                <a:ea typeface="Volkhov"/>
+                <a:cs typeface="Volkhov"/>
+                <a:sym typeface="Volkhov"/>
+              </a:rPr>
+              <a:t>know</a:t>
+            </a:r>
+            <a:r>
+              <a:rPr lang="en-US" sz="1800" b="1" dirty="0">
+                <a:solidFill>
+                  <a:schemeClr val="accent5"/>
+                </a:solidFill>
+                <a:latin typeface="Volkhov"/>
+                <a:ea typeface="Volkhov"/>
+                <a:cs typeface="Volkhov"/>
+                <a:sym typeface="Volkhov"/>
+              </a:rPr>
+              <a:t> </a:t>
+            </a:r>
+            <a:r>
+              <a:rPr lang="en-US" sz="1800" dirty="0">
+                <a:solidFill>
+                  <a:srgbClr val="AFFFF1"/>
+                </a:solidFill>
+                <a:latin typeface="Volkhov"/>
+                <a:ea typeface="Volkhov"/>
+                <a:cs typeface="Volkhov"/>
+                <a:sym typeface="Volkhov"/>
+              </a:rPr>
+              <a:t>the algorithm that generated the choice data.</a:t>
+            </a:r>
+          </a:p>
+          <a:p>
+            <a:pPr marL="457200" lvl="0" indent="-323850" algn="l" rtl="0">
+              <a:lnSpc>
+                <a:spcPct val="115000"/>
+              </a:lnSpc>
+              <a:spcBef>
+                <a:spcPts val="0"/>
+              </a:spcBef>
+              <a:spcAft>
+                <a:spcPts val="0"/>
+              </a:spcAft>
+              <a:buClr>
+                <a:srgbClr val="1FD0B3"/>
+              </a:buClr>
+              <a:buSzPts val="1500"/>
+              <a:buFont typeface="Volkhov"/>
+              <a:buChar char="➔"/>
+            </a:pPr>
+            <a:endParaRPr lang="en-US" sz="1800" dirty="0">
+              <a:solidFill>
+                <a:srgbClr val="B0FEF1"/>
+              </a:solidFill>
+              <a:latin typeface="Volkhov"/>
+              <a:ea typeface="Volkhov"/>
+              <a:cs typeface="Volkhov"/>
+              <a:sym typeface="Volkhov"/>
+            </a:endParaRPr>
+          </a:p>
+          <a:p>
+            <a:pPr marL="457200" lvl="1" indent="-323850">
+              <a:lnSpc>
+                <a:spcPct val="115000"/>
+              </a:lnSpc>
+              <a:buClr>
+                <a:srgbClr val="1FD0B3"/>
+              </a:buClr>
+              <a:buSzPts val="1500"/>
+              <a:buFont typeface="Volkhov"/>
+              <a:buChar char="➔"/>
+            </a:pPr>
+            <a:endParaRPr lang="en-US" sz="1800" dirty="0">
               <a:solidFill>
                 <a:srgbClr val="B0FEF1"/>
               </a:solidFill>
@@ -25625,7 +25984,7 @@
           <p:cNvPr id="12" name="Google Shape;71;gb80e2ae2f7_1_19">
             <a:extLst>
               <a:ext uri="{FF2B5EF4-FFF2-40B4-BE49-F238E27FC236}">
-                <a16:creationId xmlns:a16="http://schemas.microsoft.com/office/drawing/2014/main" id="{DDCB8C31-6B73-DD49-9248-A55B2C24EF43}"/>
+                <a16:creationId xmlns:a16="http://schemas.microsoft.com/office/drawing/2014/main" id="{EEE18083-8113-F946-B61F-65BCDA8BB42C}"/>
               </a:ext>
             </a:extLst>
           </p:cNvPr>
@@ -25683,7 +26042,7 @@
     </p:spTree>
     <p:extLst>
       <p:ext uri="{BB962C8B-B14F-4D97-AF65-F5344CB8AC3E}">
-        <p14:creationId xmlns:p14="http://schemas.microsoft.com/office/powerpoint/2010/main" val="860074997"/>
+        <p14:creationId xmlns:p14="http://schemas.microsoft.com/office/powerpoint/2010/main" val="12482601"/>
       </p:ext>
     </p:extLst>
   </p:cSld>
@@ -25770,7 +26129,7 @@
                 <a:cs typeface="Volkhov"/>
                 <a:sym typeface="Volkhov"/>
               </a:rPr>
-              <a:t>Model recoverability analyses: Confusion matrices</a:t>
+              <a:t>Model recoverability analyses</a:t>
             </a:r>
             <a:endParaRPr sz="2500" b="1" dirty="0">
               <a:solidFill>
@@ -26047,10 +26406,199 @@
       </p:pic>
       <p:sp>
         <p:nvSpPr>
-          <p:cNvPr id="13" name="Google Shape;71;gb80e2ae2f7_1_19">
+          <p:cNvPr id="11" name="Google Shape;73;gb80e2ae2f7_1_19">
             <a:extLst>
               <a:ext uri="{FF2B5EF4-FFF2-40B4-BE49-F238E27FC236}">
-                <a16:creationId xmlns:a16="http://schemas.microsoft.com/office/drawing/2014/main" id="{00944F1C-ECDB-054E-B294-C95F196E3D7B}"/>
+                <a16:creationId xmlns:a16="http://schemas.microsoft.com/office/drawing/2014/main" id="{21B20570-9EA9-C545-8BAF-69A80A6F8D9E}"/>
+              </a:ext>
+            </a:extLst>
+          </p:cNvPr>
+          <p:cNvSpPr txBox="1"/>
+          <p:nvPr/>
+        </p:nvSpPr>
+        <p:spPr>
+          <a:xfrm>
+            <a:off x="763699" y="1236850"/>
+            <a:ext cx="6951300" cy="2414477"/>
+          </a:xfrm>
+          <a:prstGeom prst="rect">
+            <a:avLst/>
+          </a:prstGeom>
+          <a:noFill/>
+          <a:ln>
+            <a:noFill/>
+          </a:ln>
+        </p:spPr>
+        <p:txBody>
+          <a:bodyPr spcFirstLastPara="1" wrap="square" lIns="91425" tIns="91425" rIns="91425" bIns="91425" anchor="t" anchorCtr="0">
+            <a:spAutoFit/>
+          </a:bodyPr>
+          <a:lstStyle/>
+          <a:p>
+            <a:pPr marL="133350" lvl="0" algn="l" rtl="0">
+              <a:lnSpc>
+                <a:spcPct val="115000"/>
+              </a:lnSpc>
+              <a:spcBef>
+                <a:spcPts val="0"/>
+              </a:spcBef>
+              <a:spcAft>
+                <a:spcPts val="0"/>
+              </a:spcAft>
+              <a:buClr>
+                <a:srgbClr val="1FD0B3"/>
+              </a:buClr>
+              <a:buSzPts val="1500"/>
+            </a:pPr>
+            <a:r>
+              <a:rPr lang="en-US" sz="1800" b="1" dirty="0">
+                <a:solidFill>
+                  <a:srgbClr val="B0FEF1"/>
+                </a:solidFill>
+                <a:latin typeface="Volkhov"/>
+                <a:ea typeface="Volkhov"/>
+                <a:cs typeface="Volkhov"/>
+                <a:sym typeface="Volkhov"/>
+              </a:rPr>
+              <a:t>Steps:</a:t>
+            </a:r>
+          </a:p>
+          <a:p>
+            <a:pPr marL="476250" lvl="1" indent="-342900">
+              <a:lnSpc>
+                <a:spcPct val="115000"/>
+              </a:lnSpc>
+              <a:buClr>
+                <a:srgbClr val="1FD0B3"/>
+              </a:buClr>
+              <a:buSzPts val="1500"/>
+              <a:buFont typeface="+mj-lt"/>
+              <a:buAutoNum type="arabicPeriod"/>
+            </a:pPr>
+            <a:r>
+              <a:rPr lang="en-US" sz="1800" dirty="0">
+                <a:solidFill>
+                  <a:srgbClr val="B0FEF1"/>
+                </a:solidFill>
+                <a:latin typeface="Volkhov"/>
+                <a:ea typeface="Volkhov"/>
+                <a:cs typeface="Volkhov"/>
+                <a:sym typeface="Volkhov"/>
+              </a:rPr>
+              <a:t>Simulate data from all models.</a:t>
+            </a:r>
+          </a:p>
+          <a:p>
+            <a:pPr marL="476250" lvl="1" indent="-342900">
+              <a:lnSpc>
+                <a:spcPct val="115000"/>
+              </a:lnSpc>
+              <a:buClr>
+                <a:srgbClr val="1FD0B3"/>
+              </a:buClr>
+              <a:buSzPts val="1500"/>
+              <a:buFont typeface="+mj-lt"/>
+              <a:buAutoNum type="arabicPeriod"/>
+            </a:pPr>
+            <a:r>
+              <a:rPr lang="en-US" sz="1800" dirty="0">
+                <a:solidFill>
+                  <a:srgbClr val="B0FEF1"/>
+                </a:solidFill>
+                <a:latin typeface="Volkhov"/>
+                <a:ea typeface="Volkhov"/>
+                <a:cs typeface="Volkhov"/>
+                <a:sym typeface="Volkhov"/>
+              </a:rPr>
+              <a:t>Fit models to all simulated datasets.</a:t>
+            </a:r>
+          </a:p>
+          <a:p>
+            <a:pPr marL="476250" lvl="1" indent="-342900">
+              <a:lnSpc>
+                <a:spcPct val="115000"/>
+              </a:lnSpc>
+              <a:buClr>
+                <a:srgbClr val="1FD0B3"/>
+              </a:buClr>
+              <a:buSzPts val="1500"/>
+              <a:buFont typeface="+mj-lt"/>
+              <a:buAutoNum type="arabicPeriod"/>
+            </a:pPr>
+            <a:r>
+              <a:rPr lang="en-US" sz="1800" dirty="0">
+                <a:solidFill>
+                  <a:srgbClr val="B0FEF1"/>
+                </a:solidFill>
+                <a:latin typeface="Volkhov"/>
+                <a:ea typeface="Volkhov"/>
+                <a:cs typeface="Volkhov"/>
+                <a:sym typeface="Volkhov"/>
+              </a:rPr>
+              <a:t>Determine which model best fits each data set.</a:t>
+            </a:r>
+          </a:p>
+          <a:p>
+            <a:pPr marL="476250" lvl="1" indent="-342900">
+              <a:lnSpc>
+                <a:spcPct val="115000"/>
+              </a:lnSpc>
+              <a:buClr>
+                <a:srgbClr val="1FD0B3"/>
+              </a:buClr>
+              <a:buSzPts val="1500"/>
+              <a:buFont typeface="+mj-lt"/>
+              <a:buAutoNum type="arabicPeriod"/>
+            </a:pPr>
+            <a:r>
+              <a:rPr lang="en-US" sz="1800" dirty="0">
+                <a:solidFill>
+                  <a:srgbClr val="B0FEF1"/>
+                </a:solidFill>
+                <a:latin typeface="Volkhov"/>
+                <a:ea typeface="Volkhov"/>
+                <a:cs typeface="Volkhov"/>
+                <a:sym typeface="Volkhov"/>
+              </a:rPr>
+              <a:t>Determine the proportion of datasets for which the ‘recovered’ model matches the ‘ground truth’ model.</a:t>
+            </a:r>
+          </a:p>
+          <a:p>
+            <a:pPr marL="457200" lvl="0" indent="-323850" algn="l" rtl="0">
+              <a:lnSpc>
+                <a:spcPct val="115000"/>
+              </a:lnSpc>
+              <a:spcBef>
+                <a:spcPts val="0"/>
+              </a:spcBef>
+              <a:spcAft>
+                <a:spcPts val="0"/>
+              </a:spcAft>
+              <a:buClr>
+                <a:srgbClr val="1FD0B3"/>
+              </a:buClr>
+              <a:buSzPts val="1500"/>
+              <a:buFont typeface="Volkhov"/>
+              <a:buChar char="➔"/>
+            </a:pPr>
+            <a:endParaRPr lang="en-US" sz="1800" b="1" dirty="0">
+              <a:solidFill>
+                <a:srgbClr val="B0FEF1"/>
+              </a:solidFill>
+              <a:latin typeface="Volkhov"/>
+              <a:ea typeface="Volkhov"/>
+              <a:cs typeface="Volkhov"/>
+              <a:sym typeface="Volkhov"/>
+            </a:endParaRPr>
+          </a:p>
+        </p:txBody>
+      </p:sp>
+      <p:sp>
+        <p:nvSpPr>
+          <p:cNvPr id="12" name="Google Shape;71;gb80e2ae2f7_1_19">
+            <a:extLst>
+              <a:ext uri="{FF2B5EF4-FFF2-40B4-BE49-F238E27FC236}">
+                <a16:creationId xmlns:a16="http://schemas.microsoft.com/office/drawing/2014/main" id="{DDCB8C31-6B73-DD49-9248-A55B2C24EF43}"/>
               </a:ext>
             </a:extLst>
           </p:cNvPr>
@@ -26105,91 +26653,10 @@
           </a:p>
         </p:txBody>
       </p:sp>
-      <p:pic>
-        <p:nvPicPr>
-          <p:cNvPr id="4" name="Picture 3">
-            <a:extLst>
-              <a:ext uri="{FF2B5EF4-FFF2-40B4-BE49-F238E27FC236}">
-                <a16:creationId xmlns:a16="http://schemas.microsoft.com/office/drawing/2014/main" id="{8E15B45E-4A5B-2A4E-AF1B-C2239F14D78C}"/>
-              </a:ext>
-            </a:extLst>
-          </p:cNvPr>
-          <p:cNvPicPr>
-            <a:picLocks noChangeAspect="1"/>
-          </p:cNvPicPr>
-          <p:nvPr/>
-        </p:nvPicPr>
-        <p:blipFill rotWithShape="1">
-          <a:blip r:embed="rId7"/>
-          <a:srcRect l="5000" r="52173"/>
-          <a:stretch/>
-        </p:blipFill>
-        <p:spPr>
-          <a:xfrm>
-            <a:off x="2855256" y="1657031"/>
-            <a:ext cx="3328174" cy="3110225"/>
-          </a:xfrm>
-          <a:prstGeom prst="rect">
-            <a:avLst/>
-          </a:prstGeom>
-        </p:spPr>
-      </p:pic>
-      <p:sp>
-        <p:nvSpPr>
-          <p:cNvPr id="5" name="Rectangle 4">
-            <a:extLst>
-              <a:ext uri="{FF2B5EF4-FFF2-40B4-BE49-F238E27FC236}">
-                <a16:creationId xmlns:a16="http://schemas.microsoft.com/office/drawing/2014/main" id="{C7DA9F0F-5A2C-E240-97C3-F108D65C0A6F}"/>
-              </a:ext>
-            </a:extLst>
-          </p:cNvPr>
-          <p:cNvSpPr/>
-          <p:nvPr/>
-        </p:nvSpPr>
-        <p:spPr>
-          <a:xfrm>
-            <a:off x="3485933" y="1881038"/>
-            <a:ext cx="2603368" cy="2540836"/>
-          </a:xfrm>
-          <a:prstGeom prst="rect">
-            <a:avLst/>
-          </a:prstGeom>
-          <a:solidFill>
-            <a:schemeClr val="bg1"/>
-          </a:solidFill>
-          <a:ln>
-            <a:noFill/>
-          </a:ln>
-        </p:spPr>
-        <p:style>
-          <a:lnRef idx="2">
-            <a:schemeClr val="accent1">
-              <a:shade val="50000"/>
-            </a:schemeClr>
-          </a:lnRef>
-          <a:fillRef idx="1">
-            <a:schemeClr val="accent1"/>
-          </a:fillRef>
-          <a:effectRef idx="0">
-            <a:schemeClr val="accent1"/>
-          </a:effectRef>
-          <a:fontRef idx="minor">
-            <a:schemeClr val="lt1"/>
-          </a:fontRef>
-        </p:style>
-        <p:txBody>
-          <a:bodyPr rtlCol="0" anchor="ctr"/>
-          <a:lstStyle/>
-          <a:p>
-            <a:pPr algn="ctr"/>
-            <a:endParaRPr lang="en-US"/>
-          </a:p>
-        </p:txBody>
-      </p:sp>
     </p:spTree>
     <p:extLst>
       <p:ext uri="{BB962C8B-B14F-4D97-AF65-F5344CB8AC3E}">
-        <p14:creationId xmlns:p14="http://schemas.microsoft.com/office/powerpoint/2010/main" val="1500566296"/>
+        <p14:creationId xmlns:p14="http://schemas.microsoft.com/office/powerpoint/2010/main" val="860074997"/>
       </p:ext>
     </p:extLst>
   </p:cSld>
@@ -26654,8 +27121,8 @@
         </p:nvSpPr>
         <p:spPr>
           <a:xfrm>
-            <a:off x="4340887" y="1881038"/>
-            <a:ext cx="1748413" cy="2540836"/>
+            <a:off x="3485933" y="1881038"/>
+            <a:ext cx="2603368" cy="2540836"/>
           </a:xfrm>
           <a:prstGeom prst="rect">
             <a:avLst/>
@@ -26695,7 +27162,7 @@
     </p:spTree>
     <p:extLst>
       <p:ext uri="{BB962C8B-B14F-4D97-AF65-F5344CB8AC3E}">
-        <p14:creationId xmlns:p14="http://schemas.microsoft.com/office/powerpoint/2010/main" val="3111064428"/>
+        <p14:creationId xmlns:p14="http://schemas.microsoft.com/office/powerpoint/2010/main" val="1500566296"/>
       </p:ext>
     </p:extLst>
   </p:cSld>
@@ -27791,6 +28258,512 @@
         </p:nvSpPr>
         <p:spPr>
           <a:xfrm>
+            <a:off x="4340887" y="1881038"/>
+            <a:ext cx="1748413" cy="2540836"/>
+          </a:xfrm>
+          <a:prstGeom prst="rect">
+            <a:avLst/>
+          </a:prstGeom>
+          <a:solidFill>
+            <a:schemeClr val="bg1"/>
+          </a:solidFill>
+          <a:ln>
+            <a:noFill/>
+          </a:ln>
+        </p:spPr>
+        <p:style>
+          <a:lnRef idx="2">
+            <a:schemeClr val="accent1">
+              <a:shade val="50000"/>
+            </a:schemeClr>
+          </a:lnRef>
+          <a:fillRef idx="1">
+            <a:schemeClr val="accent1"/>
+          </a:fillRef>
+          <a:effectRef idx="0">
+            <a:schemeClr val="accent1"/>
+          </a:effectRef>
+          <a:fontRef idx="minor">
+            <a:schemeClr val="lt1"/>
+          </a:fontRef>
+        </p:style>
+        <p:txBody>
+          <a:bodyPr rtlCol="0" anchor="ctr"/>
+          <a:lstStyle/>
+          <a:p>
+            <a:pPr algn="ctr"/>
+            <a:endParaRPr lang="en-US"/>
+          </a:p>
+        </p:txBody>
+      </p:sp>
+    </p:spTree>
+    <p:extLst>
+      <p:ext uri="{BB962C8B-B14F-4D97-AF65-F5344CB8AC3E}">
+        <p14:creationId xmlns:p14="http://schemas.microsoft.com/office/powerpoint/2010/main" val="3111064428"/>
+      </p:ext>
+    </p:extLst>
+  </p:cSld>
+  <p:clrMapOvr>
+    <a:masterClrMapping/>
+  </p:clrMapOvr>
+</p:sld>
+</file>
+
+<file path=ppt/slides/slide31.xml><?xml version="1.0" encoding="utf-8"?>
+<p:sld xmlns:a="http://schemas.openxmlformats.org/drawingml/2006/main" xmlns:r="http://schemas.openxmlformats.org/officeDocument/2006/relationships" xmlns:p="http://schemas.openxmlformats.org/presentationml/2006/main">
+  <p:cSld>
+    <p:bg>
+      <p:bgPr>
+        <a:solidFill>
+          <a:srgbClr val="17283A"/>
+        </a:solidFill>
+        <a:effectLst/>
+      </p:bgPr>
+    </p:bg>
+    <p:spTree>
+      <p:nvGrpSpPr>
+        <p:cNvPr id="1" name="Shape 69"/>
+        <p:cNvGrpSpPr/>
+        <p:nvPr/>
+      </p:nvGrpSpPr>
+      <p:grpSpPr>
+        <a:xfrm>
+          <a:off x="0" y="0"/>
+          <a:ext cx="0" cy="0"/>
+          <a:chOff x="0" y="0"/>
+          <a:chExt cx="0" cy="0"/>
+        </a:xfrm>
+      </p:grpSpPr>
+      <p:sp>
+        <p:nvSpPr>
+          <p:cNvPr id="70" name="Google Shape;70;gb80e2ae2f7_1_19"/>
+          <p:cNvSpPr txBox="1">
+            <a:spLocks noGrp="1"/>
+          </p:cNvSpPr>
+          <p:nvPr>
+            <p:ph type="ctrTitle"/>
+          </p:nvPr>
+        </p:nvSpPr>
+        <p:spPr>
+          <a:xfrm>
+            <a:off x="892889" y="701531"/>
+            <a:ext cx="6692920" cy="955500"/>
+          </a:xfrm>
+          <a:prstGeom prst="rect">
+            <a:avLst/>
+          </a:prstGeom>
+          <a:noFill/>
+          <a:ln>
+            <a:noFill/>
+          </a:ln>
+        </p:spPr>
+        <p:txBody>
+          <a:bodyPr spcFirstLastPara="1" wrap="square" lIns="91425" tIns="91425" rIns="91425" bIns="91425" anchor="t" anchorCtr="0">
+            <a:normAutofit/>
+          </a:bodyPr>
+          <a:lstStyle/>
+          <a:p>
+            <a:pPr marL="0" lvl="0" indent="0" algn="l" rtl="0">
+              <a:lnSpc>
+                <a:spcPct val="100000"/>
+              </a:lnSpc>
+              <a:spcBef>
+                <a:spcPts val="0"/>
+              </a:spcBef>
+              <a:spcAft>
+                <a:spcPts val="0"/>
+              </a:spcAft>
+              <a:buSzPts val="5200"/>
+              <a:buNone/>
+            </a:pPr>
+            <a:r>
+              <a:rPr lang="en" sz="2500" b="1" dirty="0">
+                <a:solidFill>
+                  <a:srgbClr val="1FD0B3"/>
+                </a:solidFill>
+                <a:latin typeface="Volkhov"/>
+                <a:ea typeface="Volkhov"/>
+                <a:cs typeface="Volkhov"/>
+                <a:sym typeface="Volkhov"/>
+              </a:rPr>
+              <a:t>Model recoverability analyses: Confusion matrices</a:t>
+            </a:r>
+            <a:endParaRPr sz="2500" b="1" dirty="0">
+              <a:solidFill>
+                <a:srgbClr val="1FD0B3"/>
+              </a:solidFill>
+              <a:latin typeface="Volkhov"/>
+              <a:ea typeface="Volkhov"/>
+              <a:cs typeface="Volkhov"/>
+              <a:sym typeface="Volkhov"/>
+            </a:endParaRPr>
+          </a:p>
+        </p:txBody>
+      </p:sp>
+      <p:pic>
+        <p:nvPicPr>
+          <p:cNvPr id="6" name="Picture 4">
+            <a:extLst>
+              <a:ext uri="{FF2B5EF4-FFF2-40B4-BE49-F238E27FC236}">
+                <a16:creationId xmlns:a16="http://schemas.microsoft.com/office/drawing/2014/main" id="{E7C9AE3C-CAB2-7742-8AE5-DAC524D0E56C}"/>
+              </a:ext>
+            </a:extLst>
+          </p:cNvPr>
+          <p:cNvPicPr>
+            <a:picLocks noChangeAspect="1" noChangeArrowheads="1"/>
+          </p:cNvPicPr>
+          <p:nvPr/>
+        </p:nvPicPr>
+        <p:blipFill>
+          <a:blip r:embed="rId3">
+            <a:extLst>
+              <a:ext uri="{28A0092B-C50C-407E-A947-70E740481C1C}">
+                <a14:useLocalDpi xmlns:a14="http://schemas.microsoft.com/office/drawing/2010/main" val="0"/>
+              </a:ext>
+            </a:extLst>
+          </a:blip>
+          <a:srcRect/>
+          <a:stretch>
+            <a:fillRect/>
+          </a:stretch>
+        </p:blipFill>
+        <p:spPr bwMode="auto">
+          <a:xfrm>
+            <a:off x="6183430" y="233197"/>
+            <a:ext cx="1494845" cy="517227"/>
+          </a:xfrm>
+          <a:prstGeom prst="rect">
+            <a:avLst/>
+          </a:prstGeom>
+          <a:noFill/>
+          <a:extLst>
+            <a:ext uri="{909E8E84-426E-40DD-AFC4-6F175D3DCCD1}">
+              <a14:hiddenFill xmlns:a14="http://schemas.microsoft.com/office/drawing/2010/main">
+                <a:solidFill>
+                  <a:srgbClr val="FFFFFF"/>
+                </a:solidFill>
+              </a14:hiddenFill>
+            </a:ext>
+          </a:extLst>
+        </p:spPr>
+      </p:pic>
+      <p:grpSp>
+        <p:nvGrpSpPr>
+          <p:cNvPr id="7" name="Group 6">
+            <a:extLst>
+              <a:ext uri="{FF2B5EF4-FFF2-40B4-BE49-F238E27FC236}">
+                <a16:creationId xmlns:a16="http://schemas.microsoft.com/office/drawing/2014/main" id="{EF316743-DB5E-3240-8FB7-789FEE05DECE}"/>
+              </a:ext>
+            </a:extLst>
+          </p:cNvPr>
+          <p:cNvGrpSpPr/>
+          <p:nvPr/>
+        </p:nvGrpSpPr>
+        <p:grpSpPr>
+          <a:xfrm>
+            <a:off x="7585809" y="128476"/>
+            <a:ext cx="1494845" cy="816097"/>
+            <a:chOff x="7663063" y="164557"/>
+            <a:chExt cx="1494845" cy="838997"/>
+          </a:xfrm>
+        </p:grpSpPr>
+        <p:pic>
+          <p:nvPicPr>
+            <p:cNvPr id="8" name="Picture 2" descr="Picture">
+              <a:extLst>
+                <a:ext uri="{FF2B5EF4-FFF2-40B4-BE49-F238E27FC236}">
+                  <a16:creationId xmlns:a16="http://schemas.microsoft.com/office/drawing/2014/main" id="{6BF4D20E-F67C-9543-9442-6D5160C278BE}"/>
+                </a:ext>
+              </a:extLst>
+            </p:cNvPr>
+            <p:cNvPicPr>
+              <a:picLocks noChangeAspect="1" noChangeArrowheads="1"/>
+            </p:cNvPicPr>
+            <p:nvPr/>
+          </p:nvPicPr>
+          <p:blipFill>
+            <a:blip r:embed="rId4">
+              <a:extLst>
+                <a:ext uri="{28A0092B-C50C-407E-A947-70E740481C1C}">
+                  <a14:useLocalDpi xmlns:a14="http://schemas.microsoft.com/office/drawing/2010/main" val="0"/>
+                </a:ext>
+              </a:extLst>
+            </a:blip>
+            <a:srcRect/>
+            <a:stretch>
+              <a:fillRect/>
+            </a:stretch>
+          </p:blipFill>
+          <p:spPr bwMode="auto">
+            <a:xfrm>
+              <a:off x="7946136" y="164557"/>
+              <a:ext cx="961537" cy="585867"/>
+            </a:xfrm>
+            <a:prstGeom prst="rect">
+              <a:avLst/>
+            </a:prstGeom>
+            <a:noFill/>
+            <a:extLst>
+              <a:ext uri="{909E8E84-426E-40DD-AFC4-6F175D3DCCD1}">
+                <a14:hiddenFill xmlns:a14="http://schemas.microsoft.com/office/drawing/2010/main">
+                  <a:solidFill>
+                    <a:srgbClr val="FFFFFF"/>
+                  </a:solidFill>
+                </a14:hiddenFill>
+              </a:ext>
+            </a:extLst>
+          </p:spPr>
+        </p:pic>
+        <p:sp>
+          <p:nvSpPr>
+            <p:cNvPr id="9" name="Rectangle 8">
+              <a:extLst>
+                <a:ext uri="{FF2B5EF4-FFF2-40B4-BE49-F238E27FC236}">
+                  <a16:creationId xmlns:a16="http://schemas.microsoft.com/office/drawing/2014/main" id="{FCDCD23F-E6FA-2B4A-B5E9-9E96FEA57A8F}"/>
+                </a:ext>
+              </a:extLst>
+            </p:cNvPr>
+            <p:cNvSpPr/>
+            <p:nvPr/>
+          </p:nvSpPr>
+          <p:spPr>
+            <a:xfrm>
+              <a:off x="7663063" y="750424"/>
+              <a:ext cx="1494845" cy="253130"/>
+            </a:xfrm>
+            <a:prstGeom prst="rect">
+              <a:avLst/>
+            </a:prstGeom>
+          </p:spPr>
+          <p:txBody>
+            <a:bodyPr wrap="square">
+              <a:spAutoFit/>
+            </a:bodyPr>
+            <a:lstStyle/>
+            <a:p>
+              <a:pPr algn="ctr"/>
+              <a:r>
+                <a:rPr lang="en" sz="1000" dirty="0">
+                  <a:solidFill>
+                    <a:schemeClr val="bg2">
+                      <a:lumMod val="40000"/>
+                      <a:lumOff val="60000"/>
+                    </a:schemeClr>
+                  </a:solidFill>
+                  <a:latin typeface="Helvetica" pitchFamily="2" charset="0"/>
+                  <a:ea typeface="Roboto Mono"/>
+                  <a:cs typeface="Thonburi" pitchFamily="2" charset="-34"/>
+                  <a:sym typeface="Roboto Mono"/>
+                </a:rPr>
+                <a:t>HARTLEY LAB</a:t>
+              </a:r>
+              <a:endParaRPr lang="en-US" sz="1000" dirty="0">
+                <a:solidFill>
+                  <a:schemeClr val="bg2">
+                    <a:lumMod val="40000"/>
+                    <a:lumOff val="60000"/>
+                  </a:schemeClr>
+                </a:solidFill>
+                <a:latin typeface="Helvetica" pitchFamily="2" charset="0"/>
+                <a:cs typeface="Thonburi" pitchFamily="2" charset="-34"/>
+              </a:endParaRPr>
+            </a:p>
+          </p:txBody>
+        </p:sp>
+      </p:grpSp>
+      <p:pic>
+        <p:nvPicPr>
+          <p:cNvPr id="10" name="Picture 10" descr="Home - Flux Society">
+            <a:extLst>
+              <a:ext uri="{FF2B5EF4-FFF2-40B4-BE49-F238E27FC236}">
+                <a16:creationId xmlns:a16="http://schemas.microsoft.com/office/drawing/2014/main" id="{3B93B20D-CDBD-1241-AFCB-7FC469D1D327}"/>
+              </a:ext>
+            </a:extLst>
+          </p:cNvPr>
+          <p:cNvPicPr>
+            <a:picLocks noChangeAspect="1" noChangeArrowheads="1"/>
+          </p:cNvPicPr>
+          <p:nvPr/>
+        </p:nvPicPr>
+        <p:blipFill>
+          <a:blip r:embed="rId5">
+            <a:extLst>
+              <a:ext uri="{BEBA8EAE-BF5A-486C-A8C5-ECC9F3942E4B}">
+                <a14:imgProps xmlns:a14="http://schemas.microsoft.com/office/drawing/2010/main">
+                  <a14:imgLayer r:embed="rId6">
+                    <a14:imgEffect>
+                      <a14:backgroundRemoval t="6770" b="96132" l="9955" r="94570">
+                        <a14:foregroundMark x1="39367" y1="9865" x2="39367" y2="9865"/>
+                        <a14:foregroundMark x1="39367" y1="9865" x2="30543" y2="9865"/>
+                        <a14:foregroundMark x1="23756" y1="16441" x2="30543" y2="11219"/>
+                        <a14:foregroundMark x1="33484" y1="9865" x2="44796" y2="9671"/>
+                        <a14:foregroundMark x1="44796" y1="9671" x2="45928" y2="9671"/>
+                        <a14:foregroundMark x1="44796" y1="8897" x2="44118" y2="6770"/>
+                        <a14:foregroundMark x1="64027" y1="24758" x2="67195" y2="25725"/>
+                        <a14:foregroundMark x1="45701" y1="45455" x2="45701" y2="45455"/>
+                        <a14:foregroundMark x1="39140" y1="42940" x2="39140" y2="42940"/>
+                        <a14:foregroundMark x1="35294" y1="37524" x2="35294" y2="37524"/>
+                        <a14:foregroundMark x1="33484" y1="36364" x2="33484" y2="36364"/>
+                        <a14:foregroundMark x1="71493" y1="40812" x2="71493" y2="40812"/>
+                        <a14:foregroundMark x1="71719" y1="40039" x2="71946" y2="34816"/>
+                        <a14:foregroundMark x1="89140" y1="42747" x2="89140" y2="42747"/>
+                        <a14:foregroundMark x1="76697" y1="58607" x2="76697" y2="58607"/>
+                        <a14:foregroundMark x1="76923" y1="58221" x2="77828" y2="58221"/>
+                        <a14:foregroundMark x1="73529" y1="58607" x2="73529" y2="58607"/>
+                        <a14:foregroundMark x1="73077" y1="58607" x2="71267" y2="59574"/>
+                        <a14:foregroundMark x1="33032" y1="35977" x2="33032" y2="35977"/>
+                        <a14:foregroundMark x1="35068" y1="73501" x2="35068" y2="73501"/>
+                        <a14:foregroundMark x1="35068" y1="73501" x2="33258" y2="76983"/>
+                        <a14:foregroundMark x1="33258" y1="77563" x2="33710" y2="82398"/>
+                        <a14:foregroundMark x1="33937" y1="82205" x2="33258" y2="86460"/>
+                        <a14:foregroundMark x1="33258" y1="86847" x2="33032" y2="90716"/>
+                        <a14:foregroundMark x1="33032" y1="90909" x2="32805" y2="94584"/>
+                        <a14:foregroundMark x1="12443" y1="96132" x2="15385" y2="74855"/>
+                        <a14:foregroundMark x1="48416" y1="81625" x2="49095" y2="90909"/>
+                        <a14:foregroundMark x1="49095" y1="90909" x2="49095" y2="90909"/>
+                        <a14:foregroundMark x1="81222" y1="81238" x2="87330" y2="88781"/>
+                        <a14:foregroundMark x1="94570" y1="94971" x2="94570" y2="94971"/>
+                      </a14:backgroundRemoval>
+                    </a14:imgEffect>
+                    <a14:imgEffect>
+                      <a14:sharpenSoften amount="50000"/>
+                    </a14:imgEffect>
+                  </a14:imgLayer>
+                </a14:imgProps>
+              </a:ext>
+              <a:ext uri="{28A0092B-C50C-407E-A947-70E740481C1C}">
+                <a14:useLocalDpi xmlns:a14="http://schemas.microsoft.com/office/drawing/2010/main" val="0"/>
+              </a:ext>
+            </a:extLst>
+          </a:blip>
+          <a:srcRect/>
+          <a:stretch>
+            <a:fillRect/>
+          </a:stretch>
+        </p:blipFill>
+        <p:spPr bwMode="auto">
+          <a:xfrm>
+            <a:off x="8475423" y="4445148"/>
+            <a:ext cx="487209" cy="569876"/>
+          </a:xfrm>
+          <a:prstGeom prst="rect">
+            <a:avLst/>
+          </a:prstGeom>
+          <a:noFill/>
+          <a:extLst>
+            <a:ext uri="{909E8E84-426E-40DD-AFC4-6F175D3DCCD1}">
+              <a14:hiddenFill xmlns:a14="http://schemas.microsoft.com/office/drawing/2010/main">
+                <a:solidFill>
+                  <a:srgbClr val="FFFFFF"/>
+                </a:solidFill>
+              </a14:hiddenFill>
+            </a:ext>
+          </a:extLst>
+        </p:spPr>
+      </p:pic>
+      <p:sp>
+        <p:nvSpPr>
+          <p:cNvPr id="13" name="Google Shape;71;gb80e2ae2f7_1_19">
+            <a:extLst>
+              <a:ext uri="{FF2B5EF4-FFF2-40B4-BE49-F238E27FC236}">
+                <a16:creationId xmlns:a16="http://schemas.microsoft.com/office/drawing/2014/main" id="{00944F1C-ECDB-054E-B294-C95F196E3D7B}"/>
+              </a:ext>
+            </a:extLst>
+          </p:cNvPr>
+          <p:cNvSpPr txBox="1"/>
+          <p:nvPr/>
+        </p:nvSpPr>
+        <p:spPr>
+          <a:xfrm>
+            <a:off x="838200" y="477525"/>
+            <a:ext cx="5973300" cy="353913"/>
+          </a:xfrm>
+          <a:prstGeom prst="rect">
+            <a:avLst/>
+          </a:prstGeom>
+          <a:noFill/>
+          <a:ln>
+            <a:noFill/>
+          </a:ln>
+        </p:spPr>
+        <p:txBody>
+          <a:bodyPr spcFirstLastPara="1" wrap="square" lIns="91425" tIns="91425" rIns="91425" bIns="91425" anchor="t" anchorCtr="0">
+            <a:spAutoFit/>
+          </a:bodyPr>
+          <a:lstStyle/>
+          <a:p>
+            <a:pPr marL="0" lvl="0" indent="0" algn="l" rtl="0">
+              <a:spcBef>
+                <a:spcPts val="0"/>
+              </a:spcBef>
+              <a:spcAft>
+                <a:spcPts val="0"/>
+              </a:spcAft>
+              <a:buNone/>
+            </a:pPr>
+            <a:r>
+              <a:rPr lang="en" sz="1100" dirty="0">
+                <a:solidFill>
+                  <a:srgbClr val="B0FEF1"/>
+                </a:solidFill>
+                <a:latin typeface="Roboto Mono"/>
+                <a:ea typeface="Roboto Mono"/>
+                <a:cs typeface="Roboto Mono"/>
+                <a:sym typeface="Roboto Mono"/>
+              </a:rPr>
+              <a:t>Modeling Flux | Part 4 | Model Comparison &amp; Recoverability</a:t>
+            </a:r>
+            <a:endParaRPr dirty="0">
+              <a:solidFill>
+                <a:srgbClr val="B0FEF1"/>
+              </a:solidFill>
+            </a:endParaRPr>
+          </a:p>
+        </p:txBody>
+      </p:sp>
+      <p:pic>
+        <p:nvPicPr>
+          <p:cNvPr id="4" name="Picture 3">
+            <a:extLst>
+              <a:ext uri="{FF2B5EF4-FFF2-40B4-BE49-F238E27FC236}">
+                <a16:creationId xmlns:a16="http://schemas.microsoft.com/office/drawing/2014/main" id="{8E15B45E-4A5B-2A4E-AF1B-C2239F14D78C}"/>
+              </a:ext>
+            </a:extLst>
+          </p:cNvPr>
+          <p:cNvPicPr>
+            <a:picLocks noChangeAspect="1"/>
+          </p:cNvPicPr>
+          <p:nvPr/>
+        </p:nvPicPr>
+        <p:blipFill rotWithShape="1">
+          <a:blip r:embed="rId7"/>
+          <a:srcRect l="5000" r="52173"/>
+          <a:stretch/>
+        </p:blipFill>
+        <p:spPr>
+          <a:xfrm>
+            <a:off x="2855256" y="1657031"/>
+            <a:ext cx="3328174" cy="3110225"/>
+          </a:xfrm>
+          <a:prstGeom prst="rect">
+            <a:avLst/>
+          </a:prstGeom>
+        </p:spPr>
+      </p:pic>
+      <p:sp>
+        <p:nvSpPr>
+          <p:cNvPr id="5" name="Rectangle 4">
+            <a:extLst>
+              <a:ext uri="{FF2B5EF4-FFF2-40B4-BE49-F238E27FC236}">
+                <a16:creationId xmlns:a16="http://schemas.microsoft.com/office/drawing/2014/main" id="{C7DA9F0F-5A2C-E240-97C3-F108D65C0A6F}"/>
+              </a:ext>
+            </a:extLst>
+          </p:cNvPr>
+          <p:cNvSpPr/>
+          <p:nvPr/>
+        </p:nvSpPr>
+        <p:spPr>
+          <a:xfrm>
             <a:off x="4340888" y="1881037"/>
             <a:ext cx="874208" cy="2540837"/>
           </a:xfrm>
@@ -27842,7 +28815,7 @@
 </p:sld>
 </file>
 
-<file path=ppt/slides/slide31.xml><?xml version="1.0" encoding="utf-8"?>
+<file path=ppt/slides/slide32.xml><?xml version="1.0" encoding="utf-8"?>
 <p:sld xmlns:a="http://schemas.openxmlformats.org/drawingml/2006/main" xmlns:r="http://schemas.openxmlformats.org/officeDocument/2006/relationships" xmlns:p="http://schemas.openxmlformats.org/presentationml/2006/main">
   <p:cSld>
     <p:bg>
@@ -28473,7 +29446,7 @@
 </p:sld>
 </file>
 
-<file path=ppt/slides/slide32.xml><?xml version="1.0" encoding="utf-8"?>
+<file path=ppt/slides/slide33.xml><?xml version="1.0" encoding="utf-8"?>
 <p:sld xmlns:a="http://schemas.openxmlformats.org/drawingml/2006/main" xmlns:r="http://schemas.openxmlformats.org/officeDocument/2006/relationships" xmlns:p="http://schemas.openxmlformats.org/presentationml/2006/main">
   <p:cSld>
     <p:bg>
@@ -28927,7 +29900,7 @@
 </p:sld>
 </file>
 
-<file path=ppt/slides/slide33.xml><?xml version="1.0" encoding="utf-8"?>
+<file path=ppt/slides/slide34.xml><?xml version="1.0" encoding="utf-8"?>
 <p:sld xmlns:a="http://schemas.openxmlformats.org/drawingml/2006/main" xmlns:r="http://schemas.openxmlformats.org/officeDocument/2006/relationships" xmlns:p="http://schemas.openxmlformats.org/presentationml/2006/main">
   <p:cSld>
     <p:bg>
@@ -29732,7 +30705,7 @@
 </p:sld>
 </file>
 
-<file path=ppt/slides/slide34.xml><?xml version="1.0" encoding="utf-8"?>
+<file path=ppt/slides/slide35.xml><?xml version="1.0" encoding="utf-8"?>
 <p:sld xmlns:a="http://schemas.openxmlformats.org/drawingml/2006/main" xmlns:r="http://schemas.openxmlformats.org/officeDocument/2006/relationships" xmlns:p="http://schemas.openxmlformats.org/presentationml/2006/main">
   <p:cSld>
     <p:bg>
@@ -30309,7 +31282,7 @@
 </p:sld>
 </file>
 
-<file path=ppt/slides/slide35.xml><?xml version="1.0" encoding="utf-8"?>
+<file path=ppt/slides/slide36.xml><?xml version="1.0" encoding="utf-8"?>
 <p:sld xmlns:a="http://schemas.openxmlformats.org/drawingml/2006/main" xmlns:r="http://schemas.openxmlformats.org/officeDocument/2006/relationships" xmlns:p="http://schemas.openxmlformats.org/presentationml/2006/main">
   <p:cSld>
     <p:bg>
@@ -31180,7 +32153,7 @@
 </p:sld>
 </file>
 
-<file path=ppt/slides/slide36.xml><?xml version="1.0" encoding="utf-8"?>
+<file path=ppt/slides/slide37.xml><?xml version="1.0" encoding="utf-8"?>
 <p:sld xmlns:a="http://schemas.openxmlformats.org/drawingml/2006/main" xmlns:r="http://schemas.openxmlformats.org/officeDocument/2006/relationships" xmlns:p="http://schemas.openxmlformats.org/presentationml/2006/main">
   <p:cSld>
     <p:bg>
@@ -31825,7 +32798,7 @@
 </p:sld>
 </file>
 
-<file path=ppt/slides/slide37.xml><?xml version="1.0" encoding="utf-8"?>
+<file path=ppt/slides/slide38.xml><?xml version="1.0" encoding="utf-8"?>
 <p:sld xmlns:a="http://schemas.openxmlformats.org/drawingml/2006/main" xmlns:r="http://schemas.openxmlformats.org/officeDocument/2006/relationships" xmlns:p="http://schemas.openxmlformats.org/presentationml/2006/main">
   <p:cSld>
     <p:bg>
@@ -32520,7 +33493,7 @@
 </p:sld>
 </file>
 
-<file path=ppt/slides/slide38.xml><?xml version="1.0" encoding="utf-8"?>
+<file path=ppt/slides/slide39.xml><?xml version="1.0" encoding="utf-8"?>
 <p:sld xmlns:a="http://schemas.openxmlformats.org/drawingml/2006/main" xmlns:r="http://schemas.openxmlformats.org/officeDocument/2006/relationships" xmlns:p="http://schemas.openxmlformats.org/presentationml/2006/main">
   <p:cSld>
     <p:bg>
@@ -33087,611 +34060,6 @@
     <p:extLst>
       <p:ext uri="{BB962C8B-B14F-4D97-AF65-F5344CB8AC3E}">
         <p14:creationId xmlns:p14="http://schemas.microsoft.com/office/powerpoint/2010/main" val="790882564"/>
-      </p:ext>
-    </p:extLst>
-  </p:cSld>
-  <p:clrMapOvr>
-    <a:masterClrMapping/>
-  </p:clrMapOvr>
-</p:sld>
-</file>
-
-<file path=ppt/slides/slide39.xml><?xml version="1.0" encoding="utf-8"?>
-<p:sld xmlns:a="http://schemas.openxmlformats.org/drawingml/2006/main" xmlns:r="http://schemas.openxmlformats.org/officeDocument/2006/relationships" xmlns:p="http://schemas.openxmlformats.org/presentationml/2006/main">
-  <p:cSld>
-    <p:bg>
-      <p:bgPr>
-        <a:solidFill>
-          <a:srgbClr val="17283A"/>
-        </a:solidFill>
-        <a:effectLst/>
-      </p:bgPr>
-    </p:bg>
-    <p:spTree>
-      <p:nvGrpSpPr>
-        <p:cNvPr id="1" name="Shape 69"/>
-        <p:cNvGrpSpPr/>
-        <p:nvPr/>
-      </p:nvGrpSpPr>
-      <p:grpSpPr>
-        <a:xfrm>
-          <a:off x="0" y="0"/>
-          <a:ext cx="0" cy="0"/>
-          <a:chOff x="0" y="0"/>
-          <a:chExt cx="0" cy="0"/>
-        </a:xfrm>
-      </p:grpSpPr>
-      <p:sp>
-        <p:nvSpPr>
-          <p:cNvPr id="70" name="Google Shape;70;gb80e2ae2f7_1_19"/>
-          <p:cNvSpPr txBox="1">
-            <a:spLocks noGrp="1"/>
-          </p:cNvSpPr>
-          <p:nvPr>
-            <p:ph type="ctrTitle"/>
-          </p:nvPr>
-        </p:nvSpPr>
-        <p:spPr>
-          <a:xfrm>
-            <a:off x="892889" y="701531"/>
-            <a:ext cx="6692920" cy="955500"/>
-          </a:xfrm>
-          <a:prstGeom prst="rect">
-            <a:avLst/>
-          </a:prstGeom>
-          <a:noFill/>
-          <a:ln>
-            <a:noFill/>
-          </a:ln>
-        </p:spPr>
-        <p:txBody>
-          <a:bodyPr spcFirstLastPara="1" wrap="square" lIns="91425" tIns="91425" rIns="91425" bIns="91425" anchor="t" anchorCtr="0">
-            <a:normAutofit/>
-          </a:bodyPr>
-          <a:lstStyle/>
-          <a:p>
-            <a:pPr marL="0" lvl="0" indent="0" algn="l" rtl="0">
-              <a:lnSpc>
-                <a:spcPct val="100000"/>
-              </a:lnSpc>
-              <a:spcBef>
-                <a:spcPts val="0"/>
-              </a:spcBef>
-              <a:spcAft>
-                <a:spcPts val="0"/>
-              </a:spcAft>
-              <a:buSzPts val="5200"/>
-              <a:buNone/>
-            </a:pPr>
-            <a:r>
-              <a:rPr lang="en" sz="2500" b="1" dirty="0">
-                <a:solidFill>
-                  <a:srgbClr val="1FD0B3"/>
-                </a:solidFill>
-                <a:latin typeface="Volkhov"/>
-                <a:ea typeface="Volkhov"/>
-                <a:cs typeface="Volkhov"/>
-                <a:sym typeface="Volkhov"/>
-              </a:rPr>
-              <a:t>Comparing task versions</a:t>
-            </a:r>
-            <a:endParaRPr sz="2500" b="1" dirty="0">
-              <a:solidFill>
-                <a:srgbClr val="1FD0B3"/>
-              </a:solidFill>
-              <a:latin typeface="Volkhov"/>
-              <a:ea typeface="Volkhov"/>
-              <a:cs typeface="Volkhov"/>
-              <a:sym typeface="Volkhov"/>
-            </a:endParaRPr>
-          </a:p>
-        </p:txBody>
-      </p:sp>
-      <p:pic>
-        <p:nvPicPr>
-          <p:cNvPr id="6" name="Picture 4">
-            <a:extLst>
-              <a:ext uri="{FF2B5EF4-FFF2-40B4-BE49-F238E27FC236}">
-                <a16:creationId xmlns:a16="http://schemas.microsoft.com/office/drawing/2014/main" id="{E7C9AE3C-CAB2-7742-8AE5-DAC524D0E56C}"/>
-              </a:ext>
-            </a:extLst>
-          </p:cNvPr>
-          <p:cNvPicPr>
-            <a:picLocks noChangeAspect="1" noChangeArrowheads="1"/>
-          </p:cNvPicPr>
-          <p:nvPr/>
-        </p:nvPicPr>
-        <p:blipFill>
-          <a:blip r:embed="rId3">
-            <a:extLst>
-              <a:ext uri="{28A0092B-C50C-407E-A947-70E740481C1C}">
-                <a14:useLocalDpi xmlns:a14="http://schemas.microsoft.com/office/drawing/2010/main" val="0"/>
-              </a:ext>
-            </a:extLst>
-          </a:blip>
-          <a:srcRect/>
-          <a:stretch>
-            <a:fillRect/>
-          </a:stretch>
-        </p:blipFill>
-        <p:spPr bwMode="auto">
-          <a:xfrm>
-            <a:off x="6183430" y="233197"/>
-            <a:ext cx="1494845" cy="517227"/>
-          </a:xfrm>
-          <a:prstGeom prst="rect">
-            <a:avLst/>
-          </a:prstGeom>
-          <a:noFill/>
-          <a:extLst>
-            <a:ext uri="{909E8E84-426E-40DD-AFC4-6F175D3DCCD1}">
-              <a14:hiddenFill xmlns:a14="http://schemas.microsoft.com/office/drawing/2010/main">
-                <a:solidFill>
-                  <a:srgbClr val="FFFFFF"/>
-                </a:solidFill>
-              </a14:hiddenFill>
-            </a:ext>
-          </a:extLst>
-        </p:spPr>
-      </p:pic>
-      <p:grpSp>
-        <p:nvGrpSpPr>
-          <p:cNvPr id="7" name="Group 6">
-            <a:extLst>
-              <a:ext uri="{FF2B5EF4-FFF2-40B4-BE49-F238E27FC236}">
-                <a16:creationId xmlns:a16="http://schemas.microsoft.com/office/drawing/2014/main" id="{EF316743-DB5E-3240-8FB7-789FEE05DECE}"/>
-              </a:ext>
-            </a:extLst>
-          </p:cNvPr>
-          <p:cNvGrpSpPr/>
-          <p:nvPr/>
-        </p:nvGrpSpPr>
-        <p:grpSpPr>
-          <a:xfrm>
-            <a:off x="7585809" y="128476"/>
-            <a:ext cx="1494845" cy="816097"/>
-            <a:chOff x="7663063" y="164557"/>
-            <a:chExt cx="1494845" cy="838997"/>
-          </a:xfrm>
-        </p:grpSpPr>
-        <p:pic>
-          <p:nvPicPr>
-            <p:cNvPr id="8" name="Picture 2" descr="Picture">
-              <a:extLst>
-                <a:ext uri="{FF2B5EF4-FFF2-40B4-BE49-F238E27FC236}">
-                  <a16:creationId xmlns:a16="http://schemas.microsoft.com/office/drawing/2014/main" id="{6BF4D20E-F67C-9543-9442-6D5160C278BE}"/>
-                </a:ext>
-              </a:extLst>
-            </p:cNvPr>
-            <p:cNvPicPr>
-              <a:picLocks noChangeAspect="1" noChangeArrowheads="1"/>
-            </p:cNvPicPr>
-            <p:nvPr/>
-          </p:nvPicPr>
-          <p:blipFill>
-            <a:blip r:embed="rId4">
-              <a:extLst>
-                <a:ext uri="{28A0092B-C50C-407E-A947-70E740481C1C}">
-                  <a14:useLocalDpi xmlns:a14="http://schemas.microsoft.com/office/drawing/2010/main" val="0"/>
-                </a:ext>
-              </a:extLst>
-            </a:blip>
-            <a:srcRect/>
-            <a:stretch>
-              <a:fillRect/>
-            </a:stretch>
-          </p:blipFill>
-          <p:spPr bwMode="auto">
-            <a:xfrm>
-              <a:off x="7946136" y="164557"/>
-              <a:ext cx="961537" cy="585867"/>
-            </a:xfrm>
-            <a:prstGeom prst="rect">
-              <a:avLst/>
-            </a:prstGeom>
-            <a:noFill/>
-            <a:extLst>
-              <a:ext uri="{909E8E84-426E-40DD-AFC4-6F175D3DCCD1}">
-                <a14:hiddenFill xmlns:a14="http://schemas.microsoft.com/office/drawing/2010/main">
-                  <a:solidFill>
-                    <a:srgbClr val="FFFFFF"/>
-                  </a:solidFill>
-                </a14:hiddenFill>
-              </a:ext>
-            </a:extLst>
-          </p:spPr>
-        </p:pic>
-        <p:sp>
-          <p:nvSpPr>
-            <p:cNvPr id="9" name="Rectangle 8">
-              <a:extLst>
-                <a:ext uri="{FF2B5EF4-FFF2-40B4-BE49-F238E27FC236}">
-                  <a16:creationId xmlns:a16="http://schemas.microsoft.com/office/drawing/2014/main" id="{FCDCD23F-E6FA-2B4A-B5E9-9E96FEA57A8F}"/>
-                </a:ext>
-              </a:extLst>
-            </p:cNvPr>
-            <p:cNvSpPr/>
-            <p:nvPr/>
-          </p:nvSpPr>
-          <p:spPr>
-            <a:xfrm>
-              <a:off x="7663063" y="750424"/>
-              <a:ext cx="1494845" cy="253130"/>
-            </a:xfrm>
-            <a:prstGeom prst="rect">
-              <a:avLst/>
-            </a:prstGeom>
-          </p:spPr>
-          <p:txBody>
-            <a:bodyPr wrap="square">
-              <a:spAutoFit/>
-            </a:bodyPr>
-            <a:lstStyle/>
-            <a:p>
-              <a:pPr algn="ctr"/>
-              <a:r>
-                <a:rPr lang="en" sz="1000" dirty="0">
-                  <a:solidFill>
-                    <a:schemeClr val="bg2">
-                      <a:lumMod val="40000"/>
-                      <a:lumOff val="60000"/>
-                    </a:schemeClr>
-                  </a:solidFill>
-                  <a:latin typeface="Helvetica" pitchFamily="2" charset="0"/>
-                  <a:ea typeface="Roboto Mono"/>
-                  <a:cs typeface="Thonburi" pitchFamily="2" charset="-34"/>
-                  <a:sym typeface="Roboto Mono"/>
-                </a:rPr>
-                <a:t>HARTLEY LAB</a:t>
-              </a:r>
-              <a:endParaRPr lang="en-US" sz="1000" dirty="0">
-                <a:solidFill>
-                  <a:schemeClr val="bg2">
-                    <a:lumMod val="40000"/>
-                    <a:lumOff val="60000"/>
-                  </a:schemeClr>
-                </a:solidFill>
-                <a:latin typeface="Helvetica" pitchFamily="2" charset="0"/>
-                <a:cs typeface="Thonburi" pitchFamily="2" charset="-34"/>
-              </a:endParaRPr>
-            </a:p>
-          </p:txBody>
-        </p:sp>
-      </p:grpSp>
-      <p:pic>
-        <p:nvPicPr>
-          <p:cNvPr id="10" name="Picture 10" descr="Home - Flux Society">
-            <a:extLst>
-              <a:ext uri="{FF2B5EF4-FFF2-40B4-BE49-F238E27FC236}">
-                <a16:creationId xmlns:a16="http://schemas.microsoft.com/office/drawing/2014/main" id="{3B93B20D-CDBD-1241-AFCB-7FC469D1D327}"/>
-              </a:ext>
-            </a:extLst>
-          </p:cNvPr>
-          <p:cNvPicPr>
-            <a:picLocks noChangeAspect="1" noChangeArrowheads="1"/>
-          </p:cNvPicPr>
-          <p:nvPr/>
-        </p:nvPicPr>
-        <p:blipFill>
-          <a:blip r:embed="rId5">
-            <a:extLst>
-              <a:ext uri="{BEBA8EAE-BF5A-486C-A8C5-ECC9F3942E4B}">
-                <a14:imgProps xmlns:a14="http://schemas.microsoft.com/office/drawing/2010/main">
-                  <a14:imgLayer r:embed="rId6">
-                    <a14:imgEffect>
-                      <a14:backgroundRemoval t="6770" b="96132" l="9955" r="94570">
-                        <a14:foregroundMark x1="39367" y1="9865" x2="39367" y2="9865"/>
-                        <a14:foregroundMark x1="39367" y1="9865" x2="30543" y2="9865"/>
-                        <a14:foregroundMark x1="23756" y1="16441" x2="30543" y2="11219"/>
-                        <a14:foregroundMark x1="33484" y1="9865" x2="44796" y2="9671"/>
-                        <a14:foregroundMark x1="44796" y1="9671" x2="45928" y2="9671"/>
-                        <a14:foregroundMark x1="44796" y1="8897" x2="44118" y2="6770"/>
-                        <a14:foregroundMark x1="64027" y1="24758" x2="67195" y2="25725"/>
-                        <a14:foregroundMark x1="45701" y1="45455" x2="45701" y2="45455"/>
-                        <a14:foregroundMark x1="39140" y1="42940" x2="39140" y2="42940"/>
-                        <a14:foregroundMark x1="35294" y1="37524" x2="35294" y2="37524"/>
-                        <a14:foregroundMark x1="33484" y1="36364" x2="33484" y2="36364"/>
-                        <a14:foregroundMark x1="71493" y1="40812" x2="71493" y2="40812"/>
-                        <a14:foregroundMark x1="71719" y1="40039" x2="71946" y2="34816"/>
-                        <a14:foregroundMark x1="89140" y1="42747" x2="89140" y2="42747"/>
-                        <a14:foregroundMark x1="76697" y1="58607" x2="76697" y2="58607"/>
-                        <a14:foregroundMark x1="76923" y1="58221" x2="77828" y2="58221"/>
-                        <a14:foregroundMark x1="73529" y1="58607" x2="73529" y2="58607"/>
-                        <a14:foregroundMark x1="73077" y1="58607" x2="71267" y2="59574"/>
-                        <a14:foregroundMark x1="33032" y1="35977" x2="33032" y2="35977"/>
-                        <a14:foregroundMark x1="35068" y1="73501" x2="35068" y2="73501"/>
-                        <a14:foregroundMark x1="35068" y1="73501" x2="33258" y2="76983"/>
-                        <a14:foregroundMark x1="33258" y1="77563" x2="33710" y2="82398"/>
-                        <a14:foregroundMark x1="33937" y1="82205" x2="33258" y2="86460"/>
-                        <a14:foregroundMark x1="33258" y1="86847" x2="33032" y2="90716"/>
-                        <a14:foregroundMark x1="33032" y1="90909" x2="32805" y2="94584"/>
-                        <a14:foregroundMark x1="12443" y1="96132" x2="15385" y2="74855"/>
-                        <a14:foregroundMark x1="48416" y1="81625" x2="49095" y2="90909"/>
-                        <a14:foregroundMark x1="49095" y1="90909" x2="49095" y2="90909"/>
-                        <a14:foregroundMark x1="81222" y1="81238" x2="87330" y2="88781"/>
-                        <a14:foregroundMark x1="94570" y1="94971" x2="94570" y2="94971"/>
-                      </a14:backgroundRemoval>
-                    </a14:imgEffect>
-                    <a14:imgEffect>
-                      <a14:sharpenSoften amount="50000"/>
-                    </a14:imgEffect>
-                  </a14:imgLayer>
-                </a14:imgProps>
-              </a:ext>
-              <a:ext uri="{28A0092B-C50C-407E-A947-70E740481C1C}">
-                <a14:useLocalDpi xmlns:a14="http://schemas.microsoft.com/office/drawing/2010/main" val="0"/>
-              </a:ext>
-            </a:extLst>
-          </a:blip>
-          <a:srcRect/>
-          <a:stretch>
-            <a:fillRect/>
-          </a:stretch>
-        </p:blipFill>
-        <p:spPr bwMode="auto">
-          <a:xfrm>
-            <a:off x="8475423" y="4445148"/>
-            <a:ext cx="487209" cy="569876"/>
-          </a:xfrm>
-          <a:prstGeom prst="rect">
-            <a:avLst/>
-          </a:prstGeom>
-          <a:noFill/>
-          <a:extLst>
-            <a:ext uri="{909E8E84-426E-40DD-AFC4-6F175D3DCCD1}">
-              <a14:hiddenFill xmlns:a14="http://schemas.microsoft.com/office/drawing/2010/main">
-                <a:solidFill>
-                  <a:srgbClr val="FFFFFF"/>
-                </a:solidFill>
-              </a14:hiddenFill>
-            </a:ext>
-          </a:extLst>
-        </p:spPr>
-      </p:pic>
-      <p:sp>
-        <p:nvSpPr>
-          <p:cNvPr id="11" name="Google Shape;73;gb80e2ae2f7_1_19">
-            <a:extLst>
-              <a:ext uri="{FF2B5EF4-FFF2-40B4-BE49-F238E27FC236}">
-                <a16:creationId xmlns:a16="http://schemas.microsoft.com/office/drawing/2014/main" id="{01DEBCD2-A978-9D42-8564-EA320B23D8E9}"/>
-              </a:ext>
-            </a:extLst>
-          </p:cNvPr>
-          <p:cNvSpPr txBox="1"/>
-          <p:nvPr/>
-        </p:nvSpPr>
-        <p:spPr>
-          <a:xfrm>
-            <a:off x="547983" y="1249122"/>
-            <a:ext cx="1254313" cy="503184"/>
-          </a:xfrm>
-          <a:prstGeom prst="rect">
-            <a:avLst/>
-          </a:prstGeom>
-          <a:noFill/>
-          <a:ln>
-            <a:noFill/>
-          </a:ln>
-        </p:spPr>
-        <p:txBody>
-          <a:bodyPr spcFirstLastPara="1" wrap="square" lIns="91425" tIns="91425" rIns="91425" bIns="91425" anchor="t" anchorCtr="0">
-            <a:spAutoFit/>
-          </a:bodyPr>
-          <a:lstStyle/>
-          <a:p>
-            <a:pPr marL="133350" lvl="0" algn="l" rtl="0">
-              <a:lnSpc>
-                <a:spcPct val="115000"/>
-              </a:lnSpc>
-              <a:spcBef>
-                <a:spcPts val="0"/>
-              </a:spcBef>
-              <a:spcAft>
-                <a:spcPts val="0"/>
-              </a:spcAft>
-              <a:buClr>
-                <a:srgbClr val="1FD0B3"/>
-              </a:buClr>
-              <a:buSzPts val="1500"/>
-            </a:pPr>
-            <a:r>
-              <a:rPr lang="en-US" sz="1800" i="1" dirty="0">
-                <a:solidFill>
-                  <a:srgbClr val="B0FEF1"/>
-                </a:solidFill>
-                <a:latin typeface="Volkhov"/>
-                <a:ea typeface="Volkhov"/>
-                <a:cs typeface="Volkhov"/>
-                <a:sym typeface="Volkhov"/>
-              </a:rPr>
-              <a:t>20 trials</a:t>
-            </a:r>
-          </a:p>
-        </p:txBody>
-      </p:sp>
-      <p:sp>
-        <p:nvSpPr>
-          <p:cNvPr id="13" name="Google Shape;71;gb80e2ae2f7_1_19">
-            <a:extLst>
-              <a:ext uri="{FF2B5EF4-FFF2-40B4-BE49-F238E27FC236}">
-                <a16:creationId xmlns:a16="http://schemas.microsoft.com/office/drawing/2014/main" id="{F4CC30C8-99E5-A546-B22F-6F7D46DF78CF}"/>
-              </a:ext>
-            </a:extLst>
-          </p:cNvPr>
-          <p:cNvSpPr txBox="1"/>
-          <p:nvPr/>
-        </p:nvSpPr>
-        <p:spPr>
-          <a:xfrm>
-            <a:off x="838200" y="477525"/>
-            <a:ext cx="5973300" cy="353913"/>
-          </a:xfrm>
-          <a:prstGeom prst="rect">
-            <a:avLst/>
-          </a:prstGeom>
-          <a:noFill/>
-          <a:ln>
-            <a:noFill/>
-          </a:ln>
-        </p:spPr>
-        <p:txBody>
-          <a:bodyPr spcFirstLastPara="1" wrap="square" lIns="91425" tIns="91425" rIns="91425" bIns="91425" anchor="t" anchorCtr="0">
-            <a:spAutoFit/>
-          </a:bodyPr>
-          <a:lstStyle/>
-          <a:p>
-            <a:pPr marL="0" lvl="0" indent="0" algn="l" rtl="0">
-              <a:spcBef>
-                <a:spcPts val="0"/>
-              </a:spcBef>
-              <a:spcAft>
-                <a:spcPts val="0"/>
-              </a:spcAft>
-              <a:buNone/>
-            </a:pPr>
-            <a:r>
-              <a:rPr lang="en" sz="1100" dirty="0">
-                <a:solidFill>
-                  <a:srgbClr val="B0FEF1"/>
-                </a:solidFill>
-                <a:latin typeface="Roboto Mono"/>
-                <a:ea typeface="Roboto Mono"/>
-                <a:cs typeface="Roboto Mono"/>
-                <a:sym typeface="Roboto Mono"/>
-              </a:rPr>
-              <a:t>Modeling Flux | Part 4 | Model Comparison &amp; Recoverability</a:t>
-            </a:r>
-            <a:endParaRPr dirty="0">
-              <a:solidFill>
-                <a:srgbClr val="B0FEF1"/>
-              </a:solidFill>
-            </a:endParaRPr>
-          </a:p>
-        </p:txBody>
-      </p:sp>
-      <p:sp>
-        <p:nvSpPr>
-          <p:cNvPr id="16" name="Google Shape;73;gb80e2ae2f7_1_19">
-            <a:extLst>
-              <a:ext uri="{FF2B5EF4-FFF2-40B4-BE49-F238E27FC236}">
-                <a16:creationId xmlns:a16="http://schemas.microsoft.com/office/drawing/2014/main" id="{61A8BF26-F339-3B40-A921-50261CF80F18}"/>
-              </a:ext>
-            </a:extLst>
-          </p:cNvPr>
-          <p:cNvSpPr txBox="1"/>
-          <p:nvPr/>
-        </p:nvSpPr>
-        <p:spPr>
-          <a:xfrm>
-            <a:off x="7059158" y="1320300"/>
-            <a:ext cx="1494844" cy="503184"/>
-          </a:xfrm>
-          <a:prstGeom prst="rect">
-            <a:avLst/>
-          </a:prstGeom>
-          <a:noFill/>
-          <a:ln>
-            <a:noFill/>
-          </a:ln>
-        </p:spPr>
-        <p:txBody>
-          <a:bodyPr spcFirstLastPara="1" wrap="square" lIns="91425" tIns="91425" rIns="91425" bIns="91425" anchor="t" anchorCtr="0">
-            <a:spAutoFit/>
-          </a:bodyPr>
-          <a:lstStyle/>
-          <a:p>
-            <a:pPr marL="133350" lvl="0" algn="l" rtl="0">
-              <a:lnSpc>
-                <a:spcPct val="115000"/>
-              </a:lnSpc>
-              <a:spcBef>
-                <a:spcPts val="0"/>
-              </a:spcBef>
-              <a:spcAft>
-                <a:spcPts val="0"/>
-              </a:spcAft>
-              <a:buClr>
-                <a:srgbClr val="1FD0B3"/>
-              </a:buClr>
-              <a:buSzPts val="1500"/>
-            </a:pPr>
-            <a:r>
-              <a:rPr lang="en-US" sz="1800" i="1" dirty="0">
-                <a:solidFill>
-                  <a:srgbClr val="B0FEF1"/>
-                </a:solidFill>
-                <a:latin typeface="Volkhov"/>
-                <a:ea typeface="Volkhov"/>
-                <a:cs typeface="Volkhov"/>
-                <a:sym typeface="Volkhov"/>
-              </a:rPr>
-              <a:t>200 trials</a:t>
-            </a:r>
-          </a:p>
-        </p:txBody>
-      </p:sp>
-      <p:pic>
-        <p:nvPicPr>
-          <p:cNvPr id="17" name="Picture 16">
-            <a:extLst>
-              <a:ext uri="{FF2B5EF4-FFF2-40B4-BE49-F238E27FC236}">
-                <a16:creationId xmlns:a16="http://schemas.microsoft.com/office/drawing/2014/main" id="{DC695FFC-DE82-FD4B-A255-3EBEC7014026}"/>
-              </a:ext>
-            </a:extLst>
-          </p:cNvPr>
-          <p:cNvPicPr>
-            <a:picLocks noChangeAspect="1"/>
-          </p:cNvPicPr>
-          <p:nvPr/>
-        </p:nvPicPr>
-        <p:blipFill rotWithShape="1">
-          <a:blip r:embed="rId7"/>
-          <a:srcRect l="4445" r="51296"/>
-          <a:stretch/>
-        </p:blipFill>
-        <p:spPr>
-          <a:xfrm>
-            <a:off x="547983" y="1752306"/>
-            <a:ext cx="3549884" cy="2969647"/>
-          </a:xfrm>
-          <a:prstGeom prst="rect">
-            <a:avLst/>
-          </a:prstGeom>
-        </p:spPr>
-      </p:pic>
-      <p:pic>
-        <p:nvPicPr>
-          <p:cNvPr id="18" name="Picture 17" descr="Chart&#10;&#10;Description automatically generated">
-            <a:extLst>
-              <a:ext uri="{FF2B5EF4-FFF2-40B4-BE49-F238E27FC236}">
-                <a16:creationId xmlns:a16="http://schemas.microsoft.com/office/drawing/2014/main" id="{7ACC340F-3E35-3344-85D9-055E244EECC9}"/>
-              </a:ext>
-            </a:extLst>
-          </p:cNvPr>
-          <p:cNvPicPr>
-            <a:picLocks noChangeAspect="1"/>
-          </p:cNvPicPr>
-          <p:nvPr/>
-        </p:nvPicPr>
-        <p:blipFill rotWithShape="1">
-          <a:blip r:embed="rId8"/>
-          <a:srcRect l="3772" r="52963"/>
-          <a:stretch/>
-        </p:blipFill>
-        <p:spPr>
-          <a:xfrm>
-            <a:off x="5060211" y="1752306"/>
-            <a:ext cx="3345437" cy="3018436"/>
-          </a:xfrm>
-          <a:prstGeom prst="rect">
-            <a:avLst/>
-          </a:prstGeom>
-        </p:spPr>
-      </p:pic>
-    </p:spTree>
-    <p:extLst>
-      <p:ext uri="{BB962C8B-B14F-4D97-AF65-F5344CB8AC3E}">
-        <p14:creationId xmlns:p14="http://schemas.microsoft.com/office/powerpoint/2010/main" val="3809586419"/>
       </p:ext>
     </p:extLst>
   </p:cSld>
@@ -34475,6 +34843,72 @@
           <a:chExt cx="0" cy="0"/>
         </a:xfrm>
       </p:grpSpPr>
+      <p:sp>
+        <p:nvSpPr>
+          <p:cNvPr id="70" name="Google Shape;70;gb80e2ae2f7_1_19"/>
+          <p:cNvSpPr txBox="1">
+            <a:spLocks noGrp="1"/>
+          </p:cNvSpPr>
+          <p:nvPr>
+            <p:ph type="ctrTitle"/>
+          </p:nvPr>
+        </p:nvSpPr>
+        <p:spPr>
+          <a:xfrm>
+            <a:off x="892889" y="701531"/>
+            <a:ext cx="6692920" cy="955500"/>
+          </a:xfrm>
+          <a:prstGeom prst="rect">
+            <a:avLst/>
+          </a:prstGeom>
+          <a:noFill/>
+          <a:ln>
+            <a:noFill/>
+          </a:ln>
+        </p:spPr>
+        <p:txBody>
+          <a:bodyPr spcFirstLastPara="1" wrap="square" lIns="91425" tIns="91425" rIns="91425" bIns="91425" anchor="t" anchorCtr="0">
+            <a:normAutofit/>
+          </a:bodyPr>
+          <a:lstStyle/>
+          <a:p>
+            <a:pPr marL="0" lvl="0" indent="0" algn="l" rtl="0">
+              <a:lnSpc>
+                <a:spcPct val="100000"/>
+              </a:lnSpc>
+              <a:spcBef>
+                <a:spcPts val="0"/>
+              </a:spcBef>
+              <a:spcAft>
+                <a:spcPts val="0"/>
+              </a:spcAft>
+              <a:buSzPts val="5200"/>
+              <a:buNone/>
+            </a:pPr>
+            <a:r>
+              <a:rPr lang="en" sz="2500" b="1" dirty="0">
+                <a:solidFill>
+                  <a:srgbClr val="1FD0B3"/>
+                </a:solidFill>
+                <a:latin typeface="Volkhov"/>
+                <a:ea typeface="Volkhov"/>
+                <a:cs typeface="Volkhov"/>
+                <a:sym typeface="Volkhov"/>
+              </a:rPr>
+              <a:t>Comparing task versions</a:t>
+            </a:r>
+            <a:endParaRPr sz="2500" b="1" dirty="0">
+              <a:solidFill>
+                <a:srgbClr val="1FD0B3"/>
+              </a:solidFill>
+              <a:latin typeface="Volkhov"/>
+              <a:ea typeface="Volkhov"/>
+              <a:cs typeface="Volkhov"/>
+              <a:sym typeface="Volkhov"/>
+            </a:endParaRPr>
+          </a:p>
+        </p:txBody>
+      </p:sp>
       <p:pic>
         <p:nvPicPr>
           <p:cNvPr id="6" name="Picture 4">
@@ -34738,10 +35172,71 @@
       </p:pic>
       <p:sp>
         <p:nvSpPr>
-          <p:cNvPr id="12" name="Google Shape;71;gb80e2ae2f7_1_19">
+          <p:cNvPr id="11" name="Google Shape;73;gb80e2ae2f7_1_19">
             <a:extLst>
               <a:ext uri="{FF2B5EF4-FFF2-40B4-BE49-F238E27FC236}">
-                <a16:creationId xmlns:a16="http://schemas.microsoft.com/office/drawing/2014/main" id="{74495414-5B5A-8A4A-B0D3-7D8266880A7F}"/>
+                <a16:creationId xmlns:a16="http://schemas.microsoft.com/office/drawing/2014/main" id="{01DEBCD2-A978-9D42-8564-EA320B23D8E9}"/>
+              </a:ext>
+            </a:extLst>
+          </p:cNvPr>
+          <p:cNvSpPr txBox="1"/>
+          <p:nvPr/>
+        </p:nvSpPr>
+        <p:spPr>
+          <a:xfrm>
+            <a:off x="547983" y="1249122"/>
+            <a:ext cx="1254313" cy="503184"/>
+          </a:xfrm>
+          <a:prstGeom prst="rect">
+            <a:avLst/>
+          </a:prstGeom>
+          <a:noFill/>
+          <a:ln>
+            <a:noFill/>
+          </a:ln>
+        </p:spPr>
+        <p:txBody>
+          <a:bodyPr spcFirstLastPara="1" wrap="square" lIns="91425" tIns="91425" rIns="91425" bIns="91425" anchor="t" anchorCtr="0">
+            <a:spAutoFit/>
+          </a:bodyPr>
+          <a:lstStyle/>
+          <a:p>
+            <a:pPr marL="133350" lvl="0" algn="l" rtl="0">
+              <a:lnSpc>
+                <a:spcPct val="115000"/>
+              </a:lnSpc>
+              <a:spcBef>
+                <a:spcPts val="0"/>
+              </a:spcBef>
+              <a:spcAft>
+                <a:spcPts val="0"/>
+              </a:spcAft>
+              <a:buClr>
+                <a:srgbClr val="1FD0B3"/>
+              </a:buClr>
+              <a:buSzPts val="1500"/>
+            </a:pPr>
+            <a:r>
+              <a:rPr lang="en-US" sz="1800" i="1" dirty="0">
+                <a:solidFill>
+                  <a:srgbClr val="B0FEF1"/>
+                </a:solidFill>
+                <a:latin typeface="Volkhov"/>
+                <a:ea typeface="Volkhov"/>
+                <a:cs typeface="Volkhov"/>
+                <a:sym typeface="Volkhov"/>
+              </a:rPr>
+              <a:t>20 trials</a:t>
+            </a:r>
+          </a:p>
+        </p:txBody>
+      </p:sp>
+      <p:sp>
+        <p:nvSpPr>
+          <p:cNvPr id="13" name="Google Shape;71;gb80e2ae2f7_1_19">
+            <a:extLst>
+              <a:ext uri="{FF2B5EF4-FFF2-40B4-BE49-F238E27FC236}">
+                <a16:creationId xmlns:a16="http://schemas.microsoft.com/office/drawing/2014/main" id="{F4CC30C8-99E5-A546-B22F-6F7D46DF78CF}"/>
               </a:ext>
             </a:extLst>
           </p:cNvPr>
@@ -34798,58 +35293,10 @@
       </p:sp>
       <p:sp>
         <p:nvSpPr>
-          <p:cNvPr id="13" name="Google Shape;70;gb80e2ae2f7_1_19">
+          <p:cNvPr id="16" name="Google Shape;73;gb80e2ae2f7_1_19">
             <a:extLst>
               <a:ext uri="{FF2B5EF4-FFF2-40B4-BE49-F238E27FC236}">
-                <a16:creationId xmlns:a16="http://schemas.microsoft.com/office/drawing/2014/main" id="{88DB6F98-A67F-D94F-AD6E-093020D569FF}"/>
-              </a:ext>
-            </a:extLst>
-          </p:cNvPr>
-          <p:cNvSpPr txBox="1">
-            <a:spLocks noGrp="1"/>
-          </p:cNvSpPr>
-          <p:nvPr>
-            <p:ph type="ctrTitle"/>
-          </p:nvPr>
-        </p:nvSpPr>
-        <p:spPr>
-          <a:xfrm>
-            <a:off x="892888" y="701531"/>
-            <a:ext cx="6692922" cy="955501"/>
-          </a:xfrm>
-          <a:prstGeom prst="rect">
-            <a:avLst/>
-          </a:prstGeom>
-        </p:spPr>
-        <p:txBody>
-          <a:bodyPr anchor="t"/>
-          <a:lstStyle>
-            <a:lvl1pPr algn="l">
-              <a:defRPr sz="2500" b="1">
-                <a:solidFill>
-                  <a:srgbClr val="1FD0B3"/>
-                </a:solidFill>
-                <a:latin typeface="Volkhov"/>
-                <a:ea typeface="Volkhov"/>
-                <a:cs typeface="Volkhov"/>
-                <a:sym typeface="Volkhov"/>
-              </a:defRPr>
-            </a:lvl1pPr>
-          </a:lstStyle>
-          <a:p>
-            <a:r>
-              <a:rPr dirty="0"/>
-              <a:t>Predictive performance and model checks</a:t>
-            </a:r>
-          </a:p>
-        </p:txBody>
-      </p:sp>
-      <p:sp>
-        <p:nvSpPr>
-          <p:cNvPr id="14" name="Google Shape;73;gb80e2ae2f7_1_19">
-            <a:extLst>
-              <a:ext uri="{FF2B5EF4-FFF2-40B4-BE49-F238E27FC236}">
-                <a16:creationId xmlns:a16="http://schemas.microsoft.com/office/drawing/2014/main" id="{674B7149-E93F-DE43-B7A7-DC421FC725E1}"/>
+                <a16:creationId xmlns:a16="http://schemas.microsoft.com/office/drawing/2014/main" id="{61A8BF26-F339-3B40-A921-50261CF80F18}"/>
               </a:ext>
             </a:extLst>
           </p:cNvPr>
@@ -34858,32 +35305,40 @@
         </p:nvSpPr>
         <p:spPr>
           <a:xfrm>
-            <a:off x="115661" y="1303497"/>
-            <a:ext cx="8247377" cy="1104871"/>
+            <a:off x="7059158" y="1320300"/>
+            <a:ext cx="1494844" cy="503184"/>
           </a:xfrm>
           <a:prstGeom prst="rect">
             <a:avLst/>
           </a:prstGeom>
-          <a:ln w="12700">
-            <a:miter lim="400000"/>
+          <a:noFill/>
+          <a:ln>
+            <a:noFill/>
           </a:ln>
-          <a:extLst>
-            <a:ext uri="{C572A759-6A51-4108-AA02-DFA0A04FC94B}">
-              <ma14:wrappingTextBoxFlag xmlns:ma14="http://schemas.microsoft.com/office/mac/drawingml/2011/main" xmlns:a14="http://schemas.microsoft.com/office/drawing/2010/main" xmlns:m="http://schemas.openxmlformats.org/officeDocument/2006/math" xmlns="" val="1"/>
-            </a:ext>
-          </a:extLst>
         </p:spPr>
         <p:txBody>
-          <a:bodyPr lIns="91424" tIns="91424" rIns="91424" bIns="91424">
+          <a:bodyPr spcFirstLastPara="1" wrap="square" lIns="91425" tIns="91425" rIns="91425" bIns="91425" anchor="t" anchorCtr="0">
             <a:spAutoFit/>
           </a:bodyPr>
           <a:lstStyle/>
           <a:p>
-            <a:pPr indent="133350">
+            <a:pPr marL="133350" lvl="0" algn="l" rtl="0">
               <a:lnSpc>
                 <a:spcPct val="115000"/>
               </a:lnSpc>
-              <a:defRPr sz="1800" b="1">
+              <a:spcBef>
+                <a:spcPts val="0"/>
+              </a:spcBef>
+              <a:spcAft>
+                <a:spcPts val="0"/>
+              </a:spcAft>
+              <a:buClr>
+                <a:srgbClr val="1FD0B3"/>
+              </a:buClr>
+              <a:buSzPts val="1500"/>
+            </a:pPr>
+            <a:r>
+              <a:rPr lang="en-US" sz="1800" i="1" dirty="0">
                 <a:solidFill>
                   <a:srgbClr val="B0FEF1"/>
                 </a:solidFill>
@@ -34891,188 +35346,74 @@
                 <a:ea typeface="Volkhov"/>
                 <a:cs typeface="Volkhov"/>
                 <a:sym typeface="Volkhov"/>
-              </a:defRPr>
-            </a:pPr>
-            <a:endParaRPr dirty="0"/>
-          </a:p>
-          <a:p>
-            <a:pPr marL="476250" lvl="1" indent="-342900">
-              <a:lnSpc>
-                <a:spcPct val="115000"/>
-              </a:lnSpc>
-              <a:buClr>
-                <a:srgbClr val="1FD0B3"/>
-              </a:buClr>
-              <a:buSzPts val="1800"/>
-              <a:buAutoNum type="arabicPeriod"/>
-              <a:defRPr sz="1800" b="1">
-                <a:solidFill>
-                  <a:srgbClr val="B0FEF1"/>
-                </a:solidFill>
-                <a:latin typeface="Volkhov"/>
-                <a:ea typeface="Volkhov"/>
-                <a:cs typeface="Volkhov"/>
-                <a:sym typeface="Volkhov"/>
-              </a:defRPr>
-            </a:pPr>
-            <a:r>
-              <a:rPr dirty="0"/>
-              <a:t> All models could be wrong — </a:t>
-            </a:r>
-            <a:r>
-              <a:rPr i="1" dirty="0">
-                <a:solidFill>
-                  <a:srgbClr val="1BD1B3"/>
-                </a:solidFill>
               </a:rPr>
-              <a:t>the model comparisons are </a:t>
-            </a:r>
-            <a:r>
-              <a:rPr i="1" dirty="0">
-                <a:solidFill>
-                  <a:srgbClr val="FFFFFF"/>
-                </a:solidFill>
-              </a:rPr>
-              <a:t>relative</a:t>
+              <a:t>200 trials</a:t>
             </a:r>
           </a:p>
         </p:txBody>
       </p:sp>
-      <p:sp>
-        <p:nvSpPr>
-          <p:cNvPr id="20" name="Google Shape;73;gb80e2ae2f7_1_19">
+      <p:pic>
+        <p:nvPicPr>
+          <p:cNvPr id="17" name="Picture 16">
             <a:extLst>
               <a:ext uri="{FF2B5EF4-FFF2-40B4-BE49-F238E27FC236}">
-                <a16:creationId xmlns:a16="http://schemas.microsoft.com/office/drawing/2014/main" id="{AA2DD081-BFBD-1942-9C79-FBB946494DCF}"/>
+                <a16:creationId xmlns:a16="http://schemas.microsoft.com/office/drawing/2014/main" id="{DC695FFC-DE82-FD4B-A255-3EBEC7014026}"/>
               </a:ext>
             </a:extLst>
           </p:cNvPr>
-          <p:cNvSpPr txBox="1"/>
+          <p:cNvPicPr>
+            <a:picLocks noChangeAspect="1"/>
+          </p:cNvPicPr>
           <p:nvPr/>
-        </p:nvSpPr>
+        </p:nvPicPr>
+        <p:blipFill rotWithShape="1">
+          <a:blip r:embed="rId7"/>
+          <a:srcRect l="4445" r="51296"/>
+          <a:stretch/>
+        </p:blipFill>
         <p:spPr>
           <a:xfrm>
-            <a:off x="909272" y="2558464"/>
-            <a:ext cx="7785921" cy="462251"/>
+            <a:off x="547983" y="1752306"/>
+            <a:ext cx="3549884" cy="2969647"/>
           </a:xfrm>
           <a:prstGeom prst="rect">
             <a:avLst/>
           </a:prstGeom>
-          <a:ln w="12700">
-            <a:miter lim="400000"/>
-          </a:ln>
-          <a:extLst>
-            <a:ext uri="{C572A759-6A51-4108-AA02-DFA0A04FC94B}">
-              <ma14:wrappingTextBoxFlag xmlns:ma14="http://schemas.microsoft.com/office/mac/drawingml/2011/main" xmlns:a14="http://schemas.microsoft.com/office/drawing/2010/main" xmlns:m="http://schemas.openxmlformats.org/officeDocument/2006/math" xmlns="" val="1"/>
-            </a:ext>
-          </a:extLst>
         </p:spPr>
-        <p:txBody>
-          <a:bodyPr lIns="91424" tIns="91424" rIns="91424" bIns="91424">
-            <a:spAutoFit/>
-          </a:bodyPr>
-          <a:lstStyle>
-            <a:lvl1pPr marL="457200" indent="-323850">
-              <a:lnSpc>
-                <a:spcPct val="115000"/>
-              </a:lnSpc>
-              <a:buClr>
-                <a:srgbClr val="1FD0B3"/>
-              </a:buClr>
-              <a:buSzPts val="1800"/>
-              <a:buFont typeface="Helvetica"/>
-              <a:buChar char="➔"/>
-              <a:defRPr sz="1800">
-                <a:solidFill>
-                  <a:srgbClr val="B0FEF1"/>
-                </a:solidFill>
-                <a:latin typeface="Volkhov"/>
-                <a:ea typeface="Volkhov"/>
-                <a:cs typeface="Volkhov"/>
-                <a:sym typeface="Volkhov"/>
-              </a:defRPr>
-            </a:lvl1pPr>
-          </a:lstStyle>
-          <a:p>
-            <a:r>
-              <a:rPr sz="1600"/>
-              <a:t>Better “fit” does not guarantee the model could be recovered</a:t>
-            </a:r>
-          </a:p>
-        </p:txBody>
-      </p:sp>
-      <p:sp>
-        <p:nvSpPr>
-          <p:cNvPr id="21" name="Google Shape;73;gb80e2ae2f7_1_19">
+      </p:pic>
+      <p:pic>
+        <p:nvPicPr>
+          <p:cNvPr id="18" name="Picture 17" descr="Chart&#10;&#10;Description automatically generated">
             <a:extLst>
               <a:ext uri="{FF2B5EF4-FFF2-40B4-BE49-F238E27FC236}">
-                <a16:creationId xmlns:a16="http://schemas.microsoft.com/office/drawing/2014/main" id="{14C3551C-1456-2349-A14B-4E13A3BBE324}"/>
+                <a16:creationId xmlns:a16="http://schemas.microsoft.com/office/drawing/2014/main" id="{7ACC340F-3E35-3344-85D9-055E244EECC9}"/>
               </a:ext>
             </a:extLst>
           </p:cNvPr>
-          <p:cNvSpPr txBox="1"/>
+          <p:cNvPicPr>
+            <a:picLocks noChangeAspect="1"/>
+          </p:cNvPicPr>
           <p:nvPr/>
-        </p:nvSpPr>
+        </p:nvPicPr>
+        <p:blipFill rotWithShape="1">
+          <a:blip r:embed="rId8"/>
+          <a:srcRect l="3772" r="52963"/>
+          <a:stretch/>
+        </p:blipFill>
         <p:spPr>
           <a:xfrm>
-            <a:off x="909272" y="2082378"/>
-            <a:ext cx="7785921" cy="462251"/>
+            <a:off x="5060211" y="1752306"/>
+            <a:ext cx="3345437" cy="3018436"/>
           </a:xfrm>
           <a:prstGeom prst="rect">
             <a:avLst/>
           </a:prstGeom>
-          <a:ln w="12700">
-            <a:miter lim="400000"/>
-          </a:ln>
-          <a:extLst>
-            <a:ext uri="{C572A759-6A51-4108-AA02-DFA0A04FC94B}">
-              <ma14:wrappingTextBoxFlag xmlns:ma14="http://schemas.microsoft.com/office/mac/drawingml/2011/main" xmlns:a14="http://schemas.microsoft.com/office/drawing/2010/main" xmlns:m="http://schemas.openxmlformats.org/officeDocument/2006/math" xmlns="" val="1"/>
-            </a:ext>
-          </a:extLst>
         </p:spPr>
-        <p:txBody>
-          <a:bodyPr lIns="91424" tIns="91424" rIns="91424" bIns="91424">
-            <a:spAutoFit/>
-          </a:bodyPr>
-          <a:lstStyle>
-            <a:lvl1pPr marL="457200" indent="-323850">
-              <a:lnSpc>
-                <a:spcPct val="115000"/>
-              </a:lnSpc>
-              <a:buClr>
-                <a:srgbClr val="1FD0B3"/>
-              </a:buClr>
-              <a:buSzPts val="1800"/>
-              <a:buFont typeface="Helvetica"/>
-              <a:buChar char="➔"/>
-              <a:defRPr sz="1800">
-                <a:solidFill>
-                  <a:srgbClr val="B0FEF1"/>
-                </a:solidFill>
-                <a:latin typeface="Volkhov"/>
-                <a:ea typeface="Volkhov"/>
-                <a:cs typeface="Volkhov"/>
-                <a:sym typeface="Volkhov"/>
-              </a:defRPr>
-            </a:lvl1pPr>
-          </a:lstStyle>
-          <a:p>
-            <a:r>
-              <a:rPr sz="1600" dirty="0"/>
-              <a:t>Better “fit” does not guarantee the model reproduces </a:t>
-            </a:r>
-            <a:r>
-              <a:rPr sz="1600" dirty="0" err="1"/>
-              <a:t>behaviour</a:t>
-            </a:r>
-            <a:endParaRPr sz="1600" dirty="0"/>
-          </a:p>
-        </p:txBody>
-      </p:sp>
+      </p:pic>
     </p:spTree>
     <p:extLst>
       <p:ext uri="{BB962C8B-B14F-4D97-AF65-F5344CB8AC3E}">
-        <p14:creationId xmlns:p14="http://schemas.microsoft.com/office/powerpoint/2010/main" val="381495890"/>
+        <p14:creationId xmlns:p14="http://schemas.microsoft.com/office/powerpoint/2010/main" val="3809586419"/>
       </p:ext>
     </p:extLst>
   </p:cSld>
@@ -35627,7 +35968,7 @@
           </a:lstStyle>
           <a:p>
             <a:r>
-              <a:rPr sz="1600" dirty="0"/>
+              <a:rPr sz="1600"/>
               <a:t>Better “fit” does not guarantee the model could be recovered</a:t>
             </a:r>
           </a:p>
@@ -35690,105 +36031,21 @@
           </a:lstStyle>
           <a:p>
             <a:r>
-              <a:rPr sz="1600"/>
-              <a:t>Better “fit” does not guarantee the model reproduces behaviour</a:t>
-            </a:r>
-          </a:p>
-        </p:txBody>
-      </p:sp>
-      <p:sp>
-        <p:nvSpPr>
-          <p:cNvPr id="15" name="Google Shape;73;gb80e2ae2f7_1_19">
-            <a:extLst>
-              <a:ext uri="{FF2B5EF4-FFF2-40B4-BE49-F238E27FC236}">
-                <a16:creationId xmlns:a16="http://schemas.microsoft.com/office/drawing/2014/main" id="{FAEB3B4C-7211-1E49-AEC0-7804534D3AE1}"/>
-              </a:ext>
-            </a:extLst>
-          </p:cNvPr>
-          <p:cNvSpPr txBox="1"/>
-          <p:nvPr/>
-        </p:nvSpPr>
-        <p:spPr>
-          <a:xfrm>
-            <a:off x="115661" y="2769672"/>
-            <a:ext cx="8776926" cy="1104871"/>
-          </a:xfrm>
-          <a:prstGeom prst="rect">
-            <a:avLst/>
-          </a:prstGeom>
-          <a:ln w="12700">
-            <a:miter lim="400000"/>
-          </a:ln>
-          <a:extLst>
-            <a:ext uri="{C572A759-6A51-4108-AA02-DFA0A04FC94B}">
-              <ma14:wrappingTextBoxFlag xmlns:ma14="http://schemas.microsoft.com/office/mac/drawingml/2011/main" xmlns:a14="http://schemas.microsoft.com/office/drawing/2010/main" xmlns:m="http://schemas.openxmlformats.org/officeDocument/2006/math" xmlns="" val="1"/>
-            </a:ext>
-          </a:extLst>
-        </p:spPr>
-        <p:txBody>
-          <a:bodyPr lIns="91424" tIns="91424" rIns="91424" bIns="91424">
-            <a:spAutoFit/>
-          </a:bodyPr>
-          <a:lstStyle/>
-          <a:p>
-            <a:pPr indent="133350">
-              <a:lnSpc>
-                <a:spcPct val="115000"/>
-              </a:lnSpc>
-              <a:defRPr sz="1800" b="1">
-                <a:solidFill>
-                  <a:srgbClr val="B0FEF1"/>
-                </a:solidFill>
-                <a:latin typeface="Volkhov"/>
-                <a:ea typeface="Volkhov"/>
-                <a:cs typeface="Volkhov"/>
-                <a:sym typeface="Volkhov"/>
-              </a:defRPr>
-            </a:pPr>
-            <a:endParaRPr dirty="0"/>
-          </a:p>
-          <a:p>
-            <a:pPr marL="476250" lvl="1" indent="-342900">
-              <a:lnSpc>
-                <a:spcPct val="115000"/>
-              </a:lnSpc>
-              <a:buClr>
-                <a:schemeClr val="accent5">
-                  <a:satOff val="-51311"/>
-                  <a:lumOff val="33627"/>
-                </a:schemeClr>
-              </a:buClr>
-              <a:buSzPts val="1800"/>
-              <a:buAutoNum type="arabicPeriod" startAt="2"/>
-              <a:defRPr sz="1800" b="1">
-                <a:solidFill>
-                  <a:srgbClr val="B0FEF1"/>
-                </a:solidFill>
-                <a:latin typeface="Volkhov"/>
-                <a:ea typeface="Volkhov"/>
-                <a:cs typeface="Volkhov"/>
-                <a:sym typeface="Volkhov"/>
-              </a:defRPr>
-            </a:pPr>
-            <a:r>
-              <a:rPr dirty="0"/>
-              <a:t> Generative performance of the model: how well the model can reproduce </a:t>
+              <a:rPr sz="1600" dirty="0"/>
+              <a:t>Better “fit” does not guarantee the model reproduces </a:t>
             </a:r>
             <a:r>
-              <a:rPr dirty="0" err="1"/>
+              <a:rPr sz="1600" dirty="0" err="1"/>
               <a:t>behaviour</a:t>
             </a:r>
-            <a:r>
-              <a:rPr dirty="0"/>
-              <a:t> </a:t>
-            </a:r>
+            <a:endParaRPr sz="1600" dirty="0"/>
           </a:p>
         </p:txBody>
       </p:sp>
     </p:spTree>
     <p:extLst>
       <p:ext uri="{BB962C8B-B14F-4D97-AF65-F5344CB8AC3E}">
-        <p14:creationId xmlns:p14="http://schemas.microsoft.com/office/powerpoint/2010/main" val="2438399112"/>
+        <p14:creationId xmlns:p14="http://schemas.microsoft.com/office/powerpoint/2010/main" val="381495890"/>
       </p:ext>
     </p:extLst>
   </p:cSld>
@@ -36406,14 +36663,9 @@
           </a:lstStyle>
           <a:p>
             <a:r>
-              <a:rPr sz="1600" dirty="0"/>
-              <a:t>Better “fit” does not guarantee the model reproduces </a:t>
+              <a:rPr sz="1600"/>
+              <a:t>Better “fit” does not guarantee the model reproduces behaviour</a:t>
             </a:r>
-            <a:r>
-              <a:rPr sz="1600" dirty="0" err="1"/>
-              <a:t>behaviour</a:t>
-            </a:r>
-            <a:endParaRPr sz="1600" dirty="0"/>
           </a:p>
         </p:txBody>
       </p:sp>
@@ -36506,234 +36758,10 @@
           </a:p>
         </p:txBody>
       </p:sp>
-      <p:sp>
-        <p:nvSpPr>
-          <p:cNvPr id="16" name="Google Shape;73;gb80e2ae2f7_1_19">
-            <a:extLst>
-              <a:ext uri="{FF2B5EF4-FFF2-40B4-BE49-F238E27FC236}">
-                <a16:creationId xmlns:a16="http://schemas.microsoft.com/office/drawing/2014/main" id="{8A482587-B1A9-A648-A42B-6B2E3D066CE1}"/>
-              </a:ext>
-            </a:extLst>
-          </p:cNvPr>
-          <p:cNvSpPr txBox="1"/>
-          <p:nvPr/>
-        </p:nvSpPr>
-        <p:spPr>
-          <a:xfrm>
-            <a:off x="645854" y="3801531"/>
-            <a:ext cx="7785922" cy="462251"/>
-          </a:xfrm>
-          <a:prstGeom prst="rect">
-            <a:avLst/>
-          </a:prstGeom>
-          <a:ln w="12700">
-            <a:miter lim="400000"/>
-          </a:ln>
-          <a:extLst>
-            <a:ext uri="{C572A759-6A51-4108-AA02-DFA0A04FC94B}">
-              <ma14:wrappingTextBoxFlag xmlns:ma14="http://schemas.microsoft.com/office/mac/drawingml/2011/main" xmlns:a14="http://schemas.microsoft.com/office/drawing/2010/main" xmlns:m="http://schemas.openxmlformats.org/officeDocument/2006/math" xmlns="" val="1"/>
-            </a:ext>
-          </a:extLst>
-        </p:spPr>
-        <p:txBody>
-          <a:bodyPr lIns="91424" tIns="91424" rIns="91424" bIns="91424">
-            <a:spAutoFit/>
-          </a:bodyPr>
-          <a:lstStyle/>
-          <a:p>
-            <a:pPr marL="457200" indent="-323850">
-              <a:lnSpc>
-                <a:spcPct val="115000"/>
-              </a:lnSpc>
-              <a:buClr>
-                <a:srgbClr val="1FD0B3"/>
-              </a:buClr>
-              <a:buSzPts val="1800"/>
-              <a:buFont typeface="Helvetica"/>
-              <a:buChar char="➔"/>
-              <a:defRPr sz="1800">
-                <a:solidFill>
-                  <a:srgbClr val="B0FEF1"/>
-                </a:solidFill>
-                <a:latin typeface="Volkhov"/>
-                <a:ea typeface="Volkhov"/>
-                <a:cs typeface="Volkhov"/>
-                <a:sym typeface="Volkhov"/>
-              </a:defRPr>
-            </a:pPr>
-            <a:r>
-              <a:rPr sz="1600" dirty="0"/>
-              <a:t>Check model performance against </a:t>
-            </a:r>
-            <a:r>
-              <a:rPr sz="1600" dirty="0" err="1"/>
-              <a:t>behavioural</a:t>
-            </a:r>
-            <a:r>
-              <a:rPr sz="1600" dirty="0"/>
-              <a:t> data </a:t>
-            </a:r>
-            <a:r>
-              <a:rPr sz="1600" b="1" dirty="0">
-                <a:solidFill>
-                  <a:srgbClr val="FFFFFF"/>
-                </a:solidFill>
-              </a:rPr>
-              <a:t>qualitatively</a:t>
-            </a:r>
-          </a:p>
-        </p:txBody>
-      </p:sp>
-      <p:sp>
-        <p:nvSpPr>
-          <p:cNvPr id="17" name="Google Shape;73;gb80e2ae2f7_1_19">
-            <a:extLst>
-              <a:ext uri="{FF2B5EF4-FFF2-40B4-BE49-F238E27FC236}">
-                <a16:creationId xmlns:a16="http://schemas.microsoft.com/office/drawing/2014/main" id="{1564CB80-5A64-8647-9F2A-69FBCA2BAB5F}"/>
-              </a:ext>
-            </a:extLst>
-          </p:cNvPr>
-          <p:cNvSpPr txBox="1"/>
-          <p:nvPr/>
-        </p:nvSpPr>
-        <p:spPr>
-          <a:xfrm>
-            <a:off x="645854" y="4321328"/>
-            <a:ext cx="7785922" cy="462251"/>
-          </a:xfrm>
-          <a:prstGeom prst="rect">
-            <a:avLst/>
-          </a:prstGeom>
-          <a:ln w="12700">
-            <a:miter lim="400000"/>
-          </a:ln>
-          <a:extLst>
-            <a:ext uri="{C572A759-6A51-4108-AA02-DFA0A04FC94B}">
-              <ma14:wrappingTextBoxFlag xmlns:ma14="http://schemas.microsoft.com/office/mac/drawingml/2011/main" xmlns:a14="http://schemas.microsoft.com/office/drawing/2010/main" xmlns:m="http://schemas.openxmlformats.org/officeDocument/2006/math" xmlns="" val="1"/>
-            </a:ext>
-          </a:extLst>
-        </p:spPr>
-        <p:txBody>
-          <a:bodyPr lIns="91424" tIns="91424" rIns="91424" bIns="91424">
-            <a:spAutoFit/>
-          </a:bodyPr>
-          <a:lstStyle/>
-          <a:p>
-            <a:pPr marL="457200" indent="-323850">
-              <a:lnSpc>
-                <a:spcPct val="115000"/>
-              </a:lnSpc>
-              <a:buClr>
-                <a:srgbClr val="1FD0B3"/>
-              </a:buClr>
-              <a:buSzPts val="1800"/>
-              <a:buFont typeface="Helvetica"/>
-              <a:buChar char="➔"/>
-              <a:defRPr sz="1800">
-                <a:solidFill>
-                  <a:srgbClr val="B0FEF1"/>
-                </a:solidFill>
-                <a:latin typeface="Volkhov"/>
-                <a:ea typeface="Volkhov"/>
-                <a:cs typeface="Volkhov"/>
-                <a:sym typeface="Volkhov"/>
-              </a:defRPr>
-            </a:pPr>
-            <a:r>
-              <a:rPr sz="1600"/>
-              <a:t>Try to find a behavioural pattern that </a:t>
-            </a:r>
-            <a:r>
-              <a:rPr sz="1600" b="1">
-                <a:solidFill>
-                  <a:srgbClr val="FFFFFF"/>
-                </a:solidFill>
-              </a:rPr>
-              <a:t>dissociates</a:t>
-            </a:r>
-            <a:r>
-              <a:rPr sz="1600"/>
-              <a:t> between the models</a:t>
-            </a:r>
-          </a:p>
-        </p:txBody>
-      </p:sp>
-      <p:sp>
-        <p:nvSpPr>
-          <p:cNvPr id="18" name="Google Shape;73;gb80e2ae2f7_1_19">
-            <a:extLst>
-              <a:ext uri="{FF2B5EF4-FFF2-40B4-BE49-F238E27FC236}">
-                <a16:creationId xmlns:a16="http://schemas.microsoft.com/office/drawing/2014/main" id="{825BB8B9-CF6E-0147-876F-386B1F41E62F}"/>
-              </a:ext>
-            </a:extLst>
-          </p:cNvPr>
-          <p:cNvSpPr txBox="1"/>
-          <p:nvPr/>
-        </p:nvSpPr>
-        <p:spPr>
-          <a:xfrm>
-            <a:off x="2619166" y="4753704"/>
-            <a:ext cx="8480809" cy="360651"/>
-          </a:xfrm>
-          <a:prstGeom prst="rect">
-            <a:avLst/>
-          </a:prstGeom>
-          <a:ln w="12700">
-            <a:miter lim="400000"/>
-          </a:ln>
-          <a:extLst>
-            <a:ext uri="{C572A759-6A51-4108-AA02-DFA0A04FC94B}">
-              <ma14:wrappingTextBoxFlag xmlns:ma14="http://schemas.microsoft.com/office/mac/drawingml/2011/main" xmlns:a14="http://schemas.microsoft.com/office/drawing/2010/main" xmlns:m="http://schemas.openxmlformats.org/officeDocument/2006/math" xmlns="" val="1"/>
-            </a:ext>
-          </a:extLst>
-        </p:spPr>
-        <p:txBody>
-          <a:bodyPr lIns="91424" tIns="91424" rIns="91424" bIns="91424">
-            <a:spAutoFit/>
-          </a:bodyPr>
-          <a:lstStyle>
-            <a:lvl1pPr indent="228600">
-              <a:lnSpc>
-                <a:spcPct val="115000"/>
-              </a:lnSpc>
-              <a:buClr>
-                <a:srgbClr val="1FD0B3"/>
-              </a:buClr>
-              <a:buFont typeface="Helvetica"/>
-              <a:defRPr sz="1200" i="1">
-                <a:solidFill>
-                  <a:srgbClr val="1BD1B3"/>
-                </a:solidFill>
-                <a:latin typeface="Volkhov"/>
-                <a:ea typeface="Volkhov"/>
-                <a:cs typeface="Volkhov"/>
-                <a:sym typeface="Volkhov"/>
-              </a:defRPr>
-            </a:lvl1pPr>
-          </a:lstStyle>
-          <a:p>
-            <a:pPr>
-              <a:defRPr i="0">
-                <a:solidFill>
-                  <a:srgbClr val="B0FEF1"/>
-                </a:solidFill>
-              </a:defRPr>
-            </a:pPr>
-            <a:r>
-              <a:rPr i="1">
-                <a:solidFill>
-                  <a:srgbClr val="1BD1B3"/>
-                </a:solidFill>
-              </a:rPr>
-              <a:t>The importance of model falsification (Palminteri et al., Trends Cog Sci 2017) </a:t>
-            </a:r>
-          </a:p>
-        </p:txBody>
-      </p:sp>
     </p:spTree>
     <p:extLst>
       <p:ext uri="{BB962C8B-B14F-4D97-AF65-F5344CB8AC3E}">
-        <p14:creationId xmlns:p14="http://schemas.microsoft.com/office/powerpoint/2010/main" val="4018481675"/>
+        <p14:creationId xmlns:p14="http://schemas.microsoft.com/office/powerpoint/2010/main" val="2438399112"/>
       </p:ext>
     </p:extLst>
   </p:cSld>
@@ -37091,6 +37119,951 @@
       </p:sp>
       <p:sp>
         <p:nvSpPr>
+          <p:cNvPr id="13" name="Google Shape;70;gb80e2ae2f7_1_19">
+            <a:extLst>
+              <a:ext uri="{FF2B5EF4-FFF2-40B4-BE49-F238E27FC236}">
+                <a16:creationId xmlns:a16="http://schemas.microsoft.com/office/drawing/2014/main" id="{88DB6F98-A67F-D94F-AD6E-093020D569FF}"/>
+              </a:ext>
+            </a:extLst>
+          </p:cNvPr>
+          <p:cNvSpPr txBox="1">
+            <a:spLocks noGrp="1"/>
+          </p:cNvSpPr>
+          <p:nvPr>
+            <p:ph type="ctrTitle"/>
+          </p:nvPr>
+        </p:nvSpPr>
+        <p:spPr>
+          <a:xfrm>
+            <a:off x="892888" y="701531"/>
+            <a:ext cx="6692922" cy="955501"/>
+          </a:xfrm>
+          <a:prstGeom prst="rect">
+            <a:avLst/>
+          </a:prstGeom>
+        </p:spPr>
+        <p:txBody>
+          <a:bodyPr anchor="t"/>
+          <a:lstStyle>
+            <a:lvl1pPr algn="l">
+              <a:defRPr sz="2500" b="1">
+                <a:solidFill>
+                  <a:srgbClr val="1FD0B3"/>
+                </a:solidFill>
+                <a:latin typeface="Volkhov"/>
+                <a:ea typeface="Volkhov"/>
+                <a:cs typeface="Volkhov"/>
+                <a:sym typeface="Volkhov"/>
+              </a:defRPr>
+            </a:lvl1pPr>
+          </a:lstStyle>
+          <a:p>
+            <a:r>
+              <a:rPr dirty="0"/>
+              <a:t>Predictive performance and model checks</a:t>
+            </a:r>
+          </a:p>
+        </p:txBody>
+      </p:sp>
+      <p:sp>
+        <p:nvSpPr>
+          <p:cNvPr id="14" name="Google Shape;73;gb80e2ae2f7_1_19">
+            <a:extLst>
+              <a:ext uri="{FF2B5EF4-FFF2-40B4-BE49-F238E27FC236}">
+                <a16:creationId xmlns:a16="http://schemas.microsoft.com/office/drawing/2014/main" id="{674B7149-E93F-DE43-B7A7-DC421FC725E1}"/>
+              </a:ext>
+            </a:extLst>
+          </p:cNvPr>
+          <p:cNvSpPr txBox="1"/>
+          <p:nvPr/>
+        </p:nvSpPr>
+        <p:spPr>
+          <a:xfrm>
+            <a:off x="115661" y="1303497"/>
+            <a:ext cx="8247377" cy="1104871"/>
+          </a:xfrm>
+          <a:prstGeom prst="rect">
+            <a:avLst/>
+          </a:prstGeom>
+          <a:ln w="12700">
+            <a:miter lim="400000"/>
+          </a:ln>
+          <a:extLst>
+            <a:ext uri="{C572A759-6A51-4108-AA02-DFA0A04FC94B}">
+              <ma14:wrappingTextBoxFlag xmlns:ma14="http://schemas.microsoft.com/office/mac/drawingml/2011/main" xmlns:a14="http://schemas.microsoft.com/office/drawing/2010/main" xmlns:m="http://schemas.openxmlformats.org/officeDocument/2006/math" xmlns="" val="1"/>
+            </a:ext>
+          </a:extLst>
+        </p:spPr>
+        <p:txBody>
+          <a:bodyPr lIns="91424" tIns="91424" rIns="91424" bIns="91424">
+            <a:spAutoFit/>
+          </a:bodyPr>
+          <a:lstStyle/>
+          <a:p>
+            <a:pPr indent="133350">
+              <a:lnSpc>
+                <a:spcPct val="115000"/>
+              </a:lnSpc>
+              <a:defRPr sz="1800" b="1">
+                <a:solidFill>
+                  <a:srgbClr val="B0FEF1"/>
+                </a:solidFill>
+                <a:latin typeface="Volkhov"/>
+                <a:ea typeface="Volkhov"/>
+                <a:cs typeface="Volkhov"/>
+                <a:sym typeface="Volkhov"/>
+              </a:defRPr>
+            </a:pPr>
+            <a:endParaRPr dirty="0"/>
+          </a:p>
+          <a:p>
+            <a:pPr marL="476250" lvl="1" indent="-342900">
+              <a:lnSpc>
+                <a:spcPct val="115000"/>
+              </a:lnSpc>
+              <a:buClr>
+                <a:srgbClr val="1FD0B3"/>
+              </a:buClr>
+              <a:buSzPts val="1800"/>
+              <a:buAutoNum type="arabicPeriod"/>
+              <a:defRPr sz="1800" b="1">
+                <a:solidFill>
+                  <a:srgbClr val="B0FEF1"/>
+                </a:solidFill>
+                <a:latin typeface="Volkhov"/>
+                <a:ea typeface="Volkhov"/>
+                <a:cs typeface="Volkhov"/>
+                <a:sym typeface="Volkhov"/>
+              </a:defRPr>
+            </a:pPr>
+            <a:r>
+              <a:rPr dirty="0"/>
+              <a:t> All models could be wrong — </a:t>
+            </a:r>
+            <a:r>
+              <a:rPr i="1" dirty="0">
+                <a:solidFill>
+                  <a:srgbClr val="1BD1B3"/>
+                </a:solidFill>
+              </a:rPr>
+              <a:t>the model comparisons are </a:t>
+            </a:r>
+            <a:r>
+              <a:rPr i="1" dirty="0">
+                <a:solidFill>
+                  <a:srgbClr val="FFFFFF"/>
+                </a:solidFill>
+              </a:rPr>
+              <a:t>relative</a:t>
+            </a:r>
+          </a:p>
+        </p:txBody>
+      </p:sp>
+      <p:sp>
+        <p:nvSpPr>
+          <p:cNvPr id="20" name="Google Shape;73;gb80e2ae2f7_1_19">
+            <a:extLst>
+              <a:ext uri="{FF2B5EF4-FFF2-40B4-BE49-F238E27FC236}">
+                <a16:creationId xmlns:a16="http://schemas.microsoft.com/office/drawing/2014/main" id="{AA2DD081-BFBD-1942-9C79-FBB946494DCF}"/>
+              </a:ext>
+            </a:extLst>
+          </p:cNvPr>
+          <p:cNvSpPr txBox="1"/>
+          <p:nvPr/>
+        </p:nvSpPr>
+        <p:spPr>
+          <a:xfrm>
+            <a:off x="909272" y="2558464"/>
+            <a:ext cx="7785921" cy="462251"/>
+          </a:xfrm>
+          <a:prstGeom prst="rect">
+            <a:avLst/>
+          </a:prstGeom>
+          <a:ln w="12700">
+            <a:miter lim="400000"/>
+          </a:ln>
+          <a:extLst>
+            <a:ext uri="{C572A759-6A51-4108-AA02-DFA0A04FC94B}">
+              <ma14:wrappingTextBoxFlag xmlns:ma14="http://schemas.microsoft.com/office/mac/drawingml/2011/main" xmlns:a14="http://schemas.microsoft.com/office/drawing/2010/main" xmlns:m="http://schemas.openxmlformats.org/officeDocument/2006/math" xmlns="" val="1"/>
+            </a:ext>
+          </a:extLst>
+        </p:spPr>
+        <p:txBody>
+          <a:bodyPr lIns="91424" tIns="91424" rIns="91424" bIns="91424">
+            <a:spAutoFit/>
+          </a:bodyPr>
+          <a:lstStyle>
+            <a:lvl1pPr marL="457200" indent="-323850">
+              <a:lnSpc>
+                <a:spcPct val="115000"/>
+              </a:lnSpc>
+              <a:buClr>
+                <a:srgbClr val="1FD0B3"/>
+              </a:buClr>
+              <a:buSzPts val="1800"/>
+              <a:buFont typeface="Helvetica"/>
+              <a:buChar char="➔"/>
+              <a:defRPr sz="1800">
+                <a:solidFill>
+                  <a:srgbClr val="B0FEF1"/>
+                </a:solidFill>
+                <a:latin typeface="Volkhov"/>
+                <a:ea typeface="Volkhov"/>
+                <a:cs typeface="Volkhov"/>
+                <a:sym typeface="Volkhov"/>
+              </a:defRPr>
+            </a:lvl1pPr>
+          </a:lstStyle>
+          <a:p>
+            <a:r>
+              <a:rPr sz="1600" dirty="0"/>
+              <a:t>Better “fit” does not guarantee the model could be recovered</a:t>
+            </a:r>
+          </a:p>
+        </p:txBody>
+      </p:sp>
+      <p:sp>
+        <p:nvSpPr>
+          <p:cNvPr id="21" name="Google Shape;73;gb80e2ae2f7_1_19">
+            <a:extLst>
+              <a:ext uri="{FF2B5EF4-FFF2-40B4-BE49-F238E27FC236}">
+                <a16:creationId xmlns:a16="http://schemas.microsoft.com/office/drawing/2014/main" id="{14C3551C-1456-2349-A14B-4E13A3BBE324}"/>
+              </a:ext>
+            </a:extLst>
+          </p:cNvPr>
+          <p:cNvSpPr txBox="1"/>
+          <p:nvPr/>
+        </p:nvSpPr>
+        <p:spPr>
+          <a:xfrm>
+            <a:off x="909272" y="2082378"/>
+            <a:ext cx="7785921" cy="462251"/>
+          </a:xfrm>
+          <a:prstGeom prst="rect">
+            <a:avLst/>
+          </a:prstGeom>
+          <a:ln w="12700">
+            <a:miter lim="400000"/>
+          </a:ln>
+          <a:extLst>
+            <a:ext uri="{C572A759-6A51-4108-AA02-DFA0A04FC94B}">
+              <ma14:wrappingTextBoxFlag xmlns:ma14="http://schemas.microsoft.com/office/mac/drawingml/2011/main" xmlns:a14="http://schemas.microsoft.com/office/drawing/2010/main" xmlns:m="http://schemas.openxmlformats.org/officeDocument/2006/math" xmlns="" val="1"/>
+            </a:ext>
+          </a:extLst>
+        </p:spPr>
+        <p:txBody>
+          <a:bodyPr lIns="91424" tIns="91424" rIns="91424" bIns="91424">
+            <a:spAutoFit/>
+          </a:bodyPr>
+          <a:lstStyle>
+            <a:lvl1pPr marL="457200" indent="-323850">
+              <a:lnSpc>
+                <a:spcPct val="115000"/>
+              </a:lnSpc>
+              <a:buClr>
+                <a:srgbClr val="1FD0B3"/>
+              </a:buClr>
+              <a:buSzPts val="1800"/>
+              <a:buFont typeface="Helvetica"/>
+              <a:buChar char="➔"/>
+              <a:defRPr sz="1800">
+                <a:solidFill>
+                  <a:srgbClr val="B0FEF1"/>
+                </a:solidFill>
+                <a:latin typeface="Volkhov"/>
+                <a:ea typeface="Volkhov"/>
+                <a:cs typeface="Volkhov"/>
+                <a:sym typeface="Volkhov"/>
+              </a:defRPr>
+            </a:lvl1pPr>
+          </a:lstStyle>
+          <a:p>
+            <a:r>
+              <a:rPr sz="1600" dirty="0"/>
+              <a:t>Better “fit” does not guarantee the model reproduces </a:t>
+            </a:r>
+            <a:r>
+              <a:rPr sz="1600" dirty="0" err="1"/>
+              <a:t>behaviour</a:t>
+            </a:r>
+            <a:endParaRPr sz="1600" dirty="0"/>
+          </a:p>
+        </p:txBody>
+      </p:sp>
+      <p:sp>
+        <p:nvSpPr>
+          <p:cNvPr id="15" name="Google Shape;73;gb80e2ae2f7_1_19">
+            <a:extLst>
+              <a:ext uri="{FF2B5EF4-FFF2-40B4-BE49-F238E27FC236}">
+                <a16:creationId xmlns:a16="http://schemas.microsoft.com/office/drawing/2014/main" id="{FAEB3B4C-7211-1E49-AEC0-7804534D3AE1}"/>
+              </a:ext>
+            </a:extLst>
+          </p:cNvPr>
+          <p:cNvSpPr txBox="1"/>
+          <p:nvPr/>
+        </p:nvSpPr>
+        <p:spPr>
+          <a:xfrm>
+            <a:off x="115661" y="2769672"/>
+            <a:ext cx="8776926" cy="1104871"/>
+          </a:xfrm>
+          <a:prstGeom prst="rect">
+            <a:avLst/>
+          </a:prstGeom>
+          <a:ln w="12700">
+            <a:miter lim="400000"/>
+          </a:ln>
+          <a:extLst>
+            <a:ext uri="{C572A759-6A51-4108-AA02-DFA0A04FC94B}">
+              <ma14:wrappingTextBoxFlag xmlns:ma14="http://schemas.microsoft.com/office/mac/drawingml/2011/main" xmlns:a14="http://schemas.microsoft.com/office/drawing/2010/main" xmlns:m="http://schemas.openxmlformats.org/officeDocument/2006/math" xmlns="" val="1"/>
+            </a:ext>
+          </a:extLst>
+        </p:spPr>
+        <p:txBody>
+          <a:bodyPr lIns="91424" tIns="91424" rIns="91424" bIns="91424">
+            <a:spAutoFit/>
+          </a:bodyPr>
+          <a:lstStyle/>
+          <a:p>
+            <a:pPr indent="133350">
+              <a:lnSpc>
+                <a:spcPct val="115000"/>
+              </a:lnSpc>
+              <a:defRPr sz="1800" b="1">
+                <a:solidFill>
+                  <a:srgbClr val="B0FEF1"/>
+                </a:solidFill>
+                <a:latin typeface="Volkhov"/>
+                <a:ea typeface="Volkhov"/>
+                <a:cs typeface="Volkhov"/>
+                <a:sym typeface="Volkhov"/>
+              </a:defRPr>
+            </a:pPr>
+            <a:endParaRPr dirty="0"/>
+          </a:p>
+          <a:p>
+            <a:pPr marL="476250" lvl="1" indent="-342900">
+              <a:lnSpc>
+                <a:spcPct val="115000"/>
+              </a:lnSpc>
+              <a:buClr>
+                <a:schemeClr val="accent5">
+                  <a:satOff val="-51311"/>
+                  <a:lumOff val="33627"/>
+                </a:schemeClr>
+              </a:buClr>
+              <a:buSzPts val="1800"/>
+              <a:buAutoNum type="arabicPeriod" startAt="2"/>
+              <a:defRPr sz="1800" b="1">
+                <a:solidFill>
+                  <a:srgbClr val="B0FEF1"/>
+                </a:solidFill>
+                <a:latin typeface="Volkhov"/>
+                <a:ea typeface="Volkhov"/>
+                <a:cs typeface="Volkhov"/>
+                <a:sym typeface="Volkhov"/>
+              </a:defRPr>
+            </a:pPr>
+            <a:r>
+              <a:rPr dirty="0"/>
+              <a:t> Generative performance of the model: how well the model can reproduce </a:t>
+            </a:r>
+            <a:r>
+              <a:rPr dirty="0" err="1"/>
+              <a:t>behaviour</a:t>
+            </a:r>
+            <a:r>
+              <a:rPr dirty="0"/>
+              <a:t> </a:t>
+            </a:r>
+          </a:p>
+        </p:txBody>
+      </p:sp>
+      <p:sp>
+        <p:nvSpPr>
+          <p:cNvPr id="16" name="Google Shape;73;gb80e2ae2f7_1_19">
+            <a:extLst>
+              <a:ext uri="{FF2B5EF4-FFF2-40B4-BE49-F238E27FC236}">
+                <a16:creationId xmlns:a16="http://schemas.microsoft.com/office/drawing/2014/main" id="{8A482587-B1A9-A648-A42B-6B2E3D066CE1}"/>
+              </a:ext>
+            </a:extLst>
+          </p:cNvPr>
+          <p:cNvSpPr txBox="1"/>
+          <p:nvPr/>
+        </p:nvSpPr>
+        <p:spPr>
+          <a:xfrm>
+            <a:off x="645854" y="3801531"/>
+            <a:ext cx="7785922" cy="462251"/>
+          </a:xfrm>
+          <a:prstGeom prst="rect">
+            <a:avLst/>
+          </a:prstGeom>
+          <a:ln w="12700">
+            <a:miter lim="400000"/>
+          </a:ln>
+          <a:extLst>
+            <a:ext uri="{C572A759-6A51-4108-AA02-DFA0A04FC94B}">
+              <ma14:wrappingTextBoxFlag xmlns:ma14="http://schemas.microsoft.com/office/mac/drawingml/2011/main" xmlns:a14="http://schemas.microsoft.com/office/drawing/2010/main" xmlns:m="http://schemas.openxmlformats.org/officeDocument/2006/math" xmlns="" val="1"/>
+            </a:ext>
+          </a:extLst>
+        </p:spPr>
+        <p:txBody>
+          <a:bodyPr lIns="91424" tIns="91424" rIns="91424" bIns="91424">
+            <a:spAutoFit/>
+          </a:bodyPr>
+          <a:lstStyle/>
+          <a:p>
+            <a:pPr marL="457200" indent="-323850">
+              <a:lnSpc>
+                <a:spcPct val="115000"/>
+              </a:lnSpc>
+              <a:buClr>
+                <a:srgbClr val="1FD0B3"/>
+              </a:buClr>
+              <a:buSzPts val="1800"/>
+              <a:buFont typeface="Helvetica"/>
+              <a:buChar char="➔"/>
+              <a:defRPr sz="1800">
+                <a:solidFill>
+                  <a:srgbClr val="B0FEF1"/>
+                </a:solidFill>
+                <a:latin typeface="Volkhov"/>
+                <a:ea typeface="Volkhov"/>
+                <a:cs typeface="Volkhov"/>
+                <a:sym typeface="Volkhov"/>
+              </a:defRPr>
+            </a:pPr>
+            <a:r>
+              <a:rPr sz="1600" dirty="0"/>
+              <a:t>Check model performance against </a:t>
+            </a:r>
+            <a:r>
+              <a:rPr sz="1600" dirty="0" err="1"/>
+              <a:t>behavioural</a:t>
+            </a:r>
+            <a:r>
+              <a:rPr sz="1600" dirty="0"/>
+              <a:t> data </a:t>
+            </a:r>
+            <a:r>
+              <a:rPr sz="1600" b="1" dirty="0">
+                <a:solidFill>
+                  <a:srgbClr val="FFFFFF"/>
+                </a:solidFill>
+              </a:rPr>
+              <a:t>qualitatively</a:t>
+            </a:r>
+          </a:p>
+        </p:txBody>
+      </p:sp>
+      <p:sp>
+        <p:nvSpPr>
+          <p:cNvPr id="17" name="Google Shape;73;gb80e2ae2f7_1_19">
+            <a:extLst>
+              <a:ext uri="{FF2B5EF4-FFF2-40B4-BE49-F238E27FC236}">
+                <a16:creationId xmlns:a16="http://schemas.microsoft.com/office/drawing/2014/main" id="{1564CB80-5A64-8647-9F2A-69FBCA2BAB5F}"/>
+              </a:ext>
+            </a:extLst>
+          </p:cNvPr>
+          <p:cNvSpPr txBox="1"/>
+          <p:nvPr/>
+        </p:nvSpPr>
+        <p:spPr>
+          <a:xfrm>
+            <a:off x="645854" y="4321328"/>
+            <a:ext cx="7785922" cy="462251"/>
+          </a:xfrm>
+          <a:prstGeom prst="rect">
+            <a:avLst/>
+          </a:prstGeom>
+          <a:ln w="12700">
+            <a:miter lim="400000"/>
+          </a:ln>
+          <a:extLst>
+            <a:ext uri="{C572A759-6A51-4108-AA02-DFA0A04FC94B}">
+              <ma14:wrappingTextBoxFlag xmlns:ma14="http://schemas.microsoft.com/office/mac/drawingml/2011/main" xmlns:a14="http://schemas.microsoft.com/office/drawing/2010/main" xmlns:m="http://schemas.openxmlformats.org/officeDocument/2006/math" xmlns="" val="1"/>
+            </a:ext>
+          </a:extLst>
+        </p:spPr>
+        <p:txBody>
+          <a:bodyPr lIns="91424" tIns="91424" rIns="91424" bIns="91424">
+            <a:spAutoFit/>
+          </a:bodyPr>
+          <a:lstStyle/>
+          <a:p>
+            <a:pPr marL="457200" indent="-323850">
+              <a:lnSpc>
+                <a:spcPct val="115000"/>
+              </a:lnSpc>
+              <a:buClr>
+                <a:srgbClr val="1FD0B3"/>
+              </a:buClr>
+              <a:buSzPts val="1800"/>
+              <a:buFont typeface="Helvetica"/>
+              <a:buChar char="➔"/>
+              <a:defRPr sz="1800">
+                <a:solidFill>
+                  <a:srgbClr val="B0FEF1"/>
+                </a:solidFill>
+                <a:latin typeface="Volkhov"/>
+                <a:ea typeface="Volkhov"/>
+                <a:cs typeface="Volkhov"/>
+                <a:sym typeface="Volkhov"/>
+              </a:defRPr>
+            </a:pPr>
+            <a:r>
+              <a:rPr sz="1600"/>
+              <a:t>Try to find a behavioural pattern that </a:t>
+            </a:r>
+            <a:r>
+              <a:rPr sz="1600" b="1">
+                <a:solidFill>
+                  <a:srgbClr val="FFFFFF"/>
+                </a:solidFill>
+              </a:rPr>
+              <a:t>dissociates</a:t>
+            </a:r>
+            <a:r>
+              <a:rPr sz="1600"/>
+              <a:t> between the models</a:t>
+            </a:r>
+          </a:p>
+        </p:txBody>
+      </p:sp>
+      <p:sp>
+        <p:nvSpPr>
+          <p:cNvPr id="18" name="Google Shape;73;gb80e2ae2f7_1_19">
+            <a:extLst>
+              <a:ext uri="{FF2B5EF4-FFF2-40B4-BE49-F238E27FC236}">
+                <a16:creationId xmlns:a16="http://schemas.microsoft.com/office/drawing/2014/main" id="{825BB8B9-CF6E-0147-876F-386B1F41E62F}"/>
+              </a:ext>
+            </a:extLst>
+          </p:cNvPr>
+          <p:cNvSpPr txBox="1"/>
+          <p:nvPr/>
+        </p:nvSpPr>
+        <p:spPr>
+          <a:xfrm>
+            <a:off x="2619166" y="4753704"/>
+            <a:ext cx="8480809" cy="360651"/>
+          </a:xfrm>
+          <a:prstGeom prst="rect">
+            <a:avLst/>
+          </a:prstGeom>
+          <a:ln w="12700">
+            <a:miter lim="400000"/>
+          </a:ln>
+          <a:extLst>
+            <a:ext uri="{C572A759-6A51-4108-AA02-DFA0A04FC94B}">
+              <ma14:wrappingTextBoxFlag xmlns:ma14="http://schemas.microsoft.com/office/mac/drawingml/2011/main" xmlns:a14="http://schemas.microsoft.com/office/drawing/2010/main" xmlns:m="http://schemas.openxmlformats.org/officeDocument/2006/math" xmlns="" val="1"/>
+            </a:ext>
+          </a:extLst>
+        </p:spPr>
+        <p:txBody>
+          <a:bodyPr lIns="91424" tIns="91424" rIns="91424" bIns="91424">
+            <a:spAutoFit/>
+          </a:bodyPr>
+          <a:lstStyle>
+            <a:lvl1pPr indent="228600">
+              <a:lnSpc>
+                <a:spcPct val="115000"/>
+              </a:lnSpc>
+              <a:buClr>
+                <a:srgbClr val="1FD0B3"/>
+              </a:buClr>
+              <a:buFont typeface="Helvetica"/>
+              <a:defRPr sz="1200" i="1">
+                <a:solidFill>
+                  <a:srgbClr val="1BD1B3"/>
+                </a:solidFill>
+                <a:latin typeface="Volkhov"/>
+                <a:ea typeface="Volkhov"/>
+                <a:cs typeface="Volkhov"/>
+                <a:sym typeface="Volkhov"/>
+              </a:defRPr>
+            </a:lvl1pPr>
+          </a:lstStyle>
+          <a:p>
+            <a:pPr>
+              <a:defRPr i="0">
+                <a:solidFill>
+                  <a:srgbClr val="B0FEF1"/>
+                </a:solidFill>
+              </a:defRPr>
+            </a:pPr>
+            <a:r>
+              <a:rPr i="1">
+                <a:solidFill>
+                  <a:srgbClr val="1BD1B3"/>
+                </a:solidFill>
+              </a:rPr>
+              <a:t>The importance of model falsification (Palminteri et al., Trends Cog Sci 2017) </a:t>
+            </a:r>
+          </a:p>
+        </p:txBody>
+      </p:sp>
+    </p:spTree>
+    <p:extLst>
+      <p:ext uri="{BB962C8B-B14F-4D97-AF65-F5344CB8AC3E}">
+        <p14:creationId xmlns:p14="http://schemas.microsoft.com/office/powerpoint/2010/main" val="4018481675"/>
+      </p:ext>
+    </p:extLst>
+  </p:cSld>
+  <p:clrMapOvr>
+    <a:masterClrMapping/>
+  </p:clrMapOvr>
+</p:sld>
+</file>
+
+<file path=ppt/slides/slide44.xml><?xml version="1.0" encoding="utf-8"?>
+<p:sld xmlns:a="http://schemas.openxmlformats.org/drawingml/2006/main" xmlns:r="http://schemas.openxmlformats.org/officeDocument/2006/relationships" xmlns:p="http://schemas.openxmlformats.org/presentationml/2006/main">
+  <p:cSld>
+    <p:bg>
+      <p:bgPr>
+        <a:solidFill>
+          <a:srgbClr val="17283A"/>
+        </a:solidFill>
+        <a:effectLst/>
+      </p:bgPr>
+    </p:bg>
+    <p:spTree>
+      <p:nvGrpSpPr>
+        <p:cNvPr id="1" name="Shape 69"/>
+        <p:cNvGrpSpPr/>
+        <p:nvPr/>
+      </p:nvGrpSpPr>
+      <p:grpSpPr>
+        <a:xfrm>
+          <a:off x="0" y="0"/>
+          <a:ext cx="0" cy="0"/>
+          <a:chOff x="0" y="0"/>
+          <a:chExt cx="0" cy="0"/>
+        </a:xfrm>
+      </p:grpSpPr>
+      <p:pic>
+        <p:nvPicPr>
+          <p:cNvPr id="6" name="Picture 4">
+            <a:extLst>
+              <a:ext uri="{FF2B5EF4-FFF2-40B4-BE49-F238E27FC236}">
+                <a16:creationId xmlns:a16="http://schemas.microsoft.com/office/drawing/2014/main" id="{E7C9AE3C-CAB2-7742-8AE5-DAC524D0E56C}"/>
+              </a:ext>
+            </a:extLst>
+          </p:cNvPr>
+          <p:cNvPicPr>
+            <a:picLocks noChangeAspect="1" noChangeArrowheads="1"/>
+          </p:cNvPicPr>
+          <p:nvPr/>
+        </p:nvPicPr>
+        <p:blipFill>
+          <a:blip r:embed="rId3">
+            <a:extLst>
+              <a:ext uri="{28A0092B-C50C-407E-A947-70E740481C1C}">
+                <a14:useLocalDpi xmlns:a14="http://schemas.microsoft.com/office/drawing/2010/main" val="0"/>
+              </a:ext>
+            </a:extLst>
+          </a:blip>
+          <a:srcRect/>
+          <a:stretch>
+            <a:fillRect/>
+          </a:stretch>
+        </p:blipFill>
+        <p:spPr bwMode="auto">
+          <a:xfrm>
+            <a:off x="6183430" y="233197"/>
+            <a:ext cx="1494845" cy="517227"/>
+          </a:xfrm>
+          <a:prstGeom prst="rect">
+            <a:avLst/>
+          </a:prstGeom>
+          <a:noFill/>
+          <a:extLst>
+            <a:ext uri="{909E8E84-426E-40DD-AFC4-6F175D3DCCD1}">
+              <a14:hiddenFill xmlns:a14="http://schemas.microsoft.com/office/drawing/2010/main">
+                <a:solidFill>
+                  <a:srgbClr val="FFFFFF"/>
+                </a:solidFill>
+              </a14:hiddenFill>
+            </a:ext>
+          </a:extLst>
+        </p:spPr>
+      </p:pic>
+      <p:grpSp>
+        <p:nvGrpSpPr>
+          <p:cNvPr id="7" name="Group 6">
+            <a:extLst>
+              <a:ext uri="{FF2B5EF4-FFF2-40B4-BE49-F238E27FC236}">
+                <a16:creationId xmlns:a16="http://schemas.microsoft.com/office/drawing/2014/main" id="{EF316743-DB5E-3240-8FB7-789FEE05DECE}"/>
+              </a:ext>
+            </a:extLst>
+          </p:cNvPr>
+          <p:cNvGrpSpPr/>
+          <p:nvPr/>
+        </p:nvGrpSpPr>
+        <p:grpSpPr>
+          <a:xfrm>
+            <a:off x="7585809" y="128476"/>
+            <a:ext cx="1494845" cy="816097"/>
+            <a:chOff x="7663063" y="164557"/>
+            <a:chExt cx="1494845" cy="838997"/>
+          </a:xfrm>
+        </p:grpSpPr>
+        <p:pic>
+          <p:nvPicPr>
+            <p:cNvPr id="8" name="Picture 2" descr="Picture">
+              <a:extLst>
+                <a:ext uri="{FF2B5EF4-FFF2-40B4-BE49-F238E27FC236}">
+                  <a16:creationId xmlns:a16="http://schemas.microsoft.com/office/drawing/2014/main" id="{6BF4D20E-F67C-9543-9442-6D5160C278BE}"/>
+                </a:ext>
+              </a:extLst>
+            </p:cNvPr>
+            <p:cNvPicPr>
+              <a:picLocks noChangeAspect="1" noChangeArrowheads="1"/>
+            </p:cNvPicPr>
+            <p:nvPr/>
+          </p:nvPicPr>
+          <p:blipFill>
+            <a:blip r:embed="rId4">
+              <a:extLst>
+                <a:ext uri="{28A0092B-C50C-407E-A947-70E740481C1C}">
+                  <a14:useLocalDpi xmlns:a14="http://schemas.microsoft.com/office/drawing/2010/main" val="0"/>
+                </a:ext>
+              </a:extLst>
+            </a:blip>
+            <a:srcRect/>
+            <a:stretch>
+              <a:fillRect/>
+            </a:stretch>
+          </p:blipFill>
+          <p:spPr bwMode="auto">
+            <a:xfrm>
+              <a:off x="7946136" y="164557"/>
+              <a:ext cx="961537" cy="585867"/>
+            </a:xfrm>
+            <a:prstGeom prst="rect">
+              <a:avLst/>
+            </a:prstGeom>
+            <a:noFill/>
+            <a:extLst>
+              <a:ext uri="{909E8E84-426E-40DD-AFC4-6F175D3DCCD1}">
+                <a14:hiddenFill xmlns:a14="http://schemas.microsoft.com/office/drawing/2010/main">
+                  <a:solidFill>
+                    <a:srgbClr val="FFFFFF"/>
+                  </a:solidFill>
+                </a14:hiddenFill>
+              </a:ext>
+            </a:extLst>
+          </p:spPr>
+        </p:pic>
+        <p:sp>
+          <p:nvSpPr>
+            <p:cNvPr id="9" name="Rectangle 8">
+              <a:extLst>
+                <a:ext uri="{FF2B5EF4-FFF2-40B4-BE49-F238E27FC236}">
+                  <a16:creationId xmlns:a16="http://schemas.microsoft.com/office/drawing/2014/main" id="{FCDCD23F-E6FA-2B4A-B5E9-9E96FEA57A8F}"/>
+                </a:ext>
+              </a:extLst>
+            </p:cNvPr>
+            <p:cNvSpPr/>
+            <p:nvPr/>
+          </p:nvSpPr>
+          <p:spPr>
+            <a:xfrm>
+              <a:off x="7663063" y="750424"/>
+              <a:ext cx="1494845" cy="253130"/>
+            </a:xfrm>
+            <a:prstGeom prst="rect">
+              <a:avLst/>
+            </a:prstGeom>
+          </p:spPr>
+          <p:txBody>
+            <a:bodyPr wrap="square">
+              <a:spAutoFit/>
+            </a:bodyPr>
+            <a:lstStyle/>
+            <a:p>
+              <a:pPr algn="ctr"/>
+              <a:r>
+                <a:rPr lang="en" sz="1000" dirty="0">
+                  <a:solidFill>
+                    <a:schemeClr val="bg2">
+                      <a:lumMod val="40000"/>
+                      <a:lumOff val="60000"/>
+                    </a:schemeClr>
+                  </a:solidFill>
+                  <a:latin typeface="Helvetica" pitchFamily="2" charset="0"/>
+                  <a:ea typeface="Roboto Mono"/>
+                  <a:cs typeface="Thonburi" pitchFamily="2" charset="-34"/>
+                  <a:sym typeface="Roboto Mono"/>
+                </a:rPr>
+                <a:t>HARTLEY LAB</a:t>
+              </a:r>
+              <a:endParaRPr lang="en-US" sz="1000" dirty="0">
+                <a:solidFill>
+                  <a:schemeClr val="bg2">
+                    <a:lumMod val="40000"/>
+                    <a:lumOff val="60000"/>
+                  </a:schemeClr>
+                </a:solidFill>
+                <a:latin typeface="Helvetica" pitchFamily="2" charset="0"/>
+                <a:cs typeface="Thonburi" pitchFamily="2" charset="-34"/>
+              </a:endParaRPr>
+            </a:p>
+          </p:txBody>
+        </p:sp>
+      </p:grpSp>
+      <p:pic>
+        <p:nvPicPr>
+          <p:cNvPr id="10" name="Picture 10" descr="Home - Flux Society">
+            <a:extLst>
+              <a:ext uri="{FF2B5EF4-FFF2-40B4-BE49-F238E27FC236}">
+                <a16:creationId xmlns:a16="http://schemas.microsoft.com/office/drawing/2014/main" id="{3B93B20D-CDBD-1241-AFCB-7FC469D1D327}"/>
+              </a:ext>
+            </a:extLst>
+          </p:cNvPr>
+          <p:cNvPicPr>
+            <a:picLocks noChangeAspect="1" noChangeArrowheads="1"/>
+          </p:cNvPicPr>
+          <p:nvPr/>
+        </p:nvPicPr>
+        <p:blipFill>
+          <a:blip r:embed="rId5">
+            <a:extLst>
+              <a:ext uri="{BEBA8EAE-BF5A-486C-A8C5-ECC9F3942E4B}">
+                <a14:imgProps xmlns:a14="http://schemas.microsoft.com/office/drawing/2010/main">
+                  <a14:imgLayer r:embed="rId6">
+                    <a14:imgEffect>
+                      <a14:backgroundRemoval t="6770" b="96132" l="9955" r="94570">
+                        <a14:foregroundMark x1="39367" y1="9865" x2="39367" y2="9865"/>
+                        <a14:foregroundMark x1="39367" y1="9865" x2="30543" y2="9865"/>
+                        <a14:foregroundMark x1="23756" y1="16441" x2="30543" y2="11219"/>
+                        <a14:foregroundMark x1="33484" y1="9865" x2="44796" y2="9671"/>
+                        <a14:foregroundMark x1="44796" y1="9671" x2="45928" y2="9671"/>
+                        <a14:foregroundMark x1="44796" y1="8897" x2="44118" y2="6770"/>
+                        <a14:foregroundMark x1="64027" y1="24758" x2="67195" y2="25725"/>
+                        <a14:foregroundMark x1="45701" y1="45455" x2="45701" y2="45455"/>
+                        <a14:foregroundMark x1="39140" y1="42940" x2="39140" y2="42940"/>
+                        <a14:foregroundMark x1="35294" y1="37524" x2="35294" y2="37524"/>
+                        <a14:foregroundMark x1="33484" y1="36364" x2="33484" y2="36364"/>
+                        <a14:foregroundMark x1="71493" y1="40812" x2="71493" y2="40812"/>
+                        <a14:foregroundMark x1="71719" y1="40039" x2="71946" y2="34816"/>
+                        <a14:foregroundMark x1="89140" y1="42747" x2="89140" y2="42747"/>
+                        <a14:foregroundMark x1="76697" y1="58607" x2="76697" y2="58607"/>
+                        <a14:foregroundMark x1="76923" y1="58221" x2="77828" y2="58221"/>
+                        <a14:foregroundMark x1="73529" y1="58607" x2="73529" y2="58607"/>
+                        <a14:foregroundMark x1="73077" y1="58607" x2="71267" y2="59574"/>
+                        <a14:foregroundMark x1="33032" y1="35977" x2="33032" y2="35977"/>
+                        <a14:foregroundMark x1="35068" y1="73501" x2="35068" y2="73501"/>
+                        <a14:foregroundMark x1="35068" y1="73501" x2="33258" y2="76983"/>
+                        <a14:foregroundMark x1="33258" y1="77563" x2="33710" y2="82398"/>
+                        <a14:foregroundMark x1="33937" y1="82205" x2="33258" y2="86460"/>
+                        <a14:foregroundMark x1="33258" y1="86847" x2="33032" y2="90716"/>
+                        <a14:foregroundMark x1="33032" y1="90909" x2="32805" y2="94584"/>
+                        <a14:foregroundMark x1="12443" y1="96132" x2="15385" y2="74855"/>
+                        <a14:foregroundMark x1="48416" y1="81625" x2="49095" y2="90909"/>
+                        <a14:foregroundMark x1="49095" y1="90909" x2="49095" y2="90909"/>
+                        <a14:foregroundMark x1="81222" y1="81238" x2="87330" y2="88781"/>
+                        <a14:foregroundMark x1="94570" y1="94971" x2="94570" y2="94971"/>
+                      </a14:backgroundRemoval>
+                    </a14:imgEffect>
+                    <a14:imgEffect>
+                      <a14:sharpenSoften amount="50000"/>
+                    </a14:imgEffect>
+                  </a14:imgLayer>
+                </a14:imgProps>
+              </a:ext>
+              <a:ext uri="{28A0092B-C50C-407E-A947-70E740481C1C}">
+                <a14:useLocalDpi xmlns:a14="http://schemas.microsoft.com/office/drawing/2010/main" val="0"/>
+              </a:ext>
+            </a:extLst>
+          </a:blip>
+          <a:srcRect/>
+          <a:stretch>
+            <a:fillRect/>
+          </a:stretch>
+        </p:blipFill>
+        <p:spPr bwMode="auto">
+          <a:xfrm>
+            <a:off x="8475423" y="4445148"/>
+            <a:ext cx="487209" cy="569876"/>
+          </a:xfrm>
+          <a:prstGeom prst="rect">
+            <a:avLst/>
+          </a:prstGeom>
+          <a:noFill/>
+          <a:extLst>
+            <a:ext uri="{909E8E84-426E-40DD-AFC4-6F175D3DCCD1}">
+              <a14:hiddenFill xmlns:a14="http://schemas.microsoft.com/office/drawing/2010/main">
+                <a:solidFill>
+                  <a:srgbClr val="FFFFFF"/>
+                </a:solidFill>
+              </a14:hiddenFill>
+            </a:ext>
+          </a:extLst>
+        </p:spPr>
+      </p:pic>
+      <p:sp>
+        <p:nvSpPr>
+          <p:cNvPr id="12" name="Google Shape;71;gb80e2ae2f7_1_19">
+            <a:extLst>
+              <a:ext uri="{FF2B5EF4-FFF2-40B4-BE49-F238E27FC236}">
+                <a16:creationId xmlns:a16="http://schemas.microsoft.com/office/drawing/2014/main" id="{74495414-5B5A-8A4A-B0D3-7D8266880A7F}"/>
+              </a:ext>
+            </a:extLst>
+          </p:cNvPr>
+          <p:cNvSpPr txBox="1"/>
+          <p:nvPr/>
+        </p:nvSpPr>
+        <p:spPr>
+          <a:xfrm>
+            <a:off x="838200" y="477525"/>
+            <a:ext cx="5973300" cy="353913"/>
+          </a:xfrm>
+          <a:prstGeom prst="rect">
+            <a:avLst/>
+          </a:prstGeom>
+          <a:noFill/>
+          <a:ln>
+            <a:noFill/>
+          </a:ln>
+        </p:spPr>
+        <p:txBody>
+          <a:bodyPr spcFirstLastPara="1" wrap="square" lIns="91425" tIns="91425" rIns="91425" bIns="91425" anchor="t" anchorCtr="0">
+            <a:spAutoFit/>
+          </a:bodyPr>
+          <a:lstStyle/>
+          <a:p>
+            <a:pPr marL="0" lvl="0" indent="0" algn="l" rtl="0">
+              <a:spcBef>
+                <a:spcPts val="0"/>
+              </a:spcBef>
+              <a:spcAft>
+                <a:spcPts val="0"/>
+              </a:spcAft>
+              <a:buNone/>
+            </a:pPr>
+            <a:r>
+              <a:rPr lang="en" sz="1100" dirty="0">
+                <a:solidFill>
+                  <a:srgbClr val="B0FEF1"/>
+                </a:solidFill>
+                <a:latin typeface="Roboto Mono"/>
+                <a:ea typeface="Roboto Mono"/>
+                <a:cs typeface="Roboto Mono"/>
+                <a:sym typeface="Roboto Mono"/>
+              </a:rPr>
+              <a:t>Modeling Flux | Part 4 | Model Comparison &amp; Recoverability</a:t>
+            </a:r>
+            <a:endParaRPr dirty="0">
+              <a:solidFill>
+                <a:srgbClr val="B0FEF1"/>
+              </a:solidFill>
+            </a:endParaRPr>
+          </a:p>
+        </p:txBody>
+      </p:sp>
+      <p:sp>
+        <p:nvSpPr>
           <p:cNvPr id="19" name="Google Shape;70;gb80e2ae2f7_1_19">
             <a:extLst>
               <a:ext uri="{FF2B5EF4-FFF2-40B4-BE49-F238E27FC236}">
@@ -37544,7 +38517,7 @@
 </p:sld>
 </file>
 
-<file path=ppt/slides/slide44.xml><?xml version="1.0" encoding="utf-8"?>
+<file path=ppt/slides/slide45.xml><?xml version="1.0" encoding="utf-8"?>
 <p:sld xmlns:a="http://schemas.openxmlformats.org/drawingml/2006/main" xmlns:r="http://schemas.openxmlformats.org/officeDocument/2006/relationships" xmlns:p="http://schemas.openxmlformats.org/presentationml/2006/main">
   <p:cSld>
     <p:bg>
@@ -38579,7 +39552,7 @@
 </p:sld>
 </file>
 
-<file path=ppt/slides/slide45.xml><?xml version="1.0" encoding="utf-8"?>
+<file path=ppt/slides/slide46.xml><?xml version="1.0" encoding="utf-8"?>
 <p:sld xmlns:a="http://schemas.openxmlformats.org/drawingml/2006/main" xmlns:r="http://schemas.openxmlformats.org/officeDocument/2006/relationships" xmlns:p="http://schemas.openxmlformats.org/presentationml/2006/main">
   <p:cSld>
     <p:bg>
@@ -39703,7 +40676,7 @@
 </p:sld>
 </file>
 
-<file path=ppt/slides/slide46.xml><?xml version="1.0" encoding="utf-8"?>
+<file path=ppt/slides/slide47.xml><?xml version="1.0" encoding="utf-8"?>
 <p:sld xmlns:a="http://schemas.openxmlformats.org/drawingml/2006/main" xmlns:r="http://schemas.openxmlformats.org/officeDocument/2006/relationships" xmlns:p="http://schemas.openxmlformats.org/presentationml/2006/main">
   <p:cSld>
     <p:bg>
@@ -40438,7 +41411,7 @@
 </p:sld>
 </file>
 
-<file path=ppt/slides/slide47.xml><?xml version="1.0" encoding="utf-8"?>
+<file path=ppt/slides/slide48.xml><?xml version="1.0" encoding="utf-8"?>
 <p:sld xmlns:a="http://schemas.openxmlformats.org/drawingml/2006/main" xmlns:r="http://schemas.openxmlformats.org/officeDocument/2006/relationships" xmlns:p="http://schemas.openxmlformats.org/presentationml/2006/main">
   <p:cSld>
     <p:bg>
@@ -41326,7 +42299,7 @@
 </p:sld>
 </file>
 
-<file path=ppt/slides/slide48.xml><?xml version="1.0" encoding="utf-8"?>
+<file path=ppt/slides/slide49.xml><?xml version="1.0" encoding="utf-8"?>
 <p:sld xmlns:a="http://schemas.openxmlformats.org/drawingml/2006/main" xmlns:r="http://schemas.openxmlformats.org/officeDocument/2006/relationships" xmlns:p="http://schemas.openxmlformats.org/presentationml/2006/main">
   <p:cSld>
     <p:bg>
